--- a/assignments/calano/week-14-data-portal-archival-survey/Web Archival Survey of Global Data Portals.pptx
+++ b/assignments/calano/week-14-data-portal-archival-survey/Web Archival Survey of Global Data Portals.pptx
@@ -808,7 +808,7 @@
   <p:cSld>
     <p:spTree>
       <p:nvGrpSpPr>
-        <p:cNvPr id="215" name="Shape 215"/>
+        <p:cNvPr id="211" name="Shape 211"/>
         <p:cNvGrpSpPr/>
         <p:nvPr/>
       </p:nvGrpSpPr>
@@ -822,7 +822,7 @@
       </p:grpSpPr>
       <p:sp>
         <p:nvSpPr>
-          <p:cNvPr id="216" name="Google Shape;216;g19b2d5a7ffa_23_76:notes"/>
+          <p:cNvPr id="212" name="Google Shape;212;g19b2d5a7ffa_23_245:notes"/>
           <p:cNvSpPr/>
           <p:nvPr>
             <p:ph idx="2" type="sldImg"/>
@@ -857,7 +857,7 @@
       </p:sp>
       <p:sp>
         <p:nvSpPr>
-          <p:cNvPr id="217" name="Google Shape;217;g19b2d5a7ffa_23_76:notes"/>
+          <p:cNvPr id="213" name="Google Shape;213;g19b2d5a7ffa_23_245:notes"/>
           <p:cNvSpPr txBox="1"/>
           <p:nvPr>
             <p:ph idx="1" type="body"/>
@@ -908,7 +908,7 @@
   <p:cSld>
     <p:spTree>
       <p:nvGrpSpPr>
-        <p:cNvPr id="238" name="Shape 238"/>
+        <p:cNvPr id="240" name="Shape 240"/>
         <p:cNvGrpSpPr/>
         <p:nvPr/>
       </p:nvGrpSpPr>
@@ -922,7 +922,7 @@
       </p:grpSpPr>
       <p:sp>
         <p:nvSpPr>
-          <p:cNvPr id="239" name="Google Shape;239;g19b2d5a7ffa_23_197:notes"/>
+          <p:cNvPr id="241" name="Google Shape;241;g19b2d5a7ffa_23_375:notes"/>
           <p:cNvSpPr/>
           <p:nvPr>
             <p:ph idx="2" type="sldImg"/>
@@ -957,7 +957,7 @@
       </p:sp>
       <p:sp>
         <p:nvSpPr>
-          <p:cNvPr id="240" name="Google Shape;240;g19b2d5a7ffa_23_197:notes"/>
+          <p:cNvPr id="242" name="Google Shape;242;g19b2d5a7ffa_23_375:notes"/>
           <p:cNvSpPr txBox="1"/>
           <p:nvPr>
             <p:ph idx="1" type="body"/>
@@ -1008,7 +1008,7 @@
   <p:cSld>
     <p:spTree>
       <p:nvGrpSpPr>
-        <p:cNvPr id="260" name="Shape 260"/>
+        <p:cNvPr id="255" name="Shape 255"/>
         <p:cNvGrpSpPr/>
         <p:nvPr/>
       </p:nvGrpSpPr>
@@ -1022,7 +1022,7 @@
       </p:grpSpPr>
       <p:sp>
         <p:nvSpPr>
-          <p:cNvPr id="261" name="Google Shape;261;g19b2d5a7ffa_23_319:notes"/>
+          <p:cNvPr id="256" name="Google Shape;256;g19b2d5a7ffa_23_354:notes"/>
           <p:cNvSpPr/>
           <p:nvPr>
             <p:ph idx="2" type="sldImg"/>
@@ -1057,7 +1057,7 @@
       </p:sp>
       <p:sp>
         <p:nvSpPr>
-          <p:cNvPr id="262" name="Google Shape;262;g19b2d5a7ffa_23_319:notes"/>
+          <p:cNvPr id="257" name="Google Shape;257;g19b2d5a7ffa_23_354:notes"/>
           <p:cNvSpPr txBox="1"/>
           <p:nvPr>
             <p:ph idx="1" type="body"/>
@@ -1108,7 +1108,7 @@
   <p:cSld>
     <p:spTree>
       <p:nvGrpSpPr>
-        <p:cNvPr id="278" name="Shape 278"/>
+        <p:cNvPr id="273" name="Shape 273"/>
         <p:cNvGrpSpPr/>
         <p:nvPr/>
       </p:nvGrpSpPr>
@@ -1122,7 +1122,7 @@
       </p:grpSpPr>
       <p:sp>
         <p:nvSpPr>
-          <p:cNvPr id="279" name="Google Shape;279;g19b2d5a7ffa_23_245:notes"/>
+          <p:cNvPr id="274" name="Google Shape;274;g19b2d5a7ffa_23_305:notes"/>
           <p:cNvSpPr/>
           <p:nvPr>
             <p:ph idx="2" type="sldImg"/>
@@ -1157,7 +1157,7 @@
       </p:sp>
       <p:sp>
         <p:nvSpPr>
-          <p:cNvPr id="280" name="Google Shape;280;g19b2d5a7ffa_23_245:notes"/>
+          <p:cNvPr id="275" name="Google Shape;275;g19b2d5a7ffa_23_305:notes"/>
           <p:cNvSpPr txBox="1"/>
           <p:nvPr>
             <p:ph idx="1" type="body"/>
@@ -1208,7 +1208,7 @@
   <p:cSld>
     <p:spTree>
       <p:nvGrpSpPr>
-        <p:cNvPr id="307" name="Shape 307"/>
+        <p:cNvPr id="289" name="Shape 289"/>
         <p:cNvGrpSpPr/>
         <p:nvPr/>
       </p:nvGrpSpPr>
@@ -1222,7 +1222,7 @@
       </p:grpSpPr>
       <p:sp>
         <p:nvSpPr>
-          <p:cNvPr id="308" name="Google Shape;308;g19b2d5a7ffa_23_375:notes"/>
+          <p:cNvPr id="290" name="Google Shape;290;g19b2d5a7ffa_23_46:notes"/>
           <p:cNvSpPr/>
           <p:nvPr>
             <p:ph idx="2" type="sldImg"/>
@@ -1257,7 +1257,7 @@
       </p:sp>
       <p:sp>
         <p:nvSpPr>
-          <p:cNvPr id="309" name="Google Shape;309;g19b2d5a7ffa_23_375:notes"/>
+          <p:cNvPr id="291" name="Google Shape;291;g19b2d5a7ffa_23_46:notes"/>
           <p:cNvSpPr txBox="1"/>
           <p:nvPr>
             <p:ph idx="1" type="body"/>
@@ -1308,7 +1308,7 @@
   <p:cSld>
     <p:spTree>
       <p:nvGrpSpPr>
-        <p:cNvPr id="322" name="Shape 322"/>
+        <p:cNvPr id="307" name="Shape 307"/>
         <p:cNvGrpSpPr/>
         <p:nvPr/>
       </p:nvGrpSpPr>
@@ -1322,7 +1322,7 @@
       </p:grpSpPr>
       <p:sp>
         <p:nvSpPr>
-          <p:cNvPr id="323" name="Google Shape;323;g19b2d5a7ffa_23_354:notes"/>
+          <p:cNvPr id="308" name="Google Shape;308;g19b2d5a7ffa_23_412:notes"/>
           <p:cNvSpPr/>
           <p:nvPr>
             <p:ph idx="2" type="sldImg"/>
@@ -1357,7 +1357,7 @@
       </p:sp>
       <p:sp>
         <p:nvSpPr>
-          <p:cNvPr id="324" name="Google Shape;324;g19b2d5a7ffa_23_354:notes"/>
+          <p:cNvPr id="309" name="Google Shape;309;g19b2d5a7ffa_23_412:notes"/>
           <p:cNvSpPr txBox="1"/>
           <p:nvPr>
             <p:ph idx="1" type="body"/>
@@ -1408,7 +1408,7 @@
   <p:cSld>
     <p:spTree>
       <p:nvGrpSpPr>
-        <p:cNvPr id="340" name="Shape 340"/>
+        <p:cNvPr id="325" name="Shape 325"/>
         <p:cNvGrpSpPr/>
         <p:nvPr/>
       </p:nvGrpSpPr>
@@ -1422,7 +1422,7 @@
       </p:grpSpPr>
       <p:sp>
         <p:nvSpPr>
-          <p:cNvPr id="341" name="Google Shape;341;g19b2d5a7ffa_23_305:notes"/>
+          <p:cNvPr id="326" name="Google Shape;326;g19b2d5a7ffa_23_62:notes"/>
           <p:cNvSpPr/>
           <p:nvPr>
             <p:ph idx="2" type="sldImg"/>
@@ -1457,7 +1457,7 @@
       </p:sp>
       <p:sp>
         <p:nvSpPr>
-          <p:cNvPr id="342" name="Google Shape;342;g19b2d5a7ffa_23_305:notes"/>
+          <p:cNvPr id="327" name="Google Shape;327;g19b2d5a7ffa_23_62:notes"/>
           <p:cNvSpPr txBox="1"/>
           <p:nvPr>
             <p:ph idx="1" type="body"/>
@@ -1488,8 +1488,7 @@
               <a:buNone/>
             </a:pPr>
             <a:r>
-              <a:rPr lang="en"/>
-              <a:t>More often than not, data is </a:t>
+              <a:t/>
             </a:r>
             <a:endParaRPr/>
           </a:p>
@@ -1508,7 +1507,7 @@
   <p:cSld>
     <p:spTree>
       <p:nvGrpSpPr>
-        <p:cNvPr id="356" name="Shape 356"/>
+        <p:cNvPr id="345" name="Shape 345"/>
         <p:cNvGrpSpPr/>
         <p:nvPr/>
       </p:nvGrpSpPr>
@@ -1522,7 +1521,7 @@
       </p:grpSpPr>
       <p:sp>
         <p:nvSpPr>
-          <p:cNvPr id="357" name="Google Shape;357;g19b2d5a7ffa_23_46:notes"/>
+          <p:cNvPr id="346" name="Google Shape;346;g19b2d5a7ffa_23_94:notes"/>
           <p:cNvSpPr/>
           <p:nvPr>
             <p:ph idx="2" type="sldImg"/>
@@ -1557,7 +1556,7 @@
       </p:sp>
       <p:sp>
         <p:nvSpPr>
-          <p:cNvPr id="358" name="Google Shape;358;g19b2d5a7ffa_23_46:notes"/>
+          <p:cNvPr id="347" name="Google Shape;347;g19b2d5a7ffa_23_94:notes"/>
           <p:cNvSpPr txBox="1"/>
           <p:nvPr>
             <p:ph idx="1" type="body"/>
@@ -1608,7 +1607,7 @@
   <p:cSld>
     <p:spTree>
       <p:nvGrpSpPr>
-        <p:cNvPr id="374" name="Shape 374"/>
+        <p:cNvPr id="369" name="Shape 369"/>
         <p:cNvGrpSpPr/>
         <p:nvPr/>
       </p:nvGrpSpPr>
@@ -1622,7 +1621,7 @@
       </p:grpSpPr>
       <p:sp>
         <p:nvSpPr>
-          <p:cNvPr id="375" name="Google Shape;375;g19b2d5a7ffa_23_412:notes"/>
+          <p:cNvPr id="370" name="Google Shape;370;g19b2d5a7ffa_23_76:notes"/>
           <p:cNvSpPr/>
           <p:nvPr>
             <p:ph idx="2" type="sldImg"/>
@@ -1657,7 +1656,7 @@
       </p:sp>
       <p:sp>
         <p:nvSpPr>
-          <p:cNvPr id="376" name="Google Shape;376;g19b2d5a7ffa_23_412:notes"/>
+          <p:cNvPr id="371" name="Google Shape;371;g19b2d5a7ffa_23_76:notes"/>
           <p:cNvSpPr txBox="1"/>
           <p:nvPr>
             <p:ph idx="1" type="body"/>
@@ -2418,7 +2417,7 @@
       </p:grpSpPr>
       <p:sp>
         <p:nvSpPr>
-          <p:cNvPr id="172" name="Google Shape;172;g19b2d5a7ffa_23_62:notes"/>
+          <p:cNvPr id="172" name="Google Shape;172;g19b2d5a7ffa_23_197:notes"/>
           <p:cNvSpPr/>
           <p:nvPr>
             <p:ph idx="2" type="sldImg"/>
@@ -2453,7 +2452,7 @@
       </p:sp>
       <p:sp>
         <p:nvSpPr>
-          <p:cNvPr id="173" name="Google Shape;173;g19b2d5a7ffa_23_62:notes"/>
+          <p:cNvPr id="173" name="Google Shape;173;g19b2d5a7ffa_23_197:notes"/>
           <p:cNvSpPr txBox="1"/>
           <p:nvPr>
             <p:ph idx="1" type="body"/>
@@ -2484,7 +2483,8 @@
               <a:buNone/>
             </a:pPr>
             <a:r>
-              <a:t/>
+              <a:rPr lang="en"/>
+              <a:t>More often than not, data is </a:t>
             </a:r>
             <a:endParaRPr/>
           </a:p>
@@ -2503,7 +2503,7 @@
   <p:cSld>
     <p:spTree>
       <p:nvGrpSpPr>
-        <p:cNvPr id="191" name="Shape 191"/>
+        <p:cNvPr id="193" name="Shape 193"/>
         <p:cNvGrpSpPr/>
         <p:nvPr/>
       </p:nvGrpSpPr>
@@ -2517,7 +2517,7 @@
       </p:grpSpPr>
       <p:sp>
         <p:nvSpPr>
-          <p:cNvPr id="192" name="Google Shape;192;g19b2d5a7ffa_23_94:notes"/>
+          <p:cNvPr id="194" name="Google Shape;194;g19b2d5a7ffa_23_319:notes"/>
           <p:cNvSpPr/>
           <p:nvPr>
             <p:ph idx="2" type="sldImg"/>
@@ -2552,7 +2552,7 @@
       </p:sp>
       <p:sp>
         <p:nvSpPr>
-          <p:cNvPr id="193" name="Google Shape;193;g19b2d5a7ffa_23_94:notes"/>
+          <p:cNvPr id="195" name="Google Shape;195;g19b2d5a7ffa_23_319:notes"/>
           <p:cNvSpPr txBox="1"/>
           <p:nvPr>
             <p:ph idx="1" type="body"/>
@@ -7670,7 +7670,7 @@
   <p:cSld>
     <p:spTree>
       <p:nvGrpSpPr>
-        <p:cNvPr id="218" name="Shape 218"/>
+        <p:cNvPr id="214" name="Shape 214"/>
         <p:cNvGrpSpPr/>
         <p:nvPr/>
       </p:nvGrpSpPr>
@@ -7684,7 +7684,7 @@
       </p:grpSpPr>
       <p:sp>
         <p:nvSpPr>
-          <p:cNvPr id="219" name="Google Shape;219;p22"/>
+          <p:cNvPr id="215" name="Google Shape;215;p22"/>
           <p:cNvSpPr txBox="1"/>
           <p:nvPr>
             <p:ph idx="12" type="sldNum"/>
@@ -7724,7 +7724,7 @@
       </p:sp>
       <p:pic>
         <p:nvPicPr>
-          <p:cNvPr id="220" name="Google Shape;220;p22"/>
+          <p:cNvPr id="216" name="Google Shape;216;p22"/>
           <p:cNvPicPr preferRelativeResize="0"/>
           <p:nvPr/>
         </p:nvPicPr>
@@ -7752,7 +7752,7 @@
       </p:pic>
       <p:sp>
         <p:nvSpPr>
-          <p:cNvPr id="221" name="Google Shape;221;p22"/>
+          <p:cNvPr id="217" name="Google Shape;217;p22"/>
           <p:cNvSpPr txBox="1"/>
           <p:nvPr/>
         </p:nvSpPr>
@@ -7794,7 +7794,7 @@
       </p:sp>
       <p:sp>
         <p:nvSpPr>
-          <p:cNvPr id="222" name="Google Shape;222;p22"/>
+          <p:cNvPr id="218" name="Google Shape;218;p22"/>
           <p:cNvSpPr txBox="1"/>
           <p:nvPr/>
         </p:nvSpPr>
@@ -7836,7 +7836,7 @@
       </p:sp>
       <p:grpSp>
         <p:nvGrpSpPr>
-          <p:cNvPr id="223" name="Google Shape;223;p22"/>
+          <p:cNvPr id="219" name="Google Shape;219;p22"/>
           <p:cNvGrpSpPr/>
           <p:nvPr/>
         </p:nvGrpSpPr>
@@ -7850,7 +7850,7 @@
         </p:grpSpPr>
         <p:sp>
           <p:nvSpPr>
-            <p:cNvPr id="224" name="Google Shape;224;p22"/>
+            <p:cNvPr id="220" name="Google Shape;220;p22"/>
             <p:cNvSpPr txBox="1"/>
             <p:nvPr/>
           </p:nvSpPr>
@@ -7900,7 +7900,7 @@
         </p:sp>
         <p:pic>
           <p:nvPicPr>
-            <p:cNvPr id="225" name="Google Shape;225;p22"/>
+            <p:cNvPr id="221" name="Google Shape;221;p22"/>
             <p:cNvPicPr preferRelativeResize="0"/>
             <p:nvPr/>
           </p:nvPicPr>
@@ -7929,7 +7929,7 @@
       </p:grpSp>
       <p:cxnSp>
         <p:nvCxnSpPr>
-          <p:cNvPr id="226" name="Google Shape;226;p22"/>
+          <p:cNvPr id="222" name="Google Shape;222;p22"/>
           <p:cNvCxnSpPr/>
           <p:nvPr/>
         </p:nvCxnSpPr>
@@ -7955,7 +7955,7 @@
       </p:cxnSp>
       <p:sp>
         <p:nvSpPr>
-          <p:cNvPr id="227" name="Google Shape;227;p22"/>
+          <p:cNvPr id="223" name="Google Shape;223;p22"/>
           <p:cNvSpPr txBox="1"/>
           <p:nvPr>
             <p:ph type="title"/>
@@ -7987,22 +7987,69 @@
             </a:pPr>
             <a:r>
               <a:rPr lang="en"/>
-              <a:t>3rd-Party Adaptations</a:t>
+              <a:t>Temporal Archive Issues</a:t>
             </a:r>
             <a:endParaRPr/>
           </a:p>
         </p:txBody>
       </p:sp>
-      <p:sp>
-        <p:nvSpPr>
-          <p:cNvPr id="228" name="Google Shape;228;p22"/>
-          <p:cNvSpPr txBox="1"/>
-          <p:nvPr/>
-        </p:nvSpPr>
-        <p:spPr>
-          <a:xfrm>
-            <a:off x="1087100" y="4138875"/>
-            <a:ext cx="2518800" cy="323100"/>
+      <p:pic>
+        <p:nvPicPr>
+          <p:cNvPr id="224" name="Google Shape;224;p22"/>
+          <p:cNvPicPr preferRelativeResize="0"/>
+          <p:nvPr/>
+        </p:nvPicPr>
+        <p:blipFill rotWithShape="1">
+          <a:blip r:embed="rId5">
+            <a:alphaModFix/>
+          </a:blip>
+          <a:srcRect b="7961" l="0" r="0" t="0"/>
+          <a:stretch/>
+        </p:blipFill>
+        <p:spPr>
+          <a:xfrm>
+            <a:off x="168675" y="649275"/>
+            <a:ext cx="2821200" cy="2073250"/>
+          </a:xfrm>
+          <a:prstGeom prst="rect">
+            <a:avLst/>
+          </a:prstGeom>
+          <a:noFill/>
+          <a:ln cap="flat" cmpd="sng" w="9525">
+            <a:solidFill>
+              <a:srgbClr val="000000"/>
+            </a:solidFill>
+            <a:prstDash val="solid"/>
+            <a:round/>
+            <a:headEnd len="sm" w="sm" type="none"/>
+            <a:tailEnd len="sm" w="sm" type="none"/>
+          </a:ln>
+          <a:effectLst>
+            <a:outerShdw blurRad="57150" rotWithShape="0" algn="bl" dir="3600000" dist="57150">
+              <a:srgbClr val="000000">
+                <a:alpha val="50000"/>
+              </a:srgbClr>
+            </a:outerShdw>
+          </a:effectLst>
+        </p:spPr>
+      </p:pic>
+      <p:pic>
+        <p:nvPicPr>
+          <p:cNvPr id="225" name="Google Shape;225;p22"/>
+          <p:cNvPicPr preferRelativeResize="0"/>
+          <p:nvPr/>
+        </p:nvPicPr>
+        <p:blipFill rotWithShape="1">
+          <a:blip r:embed="rId6">
+            <a:alphaModFix/>
+          </a:blip>
+          <a:srcRect b="0" l="0" r="42834" t="0"/>
+          <a:stretch/>
+        </p:blipFill>
+        <p:spPr>
+          <a:xfrm>
+            <a:off x="168675" y="3631600"/>
+            <a:ext cx="5081375" cy="638950"/>
           </a:xfrm>
           <a:prstGeom prst="rect">
             <a:avLst/>
@@ -8011,38 +8058,23 @@
           <a:ln>
             <a:noFill/>
           </a:ln>
-        </p:spPr>
-        <p:txBody>
-          <a:bodyPr anchorCtr="0" anchor="ctr" bIns="91425" lIns="91425" spcFirstLastPara="1" rIns="91425" wrap="square" tIns="91425">
-            <a:noAutofit/>
-          </a:bodyPr>
-          <a:lstStyle/>
-          <a:p>
-            <a:pPr indent="0" lvl="0" marL="0" rtl="0" algn="ctr">
-              <a:spcBef>
-                <a:spcPts val="0"/>
-              </a:spcBef>
-              <a:spcAft>
-                <a:spcPts val="0"/>
-              </a:spcAft>
-              <a:buNone/>
-            </a:pPr>
-            <a:r>
-              <a:rPr lang="en" sz="900"/>
-              <a:t>https://factbook.github.io/it</a:t>
-            </a:r>
-            <a:endParaRPr sz="900"/>
-          </a:p>
-        </p:txBody>
-      </p:sp>
+          <a:effectLst>
+            <a:outerShdw blurRad="57150" rotWithShape="0" algn="bl" dir="3600000" dist="57150">
+              <a:srgbClr val="000000">
+                <a:alpha val="50000"/>
+              </a:srgbClr>
+            </a:outerShdw>
+          </a:effectLst>
+        </p:spPr>
+      </p:pic>
       <p:pic>
         <p:nvPicPr>
-          <p:cNvPr id="229" name="Google Shape;229;p22"/>
+          <p:cNvPr id="226" name="Google Shape;226;p22"/>
           <p:cNvPicPr preferRelativeResize="0"/>
           <p:nvPr/>
         </p:nvPicPr>
         <p:blipFill>
-          <a:blip r:embed="rId5">
+          <a:blip r:embed="rId7">
             <a:alphaModFix/>
           </a:blip>
           <a:stretch>
@@ -8051,8 +8083,8 @@
         </p:blipFill>
         <p:spPr>
           <a:xfrm>
-            <a:off x="92173" y="501300"/>
-            <a:ext cx="3925100" cy="3851376"/>
+            <a:off x="6543875" y="1468850"/>
+            <a:ext cx="2409825" cy="2362200"/>
           </a:xfrm>
           <a:prstGeom prst="rect">
             <a:avLst/>
@@ -8068,7 +8100,7 @@
             <a:tailEnd len="sm" w="sm" type="none"/>
           </a:ln>
           <a:effectLst>
-            <a:outerShdw blurRad="57150" rotWithShape="0" algn="bl" dir="2400000" dist="76200">
+            <a:outerShdw blurRad="57150" rotWithShape="0" algn="bl" dir="3600000" dist="57150">
               <a:srgbClr val="000000">
                 <a:alpha val="50000"/>
               </a:srgbClr>
@@ -8076,130 +8108,23 @@
           </a:effectLst>
         </p:spPr>
       </p:pic>
-      <p:sp>
-        <p:nvSpPr>
-          <p:cNvPr id="230" name="Google Shape;230;p22"/>
-          <p:cNvSpPr txBox="1"/>
-          <p:nvPr/>
-        </p:nvSpPr>
-        <p:spPr>
-          <a:xfrm>
-            <a:off x="402875" y="4393968"/>
-            <a:ext cx="3072000" cy="244800"/>
-          </a:xfrm>
-          <a:prstGeom prst="rect">
-            <a:avLst/>
-          </a:prstGeom>
-          <a:noFill/>
-          <a:ln>
-            <a:noFill/>
-          </a:ln>
-        </p:spPr>
-        <p:txBody>
-          <a:bodyPr anchorCtr="0" anchor="ctr" bIns="91425" lIns="91425" spcFirstLastPara="1" rIns="91425" wrap="square" tIns="91425">
-            <a:noAutofit/>
-          </a:bodyPr>
-          <a:lstStyle/>
-          <a:p>
-            <a:pPr indent="0" lvl="0" marL="0" rtl="0" algn="ctr">
-              <a:spcBef>
-                <a:spcPts val="0"/>
-              </a:spcBef>
-              <a:spcAft>
-                <a:spcPts val="0"/>
-              </a:spcAft>
-              <a:buNone/>
-            </a:pPr>
-            <a:r>
-              <a:rPr lang="en" sz="900" u="sng">
-                <a:solidFill>
-                  <a:schemeClr val="hlink"/>
-                </a:solidFill>
-                <a:hlinkClick r:id="rId6"/>
-              </a:rPr>
-              <a:t>https://www.cia.gov/the-world-factbook/countries/world/</a:t>
-            </a:r>
-            <a:endParaRPr sz="900"/>
-          </a:p>
-        </p:txBody>
-      </p:sp>
-      <p:cxnSp>
-        <p:nvCxnSpPr>
-          <p:cNvPr id="231" name="Google Shape;231;p22"/>
-          <p:cNvCxnSpPr/>
-          <p:nvPr/>
-        </p:nvCxnSpPr>
-        <p:spPr>
-          <a:xfrm>
-            <a:off x="6976925" y="508725"/>
-            <a:ext cx="2043300" cy="888000"/>
-          </a:xfrm>
-          <a:prstGeom prst="straightConnector1">
-            <a:avLst/>
-          </a:prstGeom>
-          <a:noFill/>
-          <a:ln cap="flat" cmpd="sng" w="9525">
-            <a:solidFill>
-              <a:schemeClr val="dk2"/>
-            </a:solidFill>
-            <a:prstDash val="solid"/>
-            <a:round/>
-            <a:headEnd len="med" w="med" type="none"/>
-            <a:tailEnd len="med" w="med" type="none"/>
-          </a:ln>
-          <a:effectLst>
-            <a:outerShdw blurRad="57150" rotWithShape="0" algn="bl" dir="5400000" dist="114300">
-              <a:srgbClr val="000000">
-                <a:alpha val="50000"/>
-              </a:srgbClr>
-            </a:outerShdw>
-          </a:effectLst>
-        </p:spPr>
-      </p:cxnSp>
-      <p:cxnSp>
-        <p:nvCxnSpPr>
-          <p:cNvPr id="232" name="Google Shape;232;p22"/>
-          <p:cNvCxnSpPr/>
-          <p:nvPr/>
-        </p:nvCxnSpPr>
-        <p:spPr>
-          <a:xfrm>
-            <a:off x="4155775" y="2167075"/>
-            <a:ext cx="792300" cy="2301600"/>
-          </a:xfrm>
-          <a:prstGeom prst="straightConnector1">
-            <a:avLst/>
-          </a:prstGeom>
-          <a:noFill/>
-          <a:ln cap="flat" cmpd="sng" w="9525">
-            <a:solidFill>
-              <a:schemeClr val="dk2"/>
-            </a:solidFill>
-            <a:prstDash val="solid"/>
-            <a:round/>
-            <a:headEnd len="med" w="med" type="none"/>
-            <a:tailEnd len="med" w="med" type="none"/>
-          </a:ln>
-        </p:spPr>
-      </p:cxnSp>
       <p:pic>
         <p:nvPicPr>
-          <p:cNvPr id="233" name="Google Shape;233;p22"/>
+          <p:cNvPr id="227" name="Google Shape;227;p22"/>
           <p:cNvPicPr preferRelativeResize="0"/>
           <p:nvPr/>
         </p:nvPicPr>
-        <p:blipFill>
-          <a:blip r:embed="rId7">
+        <p:blipFill rotWithShape="1">
+          <a:blip r:embed="rId8">
             <a:alphaModFix/>
           </a:blip>
-          <a:stretch>
-            <a:fillRect/>
-          </a:stretch>
+          <a:srcRect b="10698" l="0" r="0" t="0"/>
+          <a:stretch/>
         </p:blipFill>
         <p:spPr>
           <a:xfrm>
-            <a:off x="4161675" y="501300"/>
-            <a:ext cx="2816099" cy="1668375"/>
+            <a:off x="3256700" y="649275"/>
+            <a:ext cx="3048100" cy="1801150"/>
           </a:xfrm>
           <a:prstGeom prst="rect">
             <a:avLst/>
@@ -8214,42 +8139,8 @@
             <a:headEnd len="sm" w="sm" type="none"/>
             <a:tailEnd len="sm" w="sm" type="none"/>
           </a:ln>
-        </p:spPr>
-      </p:pic>
-      <p:pic>
-        <p:nvPicPr>
-          <p:cNvPr id="234" name="Google Shape;234;p22"/>
-          <p:cNvPicPr preferRelativeResize="0"/>
-          <p:nvPr/>
-        </p:nvPicPr>
-        <p:blipFill>
-          <a:blip r:embed="rId8">
-            <a:alphaModFix/>
-          </a:blip>
-          <a:stretch>
-            <a:fillRect/>
-          </a:stretch>
-        </p:blipFill>
-        <p:spPr>
-          <a:xfrm>
-            <a:off x="4939750" y="1411372"/>
-            <a:ext cx="4079501" cy="3050603"/>
-          </a:xfrm>
-          <a:prstGeom prst="rect">
-            <a:avLst/>
-          </a:prstGeom>
-          <a:noFill/>
-          <a:ln cap="flat" cmpd="sng" w="9525">
-            <a:solidFill>
-              <a:schemeClr val="dk2"/>
-            </a:solidFill>
-            <a:prstDash val="solid"/>
-            <a:round/>
-            <a:headEnd len="sm" w="sm" type="none"/>
-            <a:tailEnd len="sm" w="sm" type="none"/>
-          </a:ln>
           <a:effectLst>
-            <a:outerShdw blurRad="57150" rotWithShape="0" algn="bl" dir="3000000" dist="104775">
+            <a:outerShdw blurRad="57150" rotWithShape="0" algn="bl" dir="3600000" dist="57150">
               <a:srgbClr val="000000">
                 <a:alpha val="50000"/>
               </a:srgbClr>
@@ -8259,14 +8150,14 @@
       </p:pic>
       <p:sp>
         <p:nvSpPr>
-          <p:cNvPr id="235" name="Google Shape;235;p22"/>
+          <p:cNvPr id="228" name="Google Shape;228;p22"/>
           <p:cNvSpPr txBox="1"/>
           <p:nvPr/>
         </p:nvSpPr>
         <p:spPr>
           <a:xfrm>
-            <a:off x="7407513" y="4527037"/>
-            <a:ext cx="1659000" cy="244800"/>
+            <a:off x="3280750" y="2432668"/>
+            <a:ext cx="3000000" cy="461700"/>
           </a:xfrm>
           <a:prstGeom prst="rect">
             <a:avLst/>
@@ -8277,8 +8168,8 @@
           </a:ln>
         </p:spPr>
         <p:txBody>
-          <a:bodyPr anchorCtr="0" anchor="ctr" bIns="91425" lIns="91425" spcFirstLastPara="1" rIns="91425" wrap="square" tIns="91425">
-            <a:noAutofit/>
+          <a:bodyPr anchorCtr="0" anchor="t" bIns="91425" lIns="91425" spcFirstLastPara="1" rIns="91425" wrap="square" tIns="91425">
+            <a:spAutoFit/>
           </a:bodyPr>
           <a:lstStyle/>
           <a:p>
@@ -8298,7 +8189,7 @@
                 </a:solidFill>
                 <a:hlinkClick r:id="rId9"/>
               </a:rPr>
-              <a:t>https://factbook.github.io/it</a:t>
+              <a:t>https://web.archive.org/web/20220215030230/https://www.ncei.noaa.gov/data/gsom/archive/</a:t>
             </a:r>
             <a:endParaRPr sz="900"/>
           </a:p>
@@ -8306,34 +8197,197 @@
       </p:sp>
       <p:sp>
         <p:nvSpPr>
-          <p:cNvPr id="236" name="Google Shape;236;p22"/>
-          <p:cNvSpPr/>
+          <p:cNvPr id="229" name="Google Shape;229;p22"/>
+          <p:cNvSpPr txBox="1"/>
           <p:nvPr/>
         </p:nvSpPr>
         <p:spPr>
           <a:xfrm>
-            <a:off x="3823594" y="1583775"/>
-            <a:ext cx="631500" cy="585900"/>
-          </a:xfrm>
-          <a:prstGeom prst="rightArrow">
-            <a:avLst>
-              <a:gd fmla="val 50000" name="adj1"/>
-              <a:gd fmla="val 50000" name="adj2"/>
-            </a:avLst>
-          </a:prstGeom>
-          <a:solidFill>
-            <a:srgbClr val="FFD966"/>
-          </a:solidFill>
+            <a:off x="3280750" y="4443675"/>
+            <a:ext cx="5776500" cy="323100"/>
+          </a:xfrm>
+          <a:prstGeom prst="rect">
+            <a:avLst/>
+          </a:prstGeom>
+          <a:noFill/>
           <a:ln>
             <a:noFill/>
           </a:ln>
+        </p:spPr>
+        <p:txBody>
+          <a:bodyPr anchorCtr="0" anchor="t" bIns="91425" lIns="91425" spcFirstLastPara="1" rIns="91425" wrap="square" tIns="91425">
+            <a:spAutoFit/>
+          </a:bodyPr>
+          <a:lstStyle/>
+          <a:p>
+            <a:pPr indent="0" lvl="0" marL="0" rtl="0" algn="l">
+              <a:spcBef>
+                <a:spcPts val="0"/>
+              </a:spcBef>
+              <a:spcAft>
+                <a:spcPts val="0"/>
+              </a:spcAft>
+              <a:buNone/>
+            </a:pPr>
+            <a:r>
+              <a:rPr lang="en" sz="900" u="sng">
+                <a:solidFill>
+                  <a:schemeClr val="hlink"/>
+                </a:solidFill>
+                <a:hlinkClick r:id="rId10"/>
+              </a:rPr>
+              <a:t>https://web.archive.org/web/20170509114427/https://www.ncei.noaa.gov/data/gsom/archive/gsom-latest.tar.gz</a:t>
+            </a:r>
+            <a:endParaRPr sz="900"/>
+          </a:p>
+        </p:txBody>
+      </p:sp>
+      <p:pic>
+        <p:nvPicPr>
+          <p:cNvPr id="230" name="Google Shape;230;p22"/>
+          <p:cNvPicPr preferRelativeResize="0"/>
+          <p:nvPr/>
+        </p:nvPicPr>
+        <p:blipFill rotWithShape="1">
+          <a:blip r:embed="rId6">
+            <a:alphaModFix/>
+          </a:blip>
+          <a:srcRect b="27738" l="45395" r="43234" t="32480"/>
+          <a:stretch/>
+        </p:blipFill>
+        <p:spPr>
+          <a:xfrm>
+            <a:off x="4436477" y="2993650"/>
+            <a:ext cx="1835811" cy="461700"/>
+          </a:xfrm>
+          <a:prstGeom prst="rect">
+            <a:avLst/>
+          </a:prstGeom>
+          <a:noFill/>
+          <a:ln cap="flat" cmpd="sng" w="38100">
+            <a:solidFill>
+              <a:srgbClr val="FFD966"/>
+            </a:solidFill>
+            <a:prstDash val="solid"/>
+            <a:round/>
+            <a:headEnd len="sm" w="sm" type="none"/>
+            <a:tailEnd len="sm" w="sm" type="none"/>
+          </a:ln>
           <a:effectLst>
-            <a:outerShdw blurRad="57150" rotWithShape="0" algn="bl" dir="4200000" dist="76200">
+            <a:outerShdw blurRad="57150" rotWithShape="0" algn="bl" dir="3360000" dist="219075">
               <a:srgbClr val="000000">
                 <a:alpha val="50000"/>
               </a:srgbClr>
             </a:outerShdw>
           </a:effectLst>
+        </p:spPr>
+      </p:pic>
+      <p:pic>
+        <p:nvPicPr>
+          <p:cNvPr id="231" name="Google Shape;231;p22"/>
+          <p:cNvPicPr preferRelativeResize="0"/>
+          <p:nvPr/>
+        </p:nvPicPr>
+        <p:blipFill>
+          <a:blip r:embed="rId11">
+            <a:alphaModFix/>
+          </a:blip>
+          <a:stretch>
+            <a:fillRect/>
+          </a:stretch>
+        </p:blipFill>
+        <p:spPr>
+          <a:xfrm>
+            <a:off x="6439725" y="649275"/>
+            <a:ext cx="2513975" cy="638950"/>
+          </a:xfrm>
+          <a:prstGeom prst="rect">
+            <a:avLst/>
+          </a:prstGeom>
+          <a:noFill/>
+          <a:ln>
+            <a:noFill/>
+          </a:ln>
+          <a:effectLst>
+            <a:outerShdw blurRad="57150" rotWithShape="0" algn="bl" dir="3600000" dist="57150">
+              <a:srgbClr val="000000">
+                <a:alpha val="50000"/>
+              </a:srgbClr>
+            </a:outerShdw>
+          </a:effectLst>
+        </p:spPr>
+      </p:pic>
+      <p:sp>
+        <p:nvSpPr>
+          <p:cNvPr id="232" name="Google Shape;232;p22"/>
+          <p:cNvSpPr txBox="1"/>
+          <p:nvPr/>
+        </p:nvSpPr>
+        <p:spPr>
+          <a:xfrm>
+            <a:off x="98107" y="2690863"/>
+            <a:ext cx="3000000" cy="461700"/>
+          </a:xfrm>
+          <a:prstGeom prst="rect">
+            <a:avLst/>
+          </a:prstGeom>
+          <a:noFill/>
+          <a:ln>
+            <a:noFill/>
+          </a:ln>
+        </p:spPr>
+        <p:txBody>
+          <a:bodyPr anchorCtr="0" anchor="t" bIns="91425" lIns="91425" spcFirstLastPara="1" rIns="91425" wrap="square" tIns="91425">
+            <a:spAutoFit/>
+          </a:bodyPr>
+          <a:lstStyle/>
+          <a:p>
+            <a:pPr indent="0" lvl="0" marL="0" rtl="0" algn="ctr">
+              <a:spcBef>
+                <a:spcPts val="0"/>
+              </a:spcBef>
+              <a:spcAft>
+                <a:spcPts val="0"/>
+              </a:spcAft>
+              <a:buNone/>
+            </a:pPr>
+            <a:r>
+              <a:rPr lang="en" sz="900" u="sng">
+                <a:solidFill>
+                  <a:schemeClr val="hlink"/>
+                </a:solidFill>
+                <a:hlinkClick r:id="rId12"/>
+              </a:rPr>
+              <a:t>https://web.archive.org/web/20220601162542/https://www.ncei.noaa.gov/data/gsom/</a:t>
+            </a:r>
+            <a:endParaRPr sz="900"/>
+          </a:p>
+        </p:txBody>
+      </p:sp>
+      <p:sp>
+        <p:nvSpPr>
+          <p:cNvPr id="233" name="Google Shape;233;p22"/>
+          <p:cNvSpPr/>
+          <p:nvPr/>
+        </p:nvSpPr>
+        <p:spPr>
+          <a:xfrm>
+            <a:off x="4202400" y="3865725"/>
+            <a:ext cx="1018200" cy="323100"/>
+          </a:xfrm>
+          <a:prstGeom prst="rect">
+            <a:avLst/>
+          </a:prstGeom>
+          <a:noFill/>
+          <a:ln cap="flat" cmpd="sng" w="38100">
+            <a:solidFill>
+              <a:srgbClr val="FFD966"/>
+            </a:solidFill>
+            <a:prstDash val="solid"/>
+            <a:round/>
+            <a:headEnd len="sm" w="sm" type="none"/>
+            <a:tailEnd len="sm" w="sm" type="none"/>
+          </a:ln>
         </p:spPr>
         <p:txBody>
           <a:bodyPr anchorCtr="0" anchor="ctr" bIns="91425" lIns="91425" spcFirstLastPara="1" rIns="91425" wrap="square" tIns="91425">
@@ -8357,28 +8411,86 @@
           </a:p>
         </p:txBody>
       </p:sp>
+      <p:cxnSp>
+        <p:nvCxnSpPr>
+          <p:cNvPr id="234" name="Google Shape;234;p22"/>
+          <p:cNvCxnSpPr/>
+          <p:nvPr/>
+        </p:nvCxnSpPr>
+        <p:spPr>
+          <a:xfrm flipH="1" rot="10800000">
+            <a:off x="4202000" y="2986375"/>
+            <a:ext cx="218100" cy="885300"/>
+          </a:xfrm>
+          <a:prstGeom prst="straightConnector1">
+            <a:avLst/>
+          </a:prstGeom>
+          <a:noFill/>
+          <a:ln cap="flat" cmpd="sng" w="28575">
+            <a:solidFill>
+              <a:srgbClr val="FFD966"/>
+            </a:solidFill>
+            <a:prstDash val="solid"/>
+            <a:round/>
+            <a:headEnd len="med" w="med" type="none"/>
+            <a:tailEnd len="med" w="med" type="none"/>
+          </a:ln>
+        </p:spPr>
+      </p:cxnSp>
+      <p:cxnSp>
+        <p:nvCxnSpPr>
+          <p:cNvPr id="235" name="Google Shape;235;p22"/>
+          <p:cNvCxnSpPr/>
+          <p:nvPr/>
+        </p:nvCxnSpPr>
+        <p:spPr>
+          <a:xfrm flipH="1" rot="10800000">
+            <a:off x="5226075" y="3468525"/>
+            <a:ext cx="1044000" cy="740100"/>
+          </a:xfrm>
+          <a:prstGeom prst="straightConnector1">
+            <a:avLst/>
+          </a:prstGeom>
+          <a:noFill/>
+          <a:ln cap="flat" cmpd="sng" w="28575">
+            <a:solidFill>
+              <a:srgbClr val="FFD966"/>
+            </a:solidFill>
+            <a:prstDash val="solid"/>
+            <a:round/>
+            <a:headEnd len="med" w="med" type="none"/>
+            <a:tailEnd len="med" w="med" type="none"/>
+          </a:ln>
+        </p:spPr>
+      </p:cxnSp>
       <p:sp>
         <p:nvSpPr>
-          <p:cNvPr id="237" name="Google Shape;237;p22"/>
-          <p:cNvSpPr txBox="1"/>
+          <p:cNvPr id="236" name="Google Shape;236;p22"/>
+          <p:cNvSpPr/>
           <p:nvPr/>
         </p:nvSpPr>
         <p:spPr>
           <a:xfrm>
-            <a:off x="5028750" y="4487875"/>
-            <a:ext cx="2043300" cy="323100"/>
+            <a:off x="7300675" y="2418150"/>
+            <a:ext cx="971100" cy="704700"/>
           </a:xfrm>
           <a:prstGeom prst="rect">
             <a:avLst/>
           </a:prstGeom>
           <a:noFill/>
-          <a:ln>
-            <a:noFill/>
+          <a:ln cap="flat" cmpd="sng" w="38100">
+            <a:solidFill>
+              <a:srgbClr val="FF0000"/>
+            </a:solidFill>
+            <a:prstDash val="solid"/>
+            <a:round/>
+            <a:headEnd len="sm" w="sm" type="none"/>
+            <a:tailEnd len="sm" w="sm" type="none"/>
           </a:ln>
         </p:spPr>
         <p:txBody>
-          <a:bodyPr anchorCtr="0" anchor="t" bIns="91425" lIns="91425" spcFirstLastPara="1" rIns="91425" wrap="square" tIns="91425">
-            <a:spAutoFit/>
+          <a:bodyPr anchorCtr="0" anchor="ctr" bIns="91425" lIns="91425" spcFirstLastPara="1" rIns="91425" wrap="square" tIns="91425">
+            <a:noAutofit/>
           </a:bodyPr>
           <a:lstStyle/>
           <a:p>
@@ -8392,18 +8504,92 @@
               <a:buNone/>
             </a:pPr>
             <a:r>
-              <a:rPr lang="en" sz="900" u="sng">
-                <a:solidFill>
-                  <a:schemeClr val="hlink"/>
-                </a:solidFill>
-                <a:hlinkClick r:id="rId10"/>
-              </a:rPr>
-              <a:t>https://github.com/factbook/factbook</a:t>
+              <a:t/>
             </a:r>
-            <a:endParaRPr sz="900"/>
+            <a:endParaRPr/>
           </a:p>
         </p:txBody>
       </p:sp>
+      <p:cxnSp>
+        <p:nvCxnSpPr>
+          <p:cNvPr id="237" name="Google Shape;237;p22"/>
+          <p:cNvCxnSpPr/>
+          <p:nvPr/>
+        </p:nvCxnSpPr>
+        <p:spPr>
+          <a:xfrm rot="10800000">
+            <a:off x="5477275" y="2332200"/>
+            <a:ext cx="1823400" cy="438300"/>
+          </a:xfrm>
+          <a:prstGeom prst="straightConnector1">
+            <a:avLst/>
+          </a:prstGeom>
+          <a:noFill/>
+          <a:ln cap="flat" cmpd="sng" w="28575">
+            <a:solidFill>
+              <a:srgbClr val="FF0000"/>
+            </a:solidFill>
+            <a:prstDash val="solid"/>
+            <a:round/>
+            <a:headEnd len="med" w="med" type="none"/>
+            <a:tailEnd len="med" w="med" type="none"/>
+          </a:ln>
+        </p:spPr>
+      </p:cxnSp>
+      <p:cxnSp>
+        <p:nvCxnSpPr>
+          <p:cNvPr id="238" name="Google Shape;238;p22"/>
+          <p:cNvCxnSpPr>
+            <a:stCxn id="231" idx="1"/>
+          </p:cNvCxnSpPr>
+          <p:nvPr/>
+        </p:nvCxnSpPr>
+        <p:spPr>
+          <a:xfrm flipH="1">
+            <a:off x="5503725" y="968750"/>
+            <a:ext cx="936000" cy="1350300"/>
+          </a:xfrm>
+          <a:prstGeom prst="straightConnector1">
+            <a:avLst/>
+          </a:prstGeom>
+          <a:noFill/>
+          <a:ln cap="flat" cmpd="sng" w="28575">
+            <a:solidFill>
+              <a:srgbClr val="FF0000"/>
+            </a:solidFill>
+            <a:prstDash val="solid"/>
+            <a:round/>
+            <a:headEnd len="med" w="med" type="none"/>
+            <a:tailEnd len="med" w="med" type="none"/>
+          </a:ln>
+        </p:spPr>
+      </p:cxnSp>
+      <p:cxnSp>
+        <p:nvCxnSpPr>
+          <p:cNvPr id="239" name="Google Shape;239;p22"/>
+          <p:cNvCxnSpPr/>
+          <p:nvPr/>
+        </p:nvCxnSpPr>
+        <p:spPr>
+          <a:xfrm flipH="1" rot="10800000">
+            <a:off x="2147250" y="2378550"/>
+            <a:ext cx="1050600" cy="59400"/>
+          </a:xfrm>
+          <a:prstGeom prst="straightConnector1">
+            <a:avLst/>
+          </a:prstGeom>
+          <a:noFill/>
+          <a:ln cap="flat" cmpd="sng" w="28575">
+            <a:solidFill>
+              <a:srgbClr val="FF0000"/>
+            </a:solidFill>
+            <a:prstDash val="solid"/>
+            <a:round/>
+            <a:headEnd len="med" w="med" type="none"/>
+            <a:tailEnd len="med" w="med" type="triangle"/>
+          </a:ln>
+        </p:spPr>
+      </p:cxnSp>
     </p:spTree>
   </p:cSld>
   <p:clrMapOvr>
@@ -8417,7 +8603,7 @@
   <p:cSld>
     <p:spTree>
       <p:nvGrpSpPr>
-        <p:cNvPr id="241" name="Shape 241"/>
+        <p:cNvPr id="243" name="Shape 243"/>
         <p:cNvGrpSpPr/>
         <p:nvPr/>
       </p:nvGrpSpPr>
@@ -8431,7 +8617,7 @@
       </p:grpSpPr>
       <p:sp>
         <p:nvSpPr>
-          <p:cNvPr id="242" name="Google Shape;242;p23"/>
+          <p:cNvPr id="244" name="Google Shape;244;p23"/>
           <p:cNvSpPr txBox="1"/>
           <p:nvPr>
             <p:ph idx="12" type="sldNum"/>
@@ -8471,7 +8657,7 @@
       </p:sp>
       <p:pic>
         <p:nvPicPr>
-          <p:cNvPr id="243" name="Google Shape;243;p23"/>
+          <p:cNvPr id="245" name="Google Shape;245;p23"/>
           <p:cNvPicPr preferRelativeResize="0"/>
           <p:nvPr/>
         </p:nvPicPr>
@@ -8499,7 +8685,7 @@
       </p:pic>
       <p:sp>
         <p:nvSpPr>
-          <p:cNvPr id="244" name="Google Shape;244;p23"/>
+          <p:cNvPr id="246" name="Google Shape;246;p23"/>
           <p:cNvSpPr txBox="1"/>
           <p:nvPr/>
         </p:nvSpPr>
@@ -8541,7 +8727,7 @@
       </p:sp>
       <p:sp>
         <p:nvSpPr>
-          <p:cNvPr id="245" name="Google Shape;245;p23"/>
+          <p:cNvPr id="247" name="Google Shape;247;p23"/>
           <p:cNvSpPr txBox="1"/>
           <p:nvPr/>
         </p:nvSpPr>
@@ -8583,7 +8769,7 @@
       </p:sp>
       <p:grpSp>
         <p:nvGrpSpPr>
-          <p:cNvPr id="246" name="Google Shape;246;p23"/>
+          <p:cNvPr id="248" name="Google Shape;248;p23"/>
           <p:cNvGrpSpPr/>
           <p:nvPr/>
         </p:nvGrpSpPr>
@@ -8597,7 +8783,7 @@
         </p:grpSpPr>
         <p:sp>
           <p:nvSpPr>
-            <p:cNvPr id="247" name="Google Shape;247;p23"/>
+            <p:cNvPr id="249" name="Google Shape;249;p23"/>
             <p:cNvSpPr txBox="1"/>
             <p:nvPr/>
           </p:nvSpPr>
@@ -8647,7 +8833,7 @@
         </p:sp>
         <p:pic>
           <p:nvPicPr>
-            <p:cNvPr id="248" name="Google Shape;248;p23"/>
+            <p:cNvPr id="250" name="Google Shape;250;p23"/>
             <p:cNvPicPr preferRelativeResize="0"/>
             <p:nvPr/>
           </p:nvPicPr>
@@ -8676,7 +8862,7 @@
       </p:grpSp>
       <p:cxnSp>
         <p:nvCxnSpPr>
-          <p:cNvPr id="249" name="Google Shape;249;p23"/>
+          <p:cNvPr id="251" name="Google Shape;251;p23"/>
           <p:cNvCxnSpPr/>
           <p:nvPr/>
         </p:nvCxnSpPr>
@@ -8702,7 +8888,7 @@
       </p:cxnSp>
       <p:sp>
         <p:nvSpPr>
-          <p:cNvPr id="250" name="Google Shape;250;p23"/>
+          <p:cNvPr id="252" name="Google Shape;252;p23"/>
           <p:cNvSpPr txBox="1"/>
           <p:nvPr>
             <p:ph type="title"/>
@@ -8734,7 +8920,7 @@
             </a:pPr>
             <a:r>
               <a:rPr lang="en"/>
-              <a:t>Missing Archival Data</a:t>
+              <a:t>Impractical Archives</a:t>
             </a:r>
             <a:endParaRPr/>
           </a:p>
@@ -8742,14 +8928,14 @@
       </p:sp>
       <p:sp>
         <p:nvSpPr>
-          <p:cNvPr id="251" name="Google Shape;251;p23"/>
+          <p:cNvPr id="253" name="Google Shape;253;p23"/>
           <p:cNvSpPr txBox="1"/>
           <p:nvPr/>
         </p:nvSpPr>
         <p:spPr>
           <a:xfrm>
-            <a:off x="1411050" y="4443675"/>
-            <a:ext cx="6321900" cy="323100"/>
+            <a:off x="1069650" y="4514701"/>
+            <a:ext cx="7004700" cy="323100"/>
           </a:xfrm>
           <a:prstGeom prst="rect">
             <a:avLst/>
@@ -8760,8 +8946,8 @@
           </a:ln>
         </p:spPr>
         <p:txBody>
-          <a:bodyPr anchorCtr="0" anchor="t" bIns="91425" lIns="91425" spcFirstLastPara="1" rIns="91425" wrap="square" tIns="91425">
-            <a:spAutoFit/>
+          <a:bodyPr anchorCtr="0" anchor="ctr" bIns="91425" lIns="91425" spcFirstLastPara="1" rIns="91425" wrap="square" tIns="91425">
+            <a:noAutofit/>
           </a:bodyPr>
           <a:lstStyle/>
           <a:p>
@@ -8781,7 +8967,7 @@
                 </a:solidFill>
                 <a:hlinkClick r:id="rId5"/>
               </a:rPr>
-              <a:t>https://web.archive.org/web/20220812130920/https://www.ncei.noaa.gov/access/search/data-search/global-hourly</a:t>
+              <a:t>https://datasetsearch.research.google.com/search?src=0&amp;query=education&amp;docid=L2cvMTFyaHp0NXl3Xw%3D%3D</a:t>
             </a:r>
             <a:endParaRPr sz="900"/>
           </a:p>
@@ -8789,21 +8975,22 @@
       </p:sp>
       <p:pic>
         <p:nvPicPr>
-          <p:cNvPr id="252" name="Google Shape;252;p23"/>
+          <p:cNvPr id="254" name="Google Shape;254;p23"/>
           <p:cNvPicPr preferRelativeResize="0"/>
           <p:nvPr/>
         </p:nvPicPr>
-        <p:blipFill rotWithShape="1">
+        <p:blipFill>
           <a:blip r:embed="rId6">
             <a:alphaModFix/>
           </a:blip>
-          <a:srcRect b="0" l="18540" r="0" t="0"/>
-          <a:stretch/>
+          <a:stretch>
+            <a:fillRect/>
+          </a:stretch>
         </p:blipFill>
         <p:spPr>
           <a:xfrm>
-            <a:off x="848674" y="501300"/>
-            <a:ext cx="6494624" cy="3942374"/>
+            <a:off x="550020" y="477625"/>
+            <a:ext cx="8043960" cy="3942376"/>
           </a:xfrm>
           <a:prstGeom prst="rect">
             <a:avLst/>
@@ -8813,7 +9000,7 @@
             <a:noFill/>
           </a:ln>
           <a:effectLst>
-            <a:outerShdw blurRad="57150" rotWithShape="0" algn="bl" dir="3000000" dist="57150">
+            <a:outerShdw blurRad="57150" rotWithShape="0" algn="bl" dir="3000000" dist="95250">
               <a:srgbClr val="000000">
                 <a:alpha val="50000"/>
               </a:srgbClr>
@@ -8821,297 +9008,6 @@
           </a:effectLst>
         </p:spPr>
       </p:pic>
-      <p:pic>
-        <p:nvPicPr>
-          <p:cNvPr id="253" name="Google Shape;253;p23"/>
-          <p:cNvPicPr preferRelativeResize="0"/>
-          <p:nvPr/>
-        </p:nvPicPr>
-        <p:blipFill rotWithShape="1">
-          <a:blip r:embed="rId6">
-            <a:alphaModFix/>
-          </a:blip>
-          <a:srcRect b="9660" l="66070" r="20173" t="55313"/>
-          <a:stretch/>
-        </p:blipFill>
-        <p:spPr>
-          <a:xfrm>
-            <a:off x="6263299" y="898250"/>
-            <a:ext cx="1797101" cy="2262625"/>
-          </a:xfrm>
-          <a:prstGeom prst="rect">
-            <a:avLst/>
-          </a:prstGeom>
-          <a:noFill/>
-          <a:ln cap="flat" cmpd="sng" w="38100">
-            <a:solidFill>
-              <a:srgbClr val="FF0000"/>
-            </a:solidFill>
-            <a:prstDash val="solid"/>
-            <a:round/>
-            <a:headEnd len="sm" w="sm" type="none"/>
-            <a:tailEnd len="sm" w="sm" type="none"/>
-          </a:ln>
-          <a:effectLst>
-            <a:outerShdw blurRad="57150" rotWithShape="0" algn="bl" dir="3600000" dist="133350">
-              <a:srgbClr val="000000">
-                <a:alpha val="50000"/>
-              </a:srgbClr>
-            </a:outerShdw>
-          </a:effectLst>
-        </p:spPr>
-      </p:pic>
-      <p:sp>
-        <p:nvSpPr>
-          <p:cNvPr id="254" name="Google Shape;254;p23"/>
-          <p:cNvSpPr/>
-          <p:nvPr/>
-        </p:nvSpPr>
-        <p:spPr>
-          <a:xfrm>
-            <a:off x="4644569" y="2702021"/>
-            <a:ext cx="1047900" cy="1321500"/>
-          </a:xfrm>
-          <a:prstGeom prst="rect">
-            <a:avLst/>
-          </a:prstGeom>
-          <a:noFill/>
-          <a:ln cap="flat" cmpd="sng" w="38100">
-            <a:solidFill>
-              <a:srgbClr val="FF0000"/>
-            </a:solidFill>
-            <a:prstDash val="solid"/>
-            <a:round/>
-            <a:headEnd len="sm" w="sm" type="none"/>
-            <a:tailEnd len="sm" w="sm" type="none"/>
-          </a:ln>
-        </p:spPr>
-        <p:txBody>
-          <a:bodyPr anchorCtr="0" anchor="ctr" bIns="91425" lIns="91425" spcFirstLastPara="1" rIns="91425" wrap="square" tIns="91425">
-            <a:noAutofit/>
-          </a:bodyPr>
-          <a:lstStyle/>
-          <a:p>
-            <a:pPr indent="0" lvl="0" marL="0" rtl="0" algn="l">
-              <a:spcBef>
-                <a:spcPts val="0"/>
-              </a:spcBef>
-              <a:spcAft>
-                <a:spcPts val="0"/>
-              </a:spcAft>
-              <a:buNone/>
-            </a:pPr>
-            <a:r>
-              <a:t/>
-            </a:r>
-            <a:endParaRPr/>
-          </a:p>
-        </p:txBody>
-      </p:sp>
-      <p:cxnSp>
-        <p:nvCxnSpPr>
-          <p:cNvPr id="255" name="Google Shape;255;p23"/>
-          <p:cNvCxnSpPr>
-            <a:stCxn id="254" idx="3"/>
-            <a:endCxn id="253" idx="1"/>
-          </p:cNvCxnSpPr>
-          <p:nvPr/>
-        </p:nvCxnSpPr>
-        <p:spPr>
-          <a:xfrm flipH="1" rot="10800000">
-            <a:off x="5692469" y="2029571"/>
-            <a:ext cx="570900" cy="1333200"/>
-          </a:xfrm>
-          <a:prstGeom prst="straightConnector1">
-            <a:avLst/>
-          </a:prstGeom>
-          <a:noFill/>
-          <a:ln cap="flat" cmpd="sng" w="38100">
-            <a:solidFill>
-              <a:srgbClr val="FF0000"/>
-            </a:solidFill>
-            <a:prstDash val="solid"/>
-            <a:round/>
-            <a:headEnd len="med" w="med" type="none"/>
-            <a:tailEnd len="med" w="med" type="none"/>
-          </a:ln>
-        </p:spPr>
-      </p:cxnSp>
-      <p:sp>
-        <p:nvSpPr>
-          <p:cNvPr id="256" name="Google Shape;256;p23"/>
-          <p:cNvSpPr/>
-          <p:nvPr/>
-        </p:nvSpPr>
-        <p:spPr>
-          <a:xfrm>
-            <a:off x="6434607" y="1042133"/>
-            <a:ext cx="804300" cy="257700"/>
-          </a:xfrm>
-          <a:prstGeom prst="roundRect">
-            <a:avLst>
-              <a:gd fmla="val 16667" name="adj"/>
-            </a:avLst>
-          </a:prstGeom>
-          <a:solidFill>
-            <a:srgbClr val="FF0000">
-              <a:alpha val="35710"/>
-            </a:srgbClr>
-          </a:solidFill>
-          <a:ln cap="flat" cmpd="sng" w="9525">
-            <a:solidFill>
-              <a:schemeClr val="dk2"/>
-            </a:solidFill>
-            <a:prstDash val="solid"/>
-            <a:round/>
-            <a:headEnd len="sm" w="sm" type="none"/>
-            <a:tailEnd len="sm" w="sm" type="none"/>
-          </a:ln>
-        </p:spPr>
-        <p:txBody>
-          <a:bodyPr anchorCtr="0" anchor="ctr" bIns="91425" lIns="91425" spcFirstLastPara="1" rIns="91425" wrap="square" tIns="91425">
-            <a:noAutofit/>
-          </a:bodyPr>
-          <a:lstStyle/>
-          <a:p>
-            <a:pPr indent="0" lvl="0" marL="0" rtl="0" algn="l">
-              <a:spcBef>
-                <a:spcPts val="0"/>
-              </a:spcBef>
-              <a:spcAft>
-                <a:spcPts val="0"/>
-              </a:spcAft>
-              <a:buNone/>
-            </a:pPr>
-            <a:r>
-              <a:t/>
-            </a:r>
-            <a:endParaRPr/>
-          </a:p>
-        </p:txBody>
-      </p:sp>
-      <p:sp>
-        <p:nvSpPr>
-          <p:cNvPr id="257" name="Google Shape;257;p23"/>
-          <p:cNvSpPr/>
-          <p:nvPr/>
-        </p:nvSpPr>
-        <p:spPr>
-          <a:xfrm>
-            <a:off x="6434607" y="2705319"/>
-            <a:ext cx="804300" cy="257700"/>
-          </a:xfrm>
-          <a:prstGeom prst="roundRect">
-            <a:avLst>
-              <a:gd fmla="val 16667" name="adj"/>
-            </a:avLst>
-          </a:prstGeom>
-          <a:solidFill>
-            <a:srgbClr val="FF0000">
-              <a:alpha val="35710"/>
-            </a:srgbClr>
-          </a:solidFill>
-          <a:ln cap="flat" cmpd="sng" w="9525">
-            <a:solidFill>
-              <a:schemeClr val="dk2"/>
-            </a:solidFill>
-            <a:prstDash val="solid"/>
-            <a:round/>
-            <a:headEnd len="sm" w="sm" type="none"/>
-            <a:tailEnd len="sm" w="sm" type="none"/>
-          </a:ln>
-        </p:spPr>
-        <p:txBody>
-          <a:bodyPr anchorCtr="0" anchor="ctr" bIns="91425" lIns="91425" spcFirstLastPara="1" rIns="91425" wrap="square" tIns="91425">
-            <a:noAutofit/>
-          </a:bodyPr>
-          <a:lstStyle/>
-          <a:p>
-            <a:pPr indent="0" lvl="0" marL="0" rtl="0" algn="l">
-              <a:spcBef>
-                <a:spcPts val="0"/>
-              </a:spcBef>
-              <a:spcAft>
-                <a:spcPts val="0"/>
-              </a:spcAft>
-              <a:buNone/>
-            </a:pPr>
-            <a:r>
-              <a:t/>
-            </a:r>
-            <a:endParaRPr/>
-          </a:p>
-        </p:txBody>
-      </p:sp>
-      <p:pic>
-        <p:nvPicPr>
-          <p:cNvPr id="258" name="Google Shape;258;p23"/>
-          <p:cNvPicPr preferRelativeResize="0"/>
-          <p:nvPr/>
-        </p:nvPicPr>
-        <p:blipFill rotWithShape="1">
-          <a:blip r:embed="rId7">
-            <a:alphaModFix/>
-          </a:blip>
-          <a:srcRect b="0" l="0" r="0" t="6568"/>
-          <a:stretch/>
-        </p:blipFill>
-        <p:spPr>
-          <a:xfrm>
-            <a:off x="6028375" y="3633049"/>
-            <a:ext cx="2266950" cy="542875"/>
-          </a:xfrm>
-          <a:prstGeom prst="rect">
-            <a:avLst/>
-          </a:prstGeom>
-          <a:noFill/>
-          <a:ln cap="flat" cmpd="sng" w="28575">
-            <a:solidFill>
-              <a:srgbClr val="FF0000"/>
-            </a:solidFill>
-            <a:prstDash val="solid"/>
-            <a:round/>
-            <a:headEnd len="sm" w="sm" type="none"/>
-            <a:tailEnd len="sm" w="sm" type="none"/>
-          </a:ln>
-          <a:effectLst>
-            <a:outerShdw blurRad="57150" rotWithShape="0" algn="bl" dir="5400000" dist="19050">
-              <a:srgbClr val="000000">
-                <a:alpha val="50000"/>
-              </a:srgbClr>
-            </a:outerShdw>
-          </a:effectLst>
-        </p:spPr>
-      </p:pic>
-      <p:cxnSp>
-        <p:nvCxnSpPr>
-          <p:cNvPr id="259" name="Google Shape;259;p23"/>
-          <p:cNvCxnSpPr>
-            <a:stCxn id="253" idx="2"/>
-            <a:endCxn id="258" idx="0"/>
-          </p:cNvCxnSpPr>
-          <p:nvPr/>
-        </p:nvCxnSpPr>
-        <p:spPr>
-          <a:xfrm>
-            <a:off x="7161849" y="3160874"/>
-            <a:ext cx="0" cy="472200"/>
-          </a:xfrm>
-          <a:prstGeom prst="straightConnector1">
-            <a:avLst/>
-          </a:prstGeom>
-          <a:noFill/>
-          <a:ln cap="flat" cmpd="sng" w="38100">
-            <a:solidFill>
-              <a:srgbClr val="FF0000"/>
-            </a:solidFill>
-            <a:prstDash val="solid"/>
-            <a:round/>
-            <a:headEnd len="med" w="med" type="none"/>
-            <a:tailEnd len="med" w="med" type="triangle"/>
-          </a:ln>
-        </p:spPr>
-      </p:cxnSp>
     </p:spTree>
   </p:cSld>
   <p:clrMapOvr>
@@ -9125,7 +9021,7 @@
   <p:cSld>
     <p:spTree>
       <p:nvGrpSpPr>
-        <p:cNvPr id="263" name="Shape 263"/>
+        <p:cNvPr id="258" name="Shape 258"/>
         <p:cNvGrpSpPr/>
         <p:nvPr/>
       </p:nvGrpSpPr>
@@ -9139,7 +9035,7 @@
       </p:grpSpPr>
       <p:sp>
         <p:nvSpPr>
-          <p:cNvPr id="264" name="Google Shape;264;p24"/>
+          <p:cNvPr id="259" name="Google Shape;259;p24"/>
           <p:cNvSpPr txBox="1"/>
           <p:nvPr>
             <p:ph idx="12" type="sldNum"/>
@@ -9179,7 +9075,7 @@
       </p:sp>
       <p:pic>
         <p:nvPicPr>
-          <p:cNvPr id="265" name="Google Shape;265;p24"/>
+          <p:cNvPr id="260" name="Google Shape;260;p24"/>
           <p:cNvPicPr preferRelativeResize="0"/>
           <p:nvPr/>
         </p:nvPicPr>
@@ -9207,7 +9103,7 @@
       </p:pic>
       <p:sp>
         <p:nvSpPr>
-          <p:cNvPr id="266" name="Google Shape;266;p24"/>
+          <p:cNvPr id="261" name="Google Shape;261;p24"/>
           <p:cNvSpPr txBox="1"/>
           <p:nvPr/>
         </p:nvSpPr>
@@ -9249,7 +9145,7 @@
       </p:sp>
       <p:sp>
         <p:nvSpPr>
-          <p:cNvPr id="267" name="Google Shape;267;p24"/>
+          <p:cNvPr id="262" name="Google Shape;262;p24"/>
           <p:cNvSpPr txBox="1"/>
           <p:nvPr/>
         </p:nvSpPr>
@@ -9291,7 +9187,7 @@
       </p:sp>
       <p:grpSp>
         <p:nvGrpSpPr>
-          <p:cNvPr id="268" name="Google Shape;268;p24"/>
+          <p:cNvPr id="263" name="Google Shape;263;p24"/>
           <p:cNvGrpSpPr/>
           <p:nvPr/>
         </p:nvGrpSpPr>
@@ -9305,7 +9201,7 @@
         </p:grpSpPr>
         <p:sp>
           <p:nvSpPr>
-            <p:cNvPr id="269" name="Google Shape;269;p24"/>
+            <p:cNvPr id="264" name="Google Shape;264;p24"/>
             <p:cNvSpPr txBox="1"/>
             <p:nvPr/>
           </p:nvSpPr>
@@ -9355,7 +9251,7 @@
         </p:sp>
         <p:pic>
           <p:nvPicPr>
-            <p:cNvPr id="270" name="Google Shape;270;p24"/>
+            <p:cNvPr id="265" name="Google Shape;265;p24"/>
             <p:cNvPicPr preferRelativeResize="0"/>
             <p:nvPr/>
           </p:nvPicPr>
@@ -9384,7 +9280,7 @@
       </p:grpSp>
       <p:cxnSp>
         <p:nvCxnSpPr>
-          <p:cNvPr id="271" name="Google Shape;271;p24"/>
+          <p:cNvPr id="266" name="Google Shape;266;p24"/>
           <p:cNvCxnSpPr/>
           <p:nvPr/>
         </p:nvCxnSpPr>
@@ -9410,7 +9306,7 @@
       </p:cxnSp>
       <p:sp>
         <p:nvSpPr>
-          <p:cNvPr id="272" name="Google Shape;272;p24"/>
+          <p:cNvPr id="267" name="Google Shape;267;p24"/>
           <p:cNvSpPr txBox="1"/>
           <p:nvPr>
             <p:ph type="title"/>
@@ -9442,7 +9338,7 @@
             </a:pPr>
             <a:r>
               <a:rPr lang="en"/>
-              <a:t>Missing Live Data</a:t>
+              <a:t>Our Old Friend, JavaScript</a:t>
             </a:r>
             <a:endParaRPr/>
           </a:p>
@@ -9450,14 +9346,14 @@
       </p:sp>
       <p:sp>
         <p:nvSpPr>
-          <p:cNvPr id="273" name="Google Shape;273;p24"/>
+          <p:cNvPr id="268" name="Google Shape;268;p24"/>
           <p:cNvSpPr txBox="1"/>
           <p:nvPr/>
         </p:nvSpPr>
         <p:spPr>
           <a:xfrm>
-            <a:off x="2491500" y="4401100"/>
-            <a:ext cx="4161000" cy="461700"/>
+            <a:off x="1069650" y="4519875"/>
+            <a:ext cx="7004700" cy="323100"/>
           </a:xfrm>
           <a:prstGeom prst="rect">
             <a:avLst/>
@@ -9468,8 +9364,8 @@
           </a:ln>
         </p:spPr>
         <p:txBody>
-          <a:bodyPr anchorCtr="0" anchor="t" bIns="91425" lIns="91425" spcFirstLastPara="1" rIns="91425" wrap="square" tIns="91425">
-            <a:spAutoFit/>
+          <a:bodyPr anchorCtr="0" anchor="ctr" bIns="91425" lIns="91425" spcFirstLastPara="1" rIns="91425" wrap="square" tIns="91425">
+            <a:noAutofit/>
           </a:bodyPr>
           <a:lstStyle/>
           <a:p>
@@ -9489,39 +9385,7 @@
                 </a:solidFill>
                 <a:hlinkClick r:id="rId5"/>
               </a:rPr>
-              <a:t>https://apps.who.int/gho/data/node.main.173?lang=en</a:t>
-            </a:r>
-            <a:endParaRPr sz="900"/>
-          </a:p>
-          <a:p>
-            <a:pPr indent="0" lvl="0" marL="0" rtl="0" algn="ctr">
-              <a:spcBef>
-                <a:spcPts val="0"/>
-              </a:spcBef>
-              <a:spcAft>
-                <a:spcPts val="0"/>
-              </a:spcAft>
-              <a:buClr>
-                <a:schemeClr val="dk1"/>
-              </a:buClr>
-              <a:buSzPts val="1100"/>
-              <a:buFont typeface="Arial"/>
-              <a:buNone/>
-            </a:pPr>
-            <a:r>
-              <a:rPr lang="en" sz="900" u="sng">
-                <a:solidFill>
-                  <a:schemeClr val="accent5"/>
-                </a:solidFill>
-                <a:hlinkClick r:id="rId6">
-                  <a:extLst>
-                    <a:ext uri="{A12FA001-AC4F-418D-AE19-62706E023703}">
-                      <ahyp:hlinkClr val="tx"/>
-                    </a:ext>
-                  </a:extLst>
-                </a:hlinkClick>
-              </a:rPr>
-              <a:t>https://www.who.int/globalatlas/loginManagement/autoLogins/flunet_login.asp</a:t>
+              <a:t>https://web.archive.org/web/20200122125450/https://www.ceicdata.com/en/united-states/education-statistics</a:t>
             </a:r>
             <a:endParaRPr sz="900"/>
           </a:p>
@@ -9529,7 +9393,41 @@
       </p:sp>
       <p:pic>
         <p:nvPicPr>
-          <p:cNvPr id="274" name="Google Shape;274;p24"/>
+          <p:cNvPr id="269" name="Google Shape;269;p24"/>
+          <p:cNvPicPr preferRelativeResize="0"/>
+          <p:nvPr/>
+        </p:nvPicPr>
+        <p:blipFill rotWithShape="1">
+          <a:blip r:embed="rId6">
+            <a:alphaModFix/>
+          </a:blip>
+          <a:srcRect b="0" l="6200" r="0" t="0"/>
+          <a:stretch/>
+        </p:blipFill>
+        <p:spPr>
+          <a:xfrm>
+            <a:off x="169449" y="501300"/>
+            <a:ext cx="6928748" cy="3637575"/>
+          </a:xfrm>
+          <a:prstGeom prst="rect">
+            <a:avLst/>
+          </a:prstGeom>
+          <a:noFill/>
+          <a:ln>
+            <a:noFill/>
+          </a:ln>
+          <a:effectLst>
+            <a:outerShdw blurRad="57150" rotWithShape="0" algn="bl" dir="3000000" dist="47625">
+              <a:srgbClr val="000000">
+                <a:alpha val="50000"/>
+              </a:srgbClr>
+            </a:outerShdw>
+          </a:effectLst>
+        </p:spPr>
+      </p:pic>
+      <p:pic>
+        <p:nvPicPr>
+          <p:cNvPr id="270" name="Google Shape;270;p24"/>
           <p:cNvPicPr preferRelativeResize="0"/>
           <p:nvPr/>
         </p:nvPicPr>
@@ -9543,55 +9441,14 @@
         </p:blipFill>
         <p:spPr>
           <a:xfrm>
-            <a:off x="92175" y="653700"/>
-            <a:ext cx="8965199" cy="3565834"/>
+            <a:off x="4659025" y="1496850"/>
+            <a:ext cx="4090175" cy="2642025"/>
           </a:xfrm>
           <a:prstGeom prst="rect">
             <a:avLst/>
           </a:prstGeom>
           <a:noFill/>
-          <a:ln cap="flat" cmpd="sng" w="9525">
-            <a:solidFill>
-              <a:schemeClr val="dk2"/>
-            </a:solidFill>
-            <a:prstDash val="solid"/>
-            <a:round/>
-            <a:headEnd len="sm" w="sm" type="none"/>
-            <a:tailEnd len="sm" w="sm" type="none"/>
-          </a:ln>
-          <a:effectLst>
-            <a:outerShdw blurRad="57150" rotWithShape="0" algn="bl" dir="3000000" dist="66675">
-              <a:srgbClr val="000000">
-                <a:alpha val="50000"/>
-              </a:srgbClr>
-            </a:outerShdw>
-          </a:effectLst>
-        </p:spPr>
-      </p:pic>
-      <p:pic>
-        <p:nvPicPr>
-          <p:cNvPr id="275" name="Google Shape;275;p24"/>
-          <p:cNvPicPr preferRelativeResize="0"/>
-          <p:nvPr/>
-        </p:nvPicPr>
-        <p:blipFill>
-          <a:blip r:embed="rId8">
-            <a:alphaModFix/>
-          </a:blip>
-          <a:stretch>
-            <a:fillRect/>
-          </a:stretch>
-        </p:blipFill>
-        <p:spPr>
-          <a:xfrm>
-            <a:off x="4225075" y="701250"/>
-            <a:ext cx="4770599" cy="2362750"/>
-          </a:xfrm>
-          <a:prstGeom prst="rect">
-            <a:avLst/>
-          </a:prstGeom>
-          <a:noFill/>
-          <a:ln cap="flat" cmpd="sng" w="38100">
+          <a:ln cap="flat" cmpd="sng" w="28575">
             <a:solidFill>
               <a:srgbClr val="FF0000"/>
             </a:solidFill>
@@ -9601,7 +9458,7 @@
             <a:tailEnd len="sm" w="sm" type="none"/>
           </a:ln>
           <a:effectLst>
-            <a:outerShdw blurRad="57150" rotWithShape="0" algn="bl" dir="3600000" dist="114300">
+            <a:outerShdw blurRad="57150" rotWithShape="0" algn="bl" dir="3000000" dist="114300">
               <a:srgbClr val="000000">
                 <a:alpha val="50000"/>
               </a:srgbClr>
@@ -9611,20 +9468,20 @@
       </p:pic>
       <p:sp>
         <p:nvSpPr>
-          <p:cNvPr id="276" name="Google Shape;276;p24"/>
+          <p:cNvPr id="271" name="Google Shape;271;p24"/>
           <p:cNvSpPr/>
           <p:nvPr/>
         </p:nvSpPr>
         <p:spPr>
           <a:xfrm>
-            <a:off x="2977181" y="3520250"/>
-            <a:ext cx="1047600" cy="354000"/>
+            <a:off x="1053550" y="2012425"/>
+            <a:ext cx="3273000" cy="1379100"/>
           </a:xfrm>
           <a:prstGeom prst="rect">
             <a:avLst/>
           </a:prstGeom>
           <a:noFill/>
-          <a:ln cap="flat" cmpd="sng" w="38100">
+          <a:ln cap="flat" cmpd="sng" w="28575">
             <a:solidFill>
               <a:srgbClr val="FF0000"/>
             </a:solidFill>
@@ -9658,23 +9515,23 @@
       </p:sp>
       <p:cxnSp>
         <p:nvCxnSpPr>
-          <p:cNvPr id="277" name="Google Shape;277;p24"/>
+          <p:cNvPr id="272" name="Google Shape;272;p24"/>
           <p:cNvCxnSpPr>
-            <a:stCxn id="276" idx="3"/>
-            <a:endCxn id="275" idx="2"/>
+            <a:stCxn id="271" idx="3"/>
+            <a:endCxn id="270" idx="1"/>
           </p:cNvCxnSpPr>
           <p:nvPr/>
         </p:nvCxnSpPr>
         <p:spPr>
-          <a:xfrm flipH="1" rot="10800000">
-            <a:off x="4024781" y="3063950"/>
-            <a:ext cx="2585700" cy="633300"/>
+          <a:xfrm>
+            <a:off x="4326550" y="2701975"/>
+            <a:ext cx="332400" cy="115800"/>
           </a:xfrm>
           <a:prstGeom prst="straightConnector1">
             <a:avLst/>
           </a:prstGeom>
           <a:noFill/>
-          <a:ln cap="flat" cmpd="sng" w="38100">
+          <a:ln cap="flat" cmpd="sng" w="28575">
             <a:solidFill>
               <a:srgbClr val="FF0000"/>
             </a:solidFill>
@@ -9698,7 +9555,7 @@
   <p:cSld>
     <p:spTree>
       <p:nvGrpSpPr>
-        <p:cNvPr id="281" name="Shape 281"/>
+        <p:cNvPr id="276" name="Shape 276"/>
         <p:cNvGrpSpPr/>
         <p:nvPr/>
       </p:nvGrpSpPr>
@@ -9712,7 +9569,7 @@
       </p:grpSpPr>
       <p:sp>
         <p:nvSpPr>
-          <p:cNvPr id="282" name="Google Shape;282;p25"/>
+          <p:cNvPr id="277" name="Google Shape;277;p25"/>
           <p:cNvSpPr txBox="1"/>
           <p:nvPr>
             <p:ph idx="12" type="sldNum"/>
@@ -9752,7 +9609,7 @@
       </p:sp>
       <p:pic>
         <p:nvPicPr>
-          <p:cNvPr id="283" name="Google Shape;283;p25"/>
+          <p:cNvPr id="278" name="Google Shape;278;p25"/>
           <p:cNvPicPr preferRelativeResize="0"/>
           <p:nvPr/>
         </p:nvPicPr>
@@ -9780,7 +9637,7 @@
       </p:pic>
       <p:sp>
         <p:nvSpPr>
-          <p:cNvPr id="284" name="Google Shape;284;p25"/>
+          <p:cNvPr id="279" name="Google Shape;279;p25"/>
           <p:cNvSpPr txBox="1"/>
           <p:nvPr/>
         </p:nvSpPr>
@@ -9822,7 +9679,7 @@
       </p:sp>
       <p:sp>
         <p:nvSpPr>
-          <p:cNvPr id="285" name="Google Shape;285;p25"/>
+          <p:cNvPr id="280" name="Google Shape;280;p25"/>
           <p:cNvSpPr txBox="1"/>
           <p:nvPr/>
         </p:nvSpPr>
@@ -9864,7 +9721,7 @@
       </p:sp>
       <p:grpSp>
         <p:nvGrpSpPr>
-          <p:cNvPr id="286" name="Google Shape;286;p25"/>
+          <p:cNvPr id="281" name="Google Shape;281;p25"/>
           <p:cNvGrpSpPr/>
           <p:nvPr/>
         </p:nvGrpSpPr>
@@ -9878,7 +9735,7 @@
         </p:grpSpPr>
         <p:sp>
           <p:nvSpPr>
-            <p:cNvPr id="287" name="Google Shape;287;p25"/>
+            <p:cNvPr id="282" name="Google Shape;282;p25"/>
             <p:cNvSpPr txBox="1"/>
             <p:nvPr/>
           </p:nvSpPr>
@@ -9928,7 +9785,7 @@
         </p:sp>
         <p:pic>
           <p:nvPicPr>
-            <p:cNvPr id="288" name="Google Shape;288;p25"/>
+            <p:cNvPr id="283" name="Google Shape;283;p25"/>
             <p:cNvPicPr preferRelativeResize="0"/>
             <p:nvPr/>
           </p:nvPicPr>
@@ -9957,7 +9814,7 @@
       </p:grpSp>
       <p:cxnSp>
         <p:nvCxnSpPr>
-          <p:cNvPr id="289" name="Google Shape;289;p25"/>
+          <p:cNvPr id="284" name="Google Shape;284;p25"/>
           <p:cNvCxnSpPr/>
           <p:nvPr/>
         </p:nvCxnSpPr>
@@ -9983,7 +9840,7 @@
       </p:cxnSp>
       <p:sp>
         <p:nvSpPr>
-          <p:cNvPr id="290" name="Google Shape;290;p25"/>
+          <p:cNvPr id="285" name="Google Shape;285;p25"/>
           <p:cNvSpPr txBox="1"/>
           <p:nvPr>
             <p:ph type="title"/>
@@ -10015,69 +9872,22 @@
             </a:pPr>
             <a:r>
               <a:rPr lang="en"/>
-              <a:t>Temporal Archive Issues</a:t>
+              <a:t>Federal Bureau of Inaccessibility</a:t>
             </a:r>
             <a:endParaRPr/>
           </a:p>
         </p:txBody>
       </p:sp>
-      <p:pic>
-        <p:nvPicPr>
-          <p:cNvPr id="291" name="Google Shape;291;p25"/>
-          <p:cNvPicPr preferRelativeResize="0"/>
-          <p:nvPr/>
-        </p:nvPicPr>
-        <p:blipFill rotWithShape="1">
-          <a:blip r:embed="rId5">
-            <a:alphaModFix/>
-          </a:blip>
-          <a:srcRect b="7961" l="0" r="0" t="0"/>
-          <a:stretch/>
-        </p:blipFill>
-        <p:spPr>
-          <a:xfrm>
-            <a:off x="168675" y="649275"/>
-            <a:ext cx="2821200" cy="2073250"/>
-          </a:xfrm>
-          <a:prstGeom prst="rect">
-            <a:avLst/>
-          </a:prstGeom>
-          <a:noFill/>
-          <a:ln cap="flat" cmpd="sng" w="9525">
-            <a:solidFill>
-              <a:srgbClr val="000000"/>
-            </a:solidFill>
-            <a:prstDash val="solid"/>
-            <a:round/>
-            <a:headEnd len="sm" w="sm" type="none"/>
-            <a:tailEnd len="sm" w="sm" type="none"/>
-          </a:ln>
-          <a:effectLst>
-            <a:outerShdw blurRad="57150" rotWithShape="0" algn="bl" dir="3600000" dist="57150">
-              <a:srgbClr val="000000">
-                <a:alpha val="50000"/>
-              </a:srgbClr>
-            </a:outerShdw>
-          </a:effectLst>
-        </p:spPr>
-      </p:pic>
-      <p:pic>
-        <p:nvPicPr>
-          <p:cNvPr id="292" name="Google Shape;292;p25"/>
-          <p:cNvPicPr preferRelativeResize="0"/>
-          <p:nvPr/>
-        </p:nvPicPr>
-        <p:blipFill rotWithShape="1">
-          <a:blip r:embed="rId6">
-            <a:alphaModFix/>
-          </a:blip>
-          <a:srcRect b="0" l="0" r="42834" t="0"/>
-          <a:stretch/>
-        </p:blipFill>
-        <p:spPr>
-          <a:xfrm>
-            <a:off x="168675" y="3631600"/>
-            <a:ext cx="5081375" cy="638950"/>
+      <p:sp>
+        <p:nvSpPr>
+          <p:cNvPr id="286" name="Google Shape;286;p25"/>
+          <p:cNvSpPr txBox="1"/>
+          <p:nvPr/>
+        </p:nvSpPr>
+        <p:spPr>
+          <a:xfrm>
+            <a:off x="1069650" y="4443675"/>
+            <a:ext cx="7004700" cy="323100"/>
           </a:xfrm>
           <a:prstGeom prst="rect">
             <a:avLst/>
@@ -10086,18 +9896,64 @@
           <a:ln>
             <a:noFill/>
           </a:ln>
-          <a:effectLst>
-            <a:outerShdw blurRad="57150" rotWithShape="0" algn="bl" dir="3600000" dist="57150">
-              <a:srgbClr val="000000">
-                <a:alpha val="50000"/>
-              </a:srgbClr>
-            </a:outerShdw>
-          </a:effectLst>
-        </p:spPr>
-      </p:pic>
+        </p:spPr>
+        <p:txBody>
+          <a:bodyPr anchorCtr="0" anchor="ctr" bIns="91425" lIns="91425" spcFirstLastPara="1" rIns="91425" wrap="square" tIns="91425">
+            <a:noAutofit/>
+          </a:bodyPr>
+          <a:lstStyle/>
+          <a:p>
+            <a:pPr indent="0" lvl="0" marL="0" rtl="0" algn="ctr">
+              <a:spcBef>
+                <a:spcPts val="0"/>
+              </a:spcBef>
+              <a:spcAft>
+                <a:spcPts val="0"/>
+              </a:spcAft>
+              <a:buClr>
+                <a:schemeClr val="dk1"/>
+              </a:buClr>
+              <a:buSzPts val="1100"/>
+              <a:buFont typeface="Arial"/>
+              <a:buNone/>
+            </a:pPr>
+            <a:r>
+              <a:rPr lang="en" sz="900" u="sng">
+                <a:solidFill>
+                  <a:schemeClr val="hlink"/>
+                </a:solidFill>
+                <a:hlinkClick r:id="rId5"/>
+              </a:rPr>
+              <a:t>https://crime-data-explorer.fr.cloud.gov/pages/explorer/crime/crime-trend</a:t>
+            </a:r>
+            <a:endParaRPr sz="900"/>
+          </a:p>
+          <a:p>
+            <a:pPr indent="0" lvl="0" marL="0" rtl="0" algn="ctr">
+              <a:spcBef>
+                <a:spcPts val="0"/>
+              </a:spcBef>
+              <a:spcAft>
+                <a:spcPts val="0"/>
+              </a:spcAft>
+              <a:buNone/>
+            </a:pPr>
+            <a:r>
+              <a:rPr lang="en" sz="900" u="sng">
+                <a:solidFill>
+                  <a:schemeClr val="hlink"/>
+                </a:solidFill>
+                <a:hlinkClick r:id="rId6"/>
+              </a:rPr>
+              <a:t>https://web.archive.org/web/20221123093558/https://crime-data-explorer.fr.cloud.gov/pages/explorer/crime/crime-trend</a:t>
+            </a:r>
+            <a:endParaRPr sz="900"/>
+          </a:p>
+        </p:txBody>
+      </p:sp>
       <p:pic>
         <p:nvPicPr>
-          <p:cNvPr id="293" name="Google Shape;293;p25"/>
+          <p:cNvPr id="287" name="Google Shape;287;p25"/>
           <p:cNvPicPr preferRelativeResize="0"/>
           <p:nvPr/>
         </p:nvPicPr>
@@ -10111,396 +9967,8 @@
         </p:blipFill>
         <p:spPr>
           <a:xfrm>
-            <a:off x="6543875" y="1468850"/>
-            <a:ext cx="2409825" cy="2362200"/>
-          </a:xfrm>
-          <a:prstGeom prst="rect">
-            <a:avLst/>
-          </a:prstGeom>
-          <a:noFill/>
-          <a:ln cap="flat" cmpd="sng" w="9525">
-            <a:solidFill>
-              <a:schemeClr val="dk2"/>
-            </a:solidFill>
-            <a:prstDash val="solid"/>
-            <a:round/>
-            <a:headEnd len="sm" w="sm" type="none"/>
-            <a:tailEnd len="sm" w="sm" type="none"/>
-          </a:ln>
-          <a:effectLst>
-            <a:outerShdw blurRad="57150" rotWithShape="0" algn="bl" dir="3600000" dist="57150">
-              <a:srgbClr val="000000">
-                <a:alpha val="50000"/>
-              </a:srgbClr>
-            </a:outerShdw>
-          </a:effectLst>
-        </p:spPr>
-      </p:pic>
-      <p:pic>
-        <p:nvPicPr>
-          <p:cNvPr id="294" name="Google Shape;294;p25"/>
-          <p:cNvPicPr preferRelativeResize="0"/>
-          <p:nvPr/>
-        </p:nvPicPr>
-        <p:blipFill rotWithShape="1">
-          <a:blip r:embed="rId8">
-            <a:alphaModFix/>
-          </a:blip>
-          <a:srcRect b="10698" l="0" r="0" t="0"/>
-          <a:stretch/>
-        </p:blipFill>
-        <p:spPr>
-          <a:xfrm>
-            <a:off x="3256700" y="649275"/>
-            <a:ext cx="3048100" cy="1801150"/>
-          </a:xfrm>
-          <a:prstGeom prst="rect">
-            <a:avLst/>
-          </a:prstGeom>
-          <a:noFill/>
-          <a:ln cap="flat" cmpd="sng" w="9525">
-            <a:solidFill>
-              <a:schemeClr val="dk2"/>
-            </a:solidFill>
-            <a:prstDash val="solid"/>
-            <a:round/>
-            <a:headEnd len="sm" w="sm" type="none"/>
-            <a:tailEnd len="sm" w="sm" type="none"/>
-          </a:ln>
-          <a:effectLst>
-            <a:outerShdw blurRad="57150" rotWithShape="0" algn="bl" dir="3600000" dist="57150">
-              <a:srgbClr val="000000">
-                <a:alpha val="50000"/>
-              </a:srgbClr>
-            </a:outerShdw>
-          </a:effectLst>
-        </p:spPr>
-      </p:pic>
-      <p:sp>
-        <p:nvSpPr>
-          <p:cNvPr id="295" name="Google Shape;295;p25"/>
-          <p:cNvSpPr txBox="1"/>
-          <p:nvPr/>
-        </p:nvSpPr>
-        <p:spPr>
-          <a:xfrm>
-            <a:off x="3280750" y="2432668"/>
-            <a:ext cx="3000000" cy="461700"/>
-          </a:xfrm>
-          <a:prstGeom prst="rect">
-            <a:avLst/>
-          </a:prstGeom>
-          <a:noFill/>
-          <a:ln>
-            <a:noFill/>
-          </a:ln>
-        </p:spPr>
-        <p:txBody>
-          <a:bodyPr anchorCtr="0" anchor="t" bIns="91425" lIns="91425" spcFirstLastPara="1" rIns="91425" wrap="square" tIns="91425">
-            <a:spAutoFit/>
-          </a:bodyPr>
-          <a:lstStyle/>
-          <a:p>
-            <a:pPr indent="0" lvl="0" marL="0" rtl="0" algn="ctr">
-              <a:spcBef>
-                <a:spcPts val="0"/>
-              </a:spcBef>
-              <a:spcAft>
-                <a:spcPts val="0"/>
-              </a:spcAft>
-              <a:buNone/>
-            </a:pPr>
-            <a:r>
-              <a:rPr lang="en" sz="900" u="sng">
-                <a:solidFill>
-                  <a:schemeClr val="hlink"/>
-                </a:solidFill>
-                <a:hlinkClick r:id="rId9"/>
-              </a:rPr>
-              <a:t>https://web.archive.org/web/20220215030230/https://www.ncei.noaa.gov/data/gsom/archive/</a:t>
-            </a:r>
-            <a:endParaRPr sz="900"/>
-          </a:p>
-        </p:txBody>
-      </p:sp>
-      <p:sp>
-        <p:nvSpPr>
-          <p:cNvPr id="296" name="Google Shape;296;p25"/>
-          <p:cNvSpPr txBox="1"/>
-          <p:nvPr/>
-        </p:nvSpPr>
-        <p:spPr>
-          <a:xfrm>
-            <a:off x="3280750" y="4443675"/>
-            <a:ext cx="5776500" cy="323100"/>
-          </a:xfrm>
-          <a:prstGeom prst="rect">
-            <a:avLst/>
-          </a:prstGeom>
-          <a:noFill/>
-          <a:ln>
-            <a:noFill/>
-          </a:ln>
-        </p:spPr>
-        <p:txBody>
-          <a:bodyPr anchorCtr="0" anchor="t" bIns="91425" lIns="91425" spcFirstLastPara="1" rIns="91425" wrap="square" tIns="91425">
-            <a:spAutoFit/>
-          </a:bodyPr>
-          <a:lstStyle/>
-          <a:p>
-            <a:pPr indent="0" lvl="0" marL="0" rtl="0" algn="l">
-              <a:spcBef>
-                <a:spcPts val="0"/>
-              </a:spcBef>
-              <a:spcAft>
-                <a:spcPts val="0"/>
-              </a:spcAft>
-              <a:buNone/>
-            </a:pPr>
-            <a:r>
-              <a:rPr lang="en" sz="900" u="sng">
-                <a:solidFill>
-                  <a:schemeClr val="hlink"/>
-                </a:solidFill>
-                <a:hlinkClick r:id="rId10"/>
-              </a:rPr>
-              <a:t>https://web.archive.org/web/20170509114427/https://www.ncei.noaa.gov/data/gsom/archive/gsom-latest.tar.gz</a:t>
-            </a:r>
-            <a:endParaRPr sz="900"/>
-          </a:p>
-        </p:txBody>
-      </p:sp>
-      <p:pic>
-        <p:nvPicPr>
-          <p:cNvPr id="297" name="Google Shape;297;p25"/>
-          <p:cNvPicPr preferRelativeResize="0"/>
-          <p:nvPr/>
-        </p:nvPicPr>
-        <p:blipFill rotWithShape="1">
-          <a:blip r:embed="rId6">
-            <a:alphaModFix/>
-          </a:blip>
-          <a:srcRect b="27738" l="45395" r="43234" t="32480"/>
-          <a:stretch/>
-        </p:blipFill>
-        <p:spPr>
-          <a:xfrm>
-            <a:off x="4436477" y="2993650"/>
-            <a:ext cx="1835811" cy="461700"/>
-          </a:xfrm>
-          <a:prstGeom prst="rect">
-            <a:avLst/>
-          </a:prstGeom>
-          <a:noFill/>
-          <a:ln cap="flat" cmpd="sng" w="38100">
-            <a:solidFill>
-              <a:srgbClr val="FFD966"/>
-            </a:solidFill>
-            <a:prstDash val="solid"/>
-            <a:round/>
-            <a:headEnd len="sm" w="sm" type="none"/>
-            <a:tailEnd len="sm" w="sm" type="none"/>
-          </a:ln>
-          <a:effectLst>
-            <a:outerShdw blurRad="57150" rotWithShape="0" algn="bl" dir="3360000" dist="219075">
-              <a:srgbClr val="000000">
-                <a:alpha val="50000"/>
-              </a:srgbClr>
-            </a:outerShdw>
-          </a:effectLst>
-        </p:spPr>
-      </p:pic>
-      <p:pic>
-        <p:nvPicPr>
-          <p:cNvPr id="298" name="Google Shape;298;p25"/>
-          <p:cNvPicPr preferRelativeResize="0"/>
-          <p:nvPr/>
-        </p:nvPicPr>
-        <p:blipFill>
-          <a:blip r:embed="rId11">
-            <a:alphaModFix/>
-          </a:blip>
-          <a:stretch>
-            <a:fillRect/>
-          </a:stretch>
-        </p:blipFill>
-        <p:spPr>
-          <a:xfrm>
-            <a:off x="6439725" y="649275"/>
-            <a:ext cx="2513975" cy="638950"/>
-          </a:xfrm>
-          <a:prstGeom prst="rect">
-            <a:avLst/>
-          </a:prstGeom>
-          <a:noFill/>
-          <a:ln>
-            <a:noFill/>
-          </a:ln>
-          <a:effectLst>
-            <a:outerShdw blurRad="57150" rotWithShape="0" algn="bl" dir="3600000" dist="57150">
-              <a:srgbClr val="000000">
-                <a:alpha val="50000"/>
-              </a:srgbClr>
-            </a:outerShdw>
-          </a:effectLst>
-        </p:spPr>
-      </p:pic>
-      <p:sp>
-        <p:nvSpPr>
-          <p:cNvPr id="299" name="Google Shape;299;p25"/>
-          <p:cNvSpPr txBox="1"/>
-          <p:nvPr/>
-        </p:nvSpPr>
-        <p:spPr>
-          <a:xfrm>
-            <a:off x="98107" y="2690863"/>
-            <a:ext cx="3000000" cy="461700"/>
-          </a:xfrm>
-          <a:prstGeom prst="rect">
-            <a:avLst/>
-          </a:prstGeom>
-          <a:noFill/>
-          <a:ln>
-            <a:noFill/>
-          </a:ln>
-        </p:spPr>
-        <p:txBody>
-          <a:bodyPr anchorCtr="0" anchor="t" bIns="91425" lIns="91425" spcFirstLastPara="1" rIns="91425" wrap="square" tIns="91425">
-            <a:spAutoFit/>
-          </a:bodyPr>
-          <a:lstStyle/>
-          <a:p>
-            <a:pPr indent="0" lvl="0" marL="0" rtl="0" algn="ctr">
-              <a:spcBef>
-                <a:spcPts val="0"/>
-              </a:spcBef>
-              <a:spcAft>
-                <a:spcPts val="0"/>
-              </a:spcAft>
-              <a:buNone/>
-            </a:pPr>
-            <a:r>
-              <a:rPr lang="en" sz="900" u="sng">
-                <a:solidFill>
-                  <a:schemeClr val="hlink"/>
-                </a:solidFill>
-                <a:hlinkClick r:id="rId12"/>
-              </a:rPr>
-              <a:t>https://web.archive.org/web/20220601162542/https://www.ncei.noaa.gov/data/gsom/</a:t>
-            </a:r>
-            <a:endParaRPr sz="900"/>
-          </a:p>
-        </p:txBody>
-      </p:sp>
-      <p:sp>
-        <p:nvSpPr>
-          <p:cNvPr id="300" name="Google Shape;300;p25"/>
-          <p:cNvSpPr/>
-          <p:nvPr/>
-        </p:nvSpPr>
-        <p:spPr>
-          <a:xfrm>
-            <a:off x="4202400" y="3865725"/>
-            <a:ext cx="1018200" cy="323100"/>
-          </a:xfrm>
-          <a:prstGeom prst="rect">
-            <a:avLst/>
-          </a:prstGeom>
-          <a:noFill/>
-          <a:ln cap="flat" cmpd="sng" w="38100">
-            <a:solidFill>
-              <a:srgbClr val="FFD966"/>
-            </a:solidFill>
-            <a:prstDash val="solid"/>
-            <a:round/>
-            <a:headEnd len="sm" w="sm" type="none"/>
-            <a:tailEnd len="sm" w="sm" type="none"/>
-          </a:ln>
-        </p:spPr>
-        <p:txBody>
-          <a:bodyPr anchorCtr="0" anchor="ctr" bIns="91425" lIns="91425" spcFirstLastPara="1" rIns="91425" wrap="square" tIns="91425">
-            <a:noAutofit/>
-          </a:bodyPr>
-          <a:lstStyle/>
-          <a:p>
-            <a:pPr indent="0" lvl="0" marL="0" rtl="0" algn="l">
-              <a:spcBef>
-                <a:spcPts val="0"/>
-              </a:spcBef>
-              <a:spcAft>
-                <a:spcPts val="0"/>
-              </a:spcAft>
-              <a:buNone/>
-            </a:pPr>
-            <a:r>
-              <a:t/>
-            </a:r>
-            <a:endParaRPr/>
-          </a:p>
-        </p:txBody>
-      </p:sp>
-      <p:cxnSp>
-        <p:nvCxnSpPr>
-          <p:cNvPr id="301" name="Google Shape;301;p25"/>
-          <p:cNvCxnSpPr/>
-          <p:nvPr/>
-        </p:nvCxnSpPr>
-        <p:spPr>
-          <a:xfrm flipH="1" rot="10800000">
-            <a:off x="4202000" y="2986375"/>
-            <a:ext cx="218100" cy="885300"/>
-          </a:xfrm>
-          <a:prstGeom prst="straightConnector1">
-            <a:avLst/>
-          </a:prstGeom>
-          <a:noFill/>
-          <a:ln cap="flat" cmpd="sng" w="28575">
-            <a:solidFill>
-              <a:srgbClr val="FFD966"/>
-            </a:solidFill>
-            <a:prstDash val="solid"/>
-            <a:round/>
-            <a:headEnd len="med" w="med" type="none"/>
-            <a:tailEnd len="med" w="med" type="none"/>
-          </a:ln>
-        </p:spPr>
-      </p:cxnSp>
-      <p:cxnSp>
-        <p:nvCxnSpPr>
-          <p:cNvPr id="302" name="Google Shape;302;p25"/>
-          <p:cNvCxnSpPr/>
-          <p:nvPr/>
-        </p:nvCxnSpPr>
-        <p:spPr>
-          <a:xfrm flipH="1" rot="10800000">
-            <a:off x="5226075" y="3468525"/>
-            <a:ext cx="1044000" cy="740100"/>
-          </a:xfrm>
-          <a:prstGeom prst="straightConnector1">
-            <a:avLst/>
-          </a:prstGeom>
-          <a:noFill/>
-          <a:ln cap="flat" cmpd="sng" w="28575">
-            <a:solidFill>
-              <a:srgbClr val="FFD966"/>
-            </a:solidFill>
-            <a:prstDash val="solid"/>
-            <a:round/>
-            <a:headEnd len="med" w="med" type="none"/>
-            <a:tailEnd len="med" w="med" type="none"/>
-          </a:ln>
-        </p:spPr>
-      </p:cxnSp>
-      <p:sp>
-        <p:nvSpPr>
-          <p:cNvPr id="303" name="Google Shape;303;p25"/>
-          <p:cNvSpPr/>
-          <p:nvPr/>
-        </p:nvSpPr>
-        <p:spPr>
-          <a:xfrm>
-            <a:off x="7300675" y="2418150"/>
-            <a:ext cx="971100" cy="704700"/>
+            <a:off x="168375" y="501300"/>
+            <a:ext cx="5977524" cy="2943499"/>
           </a:xfrm>
           <a:prstGeom prst="rect">
             <a:avLst/>
@@ -10515,109 +9983,56 @@
             <a:headEnd len="sm" w="sm" type="none"/>
             <a:tailEnd len="sm" w="sm" type="none"/>
           </a:ln>
-        </p:spPr>
-        <p:txBody>
-          <a:bodyPr anchorCtr="0" anchor="ctr" bIns="91425" lIns="91425" spcFirstLastPara="1" rIns="91425" wrap="square" tIns="91425">
-            <a:noAutofit/>
-          </a:bodyPr>
-          <a:lstStyle/>
-          <a:p>
-            <a:pPr indent="0" lvl="0" marL="0" rtl="0" algn="l">
-              <a:spcBef>
-                <a:spcPts val="0"/>
-              </a:spcBef>
-              <a:spcAft>
-                <a:spcPts val="0"/>
-              </a:spcAft>
-              <a:buNone/>
-            </a:pPr>
-            <a:r>
-              <a:t/>
-            </a:r>
-            <a:endParaRPr/>
-          </a:p>
-        </p:txBody>
-      </p:sp>
-      <p:cxnSp>
-        <p:nvCxnSpPr>
-          <p:cNvPr id="304" name="Google Shape;304;p25"/>
-          <p:cNvCxnSpPr/>
-          <p:nvPr/>
-        </p:nvCxnSpPr>
-        <p:spPr>
-          <a:xfrm rot="10800000">
-            <a:off x="5477275" y="2332200"/>
-            <a:ext cx="1823400" cy="438300"/>
-          </a:xfrm>
-          <a:prstGeom prst="straightConnector1">
+          <a:effectLst>
+            <a:outerShdw blurRad="57150" rotWithShape="0" algn="bl" dir="3000000" dist="95250">
+              <a:srgbClr val="000000">
+                <a:alpha val="50000"/>
+              </a:srgbClr>
+            </a:outerShdw>
+          </a:effectLst>
+        </p:spPr>
+      </p:pic>
+      <p:pic>
+        <p:nvPicPr>
+          <p:cNvPr id="288" name="Google Shape;288;p25"/>
+          <p:cNvPicPr preferRelativeResize="0"/>
+          <p:nvPr/>
+        </p:nvPicPr>
+        <p:blipFill>
+          <a:blip r:embed="rId8">
+            <a:alphaModFix/>
+          </a:blip>
+          <a:stretch>
+            <a:fillRect/>
+          </a:stretch>
+        </p:blipFill>
+        <p:spPr>
+          <a:xfrm>
+            <a:off x="3063575" y="1425250"/>
+            <a:ext cx="5775626" cy="2844081"/>
+          </a:xfrm>
+          <a:prstGeom prst="rect">
             <a:avLst/>
           </a:prstGeom>
           <a:noFill/>
-          <a:ln cap="flat" cmpd="sng" w="28575">
+          <a:ln cap="flat" cmpd="sng" w="38100">
             <a:solidFill>
-              <a:srgbClr val="FF0000"/>
+              <a:schemeClr val="dk2"/>
             </a:solidFill>
             <a:prstDash val="solid"/>
             <a:round/>
-            <a:headEnd len="med" w="med" type="none"/>
-            <a:tailEnd len="med" w="med" type="none"/>
-          </a:ln>
-        </p:spPr>
-      </p:cxnSp>
-      <p:cxnSp>
-        <p:nvCxnSpPr>
-          <p:cNvPr id="305" name="Google Shape;305;p25"/>
-          <p:cNvCxnSpPr>
-            <a:stCxn id="298" idx="1"/>
-          </p:cNvCxnSpPr>
-          <p:nvPr/>
-        </p:nvCxnSpPr>
-        <p:spPr>
-          <a:xfrm flipH="1">
-            <a:off x="5503725" y="968750"/>
-            <a:ext cx="936000" cy="1350300"/>
-          </a:xfrm>
-          <a:prstGeom prst="straightConnector1">
-            <a:avLst/>
-          </a:prstGeom>
-          <a:noFill/>
-          <a:ln cap="flat" cmpd="sng" w="28575">
-            <a:solidFill>
-              <a:srgbClr val="FF0000"/>
-            </a:solidFill>
-            <a:prstDash val="solid"/>
-            <a:round/>
-            <a:headEnd len="med" w="med" type="none"/>
-            <a:tailEnd len="med" w="med" type="none"/>
-          </a:ln>
-        </p:spPr>
-      </p:cxnSp>
-      <p:cxnSp>
-        <p:nvCxnSpPr>
-          <p:cNvPr id="306" name="Google Shape;306;p25"/>
-          <p:cNvCxnSpPr/>
-          <p:nvPr/>
-        </p:nvCxnSpPr>
-        <p:spPr>
-          <a:xfrm flipH="1" rot="10800000">
-            <a:off x="2147250" y="2378550"/>
-            <a:ext cx="1050600" cy="59400"/>
-          </a:xfrm>
-          <a:prstGeom prst="straightConnector1">
-            <a:avLst/>
-          </a:prstGeom>
-          <a:noFill/>
-          <a:ln cap="flat" cmpd="sng" w="28575">
-            <a:solidFill>
-              <a:srgbClr val="FF0000"/>
-            </a:solidFill>
-            <a:prstDash val="solid"/>
-            <a:round/>
-            <a:headEnd len="med" w="med" type="none"/>
-            <a:tailEnd len="med" w="med" type="triangle"/>
-          </a:ln>
-        </p:spPr>
-      </p:cxnSp>
+            <a:headEnd len="sm" w="sm" type="none"/>
+            <a:tailEnd len="sm" w="sm" type="none"/>
+          </a:ln>
+          <a:effectLst>
+            <a:outerShdw blurRad="57150" rotWithShape="0" algn="bl" dir="3000000" dist="95250">
+              <a:srgbClr val="000000">
+                <a:alpha val="50000"/>
+              </a:srgbClr>
+            </a:outerShdw>
+          </a:effectLst>
+        </p:spPr>
+      </p:pic>
     </p:spTree>
   </p:cSld>
   <p:clrMapOvr>
@@ -10631,7 +10046,7 @@
   <p:cSld>
     <p:spTree>
       <p:nvGrpSpPr>
-        <p:cNvPr id="310" name="Shape 310"/>
+        <p:cNvPr id="292" name="Shape 292"/>
         <p:cNvGrpSpPr/>
         <p:nvPr/>
       </p:nvGrpSpPr>
@@ -10645,7 +10060,7 @@
       </p:grpSpPr>
       <p:sp>
         <p:nvSpPr>
-          <p:cNvPr id="311" name="Google Shape;311;p26"/>
+          <p:cNvPr id="293" name="Google Shape;293;p26"/>
           <p:cNvSpPr txBox="1"/>
           <p:nvPr>
             <p:ph idx="12" type="sldNum"/>
@@ -10685,7 +10100,7 @@
       </p:sp>
       <p:pic>
         <p:nvPicPr>
-          <p:cNvPr id="312" name="Google Shape;312;p26"/>
+          <p:cNvPr id="294" name="Google Shape;294;p26"/>
           <p:cNvPicPr preferRelativeResize="0"/>
           <p:nvPr/>
         </p:nvPicPr>
@@ -10713,7 +10128,7 @@
       </p:pic>
       <p:sp>
         <p:nvSpPr>
-          <p:cNvPr id="313" name="Google Shape;313;p26"/>
+          <p:cNvPr id="295" name="Google Shape;295;p26"/>
           <p:cNvSpPr txBox="1"/>
           <p:nvPr/>
         </p:nvSpPr>
@@ -10755,7 +10170,7 @@
       </p:sp>
       <p:sp>
         <p:nvSpPr>
-          <p:cNvPr id="314" name="Google Shape;314;p26"/>
+          <p:cNvPr id="296" name="Google Shape;296;p26"/>
           <p:cNvSpPr txBox="1"/>
           <p:nvPr/>
         </p:nvSpPr>
@@ -10797,7 +10212,7 @@
       </p:sp>
       <p:grpSp>
         <p:nvGrpSpPr>
-          <p:cNvPr id="315" name="Google Shape;315;p26"/>
+          <p:cNvPr id="297" name="Google Shape;297;p26"/>
           <p:cNvGrpSpPr/>
           <p:nvPr/>
         </p:nvGrpSpPr>
@@ -10811,7 +10226,7 @@
         </p:grpSpPr>
         <p:sp>
           <p:nvSpPr>
-            <p:cNvPr id="316" name="Google Shape;316;p26"/>
+            <p:cNvPr id="298" name="Google Shape;298;p26"/>
             <p:cNvSpPr txBox="1"/>
             <p:nvPr/>
           </p:nvSpPr>
@@ -10861,7 +10276,7 @@
         </p:sp>
         <p:pic>
           <p:nvPicPr>
-            <p:cNvPr id="317" name="Google Shape;317;p26"/>
+            <p:cNvPr id="299" name="Google Shape;299;p26"/>
             <p:cNvPicPr preferRelativeResize="0"/>
             <p:nvPr/>
           </p:nvPicPr>
@@ -10890,7 +10305,7 @@
       </p:grpSp>
       <p:cxnSp>
         <p:nvCxnSpPr>
-          <p:cNvPr id="318" name="Google Shape;318;p26"/>
+          <p:cNvPr id="300" name="Google Shape;300;p26"/>
           <p:cNvCxnSpPr/>
           <p:nvPr/>
         </p:nvCxnSpPr>
@@ -10916,7 +10331,7 @@
       </p:cxnSp>
       <p:sp>
         <p:nvSpPr>
-          <p:cNvPr id="319" name="Google Shape;319;p26"/>
+          <p:cNvPr id="301" name="Google Shape;301;p26"/>
           <p:cNvSpPr txBox="1"/>
           <p:nvPr>
             <p:ph type="title"/>
@@ -10948,7 +10363,7 @@
             </a:pPr>
             <a:r>
               <a:rPr lang="en"/>
-              <a:t>Impractical Archives</a:t>
+              <a:t>Finding Workable Balances</a:t>
             </a:r>
             <a:endParaRPr/>
           </a:p>
@@ -10956,14 +10371,14 @@
       </p:sp>
       <p:sp>
         <p:nvSpPr>
-          <p:cNvPr id="320" name="Google Shape;320;p26"/>
+          <p:cNvPr id="302" name="Google Shape;302;p26"/>
           <p:cNvSpPr txBox="1"/>
           <p:nvPr/>
         </p:nvSpPr>
         <p:spPr>
           <a:xfrm>
-            <a:off x="1069650" y="4514701"/>
-            <a:ext cx="7004700" cy="323100"/>
+            <a:off x="1809600" y="4391050"/>
+            <a:ext cx="5524800" cy="461700"/>
           </a:xfrm>
           <a:prstGeom prst="rect">
             <a:avLst/>
@@ -10974,8 +10389,8 @@
           </a:ln>
         </p:spPr>
         <p:txBody>
-          <a:bodyPr anchorCtr="0" anchor="ctr" bIns="91425" lIns="91425" spcFirstLastPara="1" rIns="91425" wrap="square" tIns="91425">
-            <a:noAutofit/>
+          <a:bodyPr anchorCtr="0" anchor="t" bIns="91425" lIns="91425" spcFirstLastPara="1" rIns="91425" wrap="square" tIns="91425">
+            <a:spAutoFit/>
           </a:bodyPr>
           <a:lstStyle/>
           <a:p>
@@ -10995,20 +10410,79 @@
                 </a:solidFill>
                 <a:hlinkClick r:id="rId5"/>
               </a:rPr>
-              <a:t>https://datasetsearch.research.google.com/search?src=0&amp;query=education&amp;docid=L2cvMTFyaHp0NXl3Xw%3D%3D</a:t>
+              <a:t>https://web.archive.org/web/20220610035834/https://data.gov/metrics.html</a:t>
             </a:r>
             <a:endParaRPr sz="900"/>
+          </a:p>
+          <a:p>
+            <a:pPr indent="0" lvl="0" marL="0" rtl="0" algn="l">
+              <a:spcBef>
+                <a:spcPts val="0"/>
+              </a:spcBef>
+              <a:spcAft>
+                <a:spcPts val="0"/>
+              </a:spcAft>
+              <a:buNone/>
+            </a:pPr>
+            <a:r>
+              <a:rPr lang="en" sz="900" u="sng">
+                <a:solidFill>
+                  <a:schemeClr val="hlink"/>
+                </a:solidFill>
+                <a:hlinkClick r:id="rId6"/>
+              </a:rPr>
+              <a:t>https://web.archive.org/web/20220804223950/https://dashboard.data.gov/offices/detail/49018/2021-12-31</a:t>
+            </a:r>
+            <a:endParaRPr sz="900">
+              <a:solidFill>
+                <a:schemeClr val="dk1"/>
+              </a:solidFill>
+            </a:endParaRPr>
           </a:p>
         </p:txBody>
       </p:sp>
       <p:pic>
         <p:nvPicPr>
-          <p:cNvPr id="321" name="Google Shape;321;p26"/>
+          <p:cNvPr id="303" name="Google Shape;303;p26"/>
+          <p:cNvPicPr preferRelativeResize="0"/>
+          <p:nvPr/>
+        </p:nvPicPr>
+        <p:blipFill rotWithShape="1">
+          <a:blip r:embed="rId7">
+            <a:alphaModFix/>
+          </a:blip>
+          <a:srcRect b="0" l="18617" r="18187" t="0"/>
+          <a:stretch/>
+        </p:blipFill>
+        <p:spPr>
+          <a:xfrm>
+            <a:off x="140900" y="655425"/>
+            <a:ext cx="3943125" cy="3085324"/>
+          </a:xfrm>
+          <a:prstGeom prst="rect">
+            <a:avLst/>
+          </a:prstGeom>
+          <a:noFill/>
+          <a:ln>
+            <a:noFill/>
+          </a:ln>
+          <a:effectLst>
+            <a:outerShdw blurRad="57150" rotWithShape="0" algn="bl" dir="3000000" dist="57150">
+              <a:srgbClr val="000000">
+                <a:alpha val="50000"/>
+              </a:srgbClr>
+            </a:outerShdw>
+          </a:effectLst>
+        </p:spPr>
+      </p:pic>
+      <p:pic>
+        <p:nvPicPr>
+          <p:cNvPr id="304" name="Google Shape;304;p26"/>
           <p:cNvPicPr preferRelativeResize="0"/>
           <p:nvPr/>
         </p:nvPicPr>
         <p:blipFill>
-          <a:blip r:embed="rId6">
+          <a:blip r:embed="rId8">
             <a:alphaModFix/>
           </a:blip>
           <a:stretch>
@@ -11017,18 +10491,24 @@
         </p:blipFill>
         <p:spPr>
           <a:xfrm>
-            <a:off x="550020" y="477625"/>
-            <a:ext cx="8043960" cy="3942376"/>
+            <a:off x="3499425" y="501300"/>
+            <a:ext cx="5405550" cy="3813549"/>
           </a:xfrm>
           <a:prstGeom prst="rect">
             <a:avLst/>
           </a:prstGeom>
           <a:noFill/>
-          <a:ln>
-            <a:noFill/>
+          <a:ln cap="flat" cmpd="sng" w="28575">
+            <a:solidFill>
+              <a:srgbClr val="93C47D"/>
+            </a:solidFill>
+            <a:prstDash val="solid"/>
+            <a:round/>
+            <a:headEnd len="sm" w="sm" type="none"/>
+            <a:tailEnd len="sm" w="sm" type="none"/>
           </a:ln>
           <a:effectLst>
-            <a:outerShdw blurRad="57150" rotWithShape="0" algn="bl" dir="3000000" dist="95250">
+            <a:outerShdw blurRad="57150" rotWithShape="0" algn="bl" dir="4200000" dist="114300">
               <a:srgbClr val="000000">
                 <a:alpha val="50000"/>
               </a:srgbClr>
@@ -11036,6 +10516,82 @@
           </a:effectLst>
         </p:spPr>
       </p:pic>
+      <p:sp>
+        <p:nvSpPr>
+          <p:cNvPr id="305" name="Google Shape;305;p26"/>
+          <p:cNvSpPr/>
+          <p:nvPr/>
+        </p:nvSpPr>
+        <p:spPr>
+          <a:xfrm>
+            <a:off x="2213650" y="3273125"/>
+            <a:ext cx="325800" cy="325500"/>
+          </a:xfrm>
+          <a:prstGeom prst="rect">
+            <a:avLst/>
+          </a:prstGeom>
+          <a:noFill/>
+          <a:ln cap="flat" cmpd="sng" w="28575">
+            <a:solidFill>
+              <a:srgbClr val="93C47D"/>
+            </a:solidFill>
+            <a:prstDash val="solid"/>
+            <a:round/>
+            <a:headEnd len="sm" w="sm" type="none"/>
+            <a:tailEnd len="sm" w="sm" type="none"/>
+          </a:ln>
+        </p:spPr>
+        <p:txBody>
+          <a:bodyPr anchorCtr="0" anchor="ctr" bIns="91425" lIns="91425" spcFirstLastPara="1" rIns="91425" wrap="square" tIns="91425">
+            <a:noAutofit/>
+          </a:bodyPr>
+          <a:lstStyle/>
+          <a:p>
+            <a:pPr indent="0" lvl="0" marL="0" rtl="0" algn="l">
+              <a:spcBef>
+                <a:spcPts val="0"/>
+              </a:spcBef>
+              <a:spcAft>
+                <a:spcPts val="0"/>
+              </a:spcAft>
+              <a:buNone/>
+            </a:pPr>
+            <a:r>
+              <a:t/>
+            </a:r>
+            <a:endParaRPr/>
+          </a:p>
+        </p:txBody>
+      </p:sp>
+      <p:cxnSp>
+        <p:nvCxnSpPr>
+          <p:cNvPr id="306" name="Google Shape;306;p26"/>
+          <p:cNvCxnSpPr>
+            <a:stCxn id="305" idx="3"/>
+            <a:endCxn id="304" idx="1"/>
+          </p:cNvCxnSpPr>
+          <p:nvPr/>
+        </p:nvCxnSpPr>
+        <p:spPr>
+          <a:xfrm flipH="1" rot="10800000">
+            <a:off x="2539450" y="2408075"/>
+            <a:ext cx="960000" cy="1027800"/>
+          </a:xfrm>
+          <a:prstGeom prst="straightConnector1">
+            <a:avLst/>
+          </a:prstGeom>
+          <a:noFill/>
+          <a:ln cap="flat" cmpd="sng" w="28575">
+            <a:solidFill>
+              <a:srgbClr val="93C47D"/>
+            </a:solidFill>
+            <a:prstDash val="solid"/>
+            <a:round/>
+            <a:headEnd len="med" w="med" type="none"/>
+            <a:tailEnd len="med" w="med" type="none"/>
+          </a:ln>
+        </p:spPr>
+      </p:cxnSp>
     </p:spTree>
   </p:cSld>
   <p:clrMapOvr>
@@ -11049,7 +10605,7 @@
   <p:cSld>
     <p:spTree>
       <p:nvGrpSpPr>
-        <p:cNvPr id="325" name="Shape 325"/>
+        <p:cNvPr id="310" name="Shape 310"/>
         <p:cNvGrpSpPr/>
         <p:nvPr/>
       </p:nvGrpSpPr>
@@ -11063,7 +10619,7 @@
       </p:grpSpPr>
       <p:sp>
         <p:nvSpPr>
-          <p:cNvPr id="326" name="Google Shape;326;p27"/>
+          <p:cNvPr id="311" name="Google Shape;311;p27"/>
           <p:cNvSpPr txBox="1"/>
           <p:nvPr>
             <p:ph idx="12" type="sldNum"/>
@@ -11103,7 +10659,7 @@
       </p:sp>
       <p:pic>
         <p:nvPicPr>
-          <p:cNvPr id="327" name="Google Shape;327;p27"/>
+          <p:cNvPr id="312" name="Google Shape;312;p27"/>
           <p:cNvPicPr preferRelativeResize="0"/>
           <p:nvPr/>
         </p:nvPicPr>
@@ -11131,7 +10687,7 @@
       </p:pic>
       <p:sp>
         <p:nvSpPr>
-          <p:cNvPr id="328" name="Google Shape;328;p27"/>
+          <p:cNvPr id="313" name="Google Shape;313;p27"/>
           <p:cNvSpPr txBox="1"/>
           <p:nvPr/>
         </p:nvSpPr>
@@ -11173,7 +10729,7 @@
       </p:sp>
       <p:sp>
         <p:nvSpPr>
-          <p:cNvPr id="329" name="Google Shape;329;p27"/>
+          <p:cNvPr id="314" name="Google Shape;314;p27"/>
           <p:cNvSpPr txBox="1"/>
           <p:nvPr/>
         </p:nvSpPr>
@@ -11215,7 +10771,7 @@
       </p:sp>
       <p:grpSp>
         <p:nvGrpSpPr>
-          <p:cNvPr id="330" name="Google Shape;330;p27"/>
+          <p:cNvPr id="315" name="Google Shape;315;p27"/>
           <p:cNvGrpSpPr/>
           <p:nvPr/>
         </p:nvGrpSpPr>
@@ -11229,7 +10785,7 @@
         </p:grpSpPr>
         <p:sp>
           <p:nvSpPr>
-            <p:cNvPr id="331" name="Google Shape;331;p27"/>
+            <p:cNvPr id="316" name="Google Shape;316;p27"/>
             <p:cNvSpPr txBox="1"/>
             <p:nvPr/>
           </p:nvSpPr>
@@ -11279,7 +10835,7 @@
         </p:sp>
         <p:pic>
           <p:nvPicPr>
-            <p:cNvPr id="332" name="Google Shape;332;p27"/>
+            <p:cNvPr id="317" name="Google Shape;317;p27"/>
             <p:cNvPicPr preferRelativeResize="0"/>
             <p:nvPr/>
           </p:nvPicPr>
@@ -11308,7 +10864,7 @@
       </p:grpSp>
       <p:cxnSp>
         <p:nvCxnSpPr>
-          <p:cNvPr id="333" name="Google Shape;333;p27"/>
+          <p:cNvPr id="318" name="Google Shape;318;p27"/>
           <p:cNvCxnSpPr/>
           <p:nvPr/>
         </p:nvCxnSpPr>
@@ -11334,7 +10890,7 @@
       </p:cxnSp>
       <p:sp>
         <p:nvSpPr>
-          <p:cNvPr id="334" name="Google Shape;334;p27"/>
+          <p:cNvPr id="319" name="Google Shape;319;p27"/>
           <p:cNvSpPr txBox="1"/>
           <p:nvPr>
             <p:ph type="title"/>
@@ -11366,7 +10922,7 @@
             </a:pPr>
             <a:r>
               <a:rPr lang="en"/>
-              <a:t>Our Old Friend, JavaScript</a:t>
+              <a:t>Limitations of Walled Gardens</a:t>
             </a:r>
             <a:endParaRPr/>
           </a:p>
@@ -11374,7 +10930,7 @@
       </p:sp>
       <p:sp>
         <p:nvSpPr>
-          <p:cNvPr id="335" name="Google Shape;335;p27"/>
+          <p:cNvPr id="320" name="Google Shape;320;p27"/>
           <p:cNvSpPr txBox="1"/>
           <p:nvPr/>
         </p:nvSpPr>
@@ -11413,7 +10969,7 @@
                 </a:solidFill>
                 <a:hlinkClick r:id="rId5"/>
               </a:rPr>
-              <a:t>https://web.archive.org/web/20200122125450/https://www.ceicdata.com/en/united-states/education-statistics</a:t>
+              <a:t>https://microdata.worldbank.org/index.php/catalog/4776</a:t>
             </a:r>
             <a:endParaRPr sz="900"/>
           </a:p>
@@ -11421,21 +10977,22 @@
       </p:sp>
       <p:pic>
         <p:nvPicPr>
-          <p:cNvPr id="336" name="Google Shape;336;p27"/>
+          <p:cNvPr id="321" name="Google Shape;321;p27"/>
           <p:cNvPicPr preferRelativeResize="0"/>
           <p:nvPr/>
         </p:nvPicPr>
-        <p:blipFill rotWithShape="1">
+        <p:blipFill>
           <a:blip r:embed="rId6">
             <a:alphaModFix/>
           </a:blip>
-          <a:srcRect b="0" l="6200" r="0" t="0"/>
-          <a:stretch/>
+          <a:stretch>
+            <a:fillRect/>
+          </a:stretch>
         </p:blipFill>
         <p:spPr>
           <a:xfrm>
-            <a:off x="169449" y="501300"/>
-            <a:ext cx="6928748" cy="3637575"/>
+            <a:off x="92175" y="501300"/>
+            <a:ext cx="6604125" cy="3089575"/>
           </a:xfrm>
           <a:prstGeom prst="rect">
             <a:avLst/>
@@ -11445,7 +11002,7 @@
             <a:noFill/>
           </a:ln>
           <a:effectLst>
-            <a:outerShdw blurRad="57150" rotWithShape="0" algn="bl" dir="3000000" dist="47625">
+            <a:outerShdw blurRad="57150" rotWithShape="0" algn="bl" dir="3000000" dist="57150">
               <a:srgbClr val="000000">
                 <a:alpha val="50000"/>
               </a:srgbClr>
@@ -11455,7 +11012,7 @@
       </p:pic>
       <p:pic>
         <p:nvPicPr>
-          <p:cNvPr id="337" name="Google Shape;337;p27"/>
+          <p:cNvPr id="322" name="Google Shape;322;p27"/>
           <p:cNvPicPr preferRelativeResize="0"/>
           <p:nvPr/>
         </p:nvPicPr>
@@ -11469,8 +11026,48 @@
         </p:blipFill>
         <p:spPr>
           <a:xfrm>
-            <a:off x="4659025" y="1496850"/>
-            <a:ext cx="4090175" cy="2642025"/>
+            <a:off x="238425" y="2610100"/>
+            <a:ext cx="3149229" cy="1774525"/>
+          </a:xfrm>
+          <a:prstGeom prst="rect">
+            <a:avLst/>
+          </a:prstGeom>
+          <a:noFill/>
+          <a:ln cap="flat" cmpd="sng" w="28575">
+            <a:solidFill>
+              <a:srgbClr val="FFD966"/>
+            </a:solidFill>
+            <a:prstDash val="solid"/>
+            <a:round/>
+            <a:headEnd len="sm" w="sm" type="none"/>
+            <a:tailEnd len="sm" w="sm" type="none"/>
+          </a:ln>
+          <a:effectLst>
+            <a:outerShdw blurRad="57150" rotWithShape="0" algn="bl" dir="3000000" dist="114300">
+              <a:srgbClr val="000000">
+                <a:alpha val="50000"/>
+              </a:srgbClr>
+            </a:outerShdw>
+          </a:effectLst>
+        </p:spPr>
+      </p:pic>
+      <p:pic>
+        <p:nvPicPr>
+          <p:cNvPr id="323" name="Google Shape;323;p27"/>
+          <p:cNvPicPr preferRelativeResize="0"/>
+          <p:nvPr/>
+        </p:nvPicPr>
+        <p:blipFill rotWithShape="1">
+          <a:blip r:embed="rId8">
+            <a:alphaModFix/>
+          </a:blip>
+          <a:srcRect b="34469" l="0" r="0" t="0"/>
+          <a:stretch/>
+        </p:blipFill>
+        <p:spPr>
+          <a:xfrm>
+            <a:off x="6170525" y="574362"/>
+            <a:ext cx="2527976" cy="2018588"/>
           </a:xfrm>
           <a:prstGeom prst="rect">
             <a:avLst/>
@@ -11486,7 +11083,7 @@
             <a:tailEnd len="sm" w="sm" type="none"/>
           </a:ln>
           <a:effectLst>
-            <a:outerShdw blurRad="57150" rotWithShape="0" algn="bl" dir="3000000" dist="114300">
+            <a:outerShdw blurRad="57150" rotWithShape="0" algn="bl" dir="3000000" dist="85725">
               <a:srgbClr val="000000">
                 <a:alpha val="50000"/>
               </a:srgbClr>
@@ -11494,16 +11091,24 @@
           </a:effectLst>
         </p:spPr>
       </p:pic>
-      <p:sp>
-        <p:nvSpPr>
-          <p:cNvPr id="338" name="Google Shape;338;p27"/>
-          <p:cNvSpPr/>
-          <p:nvPr/>
-        </p:nvSpPr>
-        <p:spPr>
-          <a:xfrm>
-            <a:off x="1053550" y="2012425"/>
-            <a:ext cx="3273000" cy="1379100"/>
+      <p:pic>
+        <p:nvPicPr>
+          <p:cNvPr id="324" name="Google Shape;324;p27"/>
+          <p:cNvPicPr preferRelativeResize="0"/>
+          <p:nvPr/>
+        </p:nvPicPr>
+        <p:blipFill>
+          <a:blip r:embed="rId9">
+            <a:alphaModFix/>
+          </a:blip>
+          <a:stretch>
+            <a:fillRect/>
+          </a:stretch>
+        </p:blipFill>
+        <p:spPr>
+          <a:xfrm>
+            <a:off x="4319825" y="2752850"/>
+            <a:ext cx="3870976" cy="1690825"/>
           </a:xfrm>
           <a:prstGeom prst="rect">
             <a:avLst/>
@@ -11518,58 +11123,15 @@
             <a:headEnd len="sm" w="sm" type="none"/>
             <a:tailEnd len="sm" w="sm" type="none"/>
           </a:ln>
-        </p:spPr>
-        <p:txBody>
-          <a:bodyPr anchorCtr="0" anchor="ctr" bIns="91425" lIns="91425" spcFirstLastPara="1" rIns="91425" wrap="square" tIns="91425">
-            <a:noAutofit/>
-          </a:bodyPr>
-          <a:lstStyle/>
-          <a:p>
-            <a:pPr indent="0" lvl="0" marL="0" rtl="0" algn="l">
-              <a:spcBef>
-                <a:spcPts val="0"/>
-              </a:spcBef>
-              <a:spcAft>
-                <a:spcPts val="0"/>
-              </a:spcAft>
-              <a:buNone/>
-            </a:pPr>
-            <a:r>
-              <a:t/>
-            </a:r>
-            <a:endParaRPr/>
-          </a:p>
-        </p:txBody>
-      </p:sp>
-      <p:cxnSp>
-        <p:nvCxnSpPr>
-          <p:cNvPr id="339" name="Google Shape;339;p27"/>
-          <p:cNvCxnSpPr>
-            <a:stCxn id="338" idx="3"/>
-            <a:endCxn id="337" idx="1"/>
-          </p:cNvCxnSpPr>
-          <p:nvPr/>
-        </p:nvCxnSpPr>
-        <p:spPr>
-          <a:xfrm>
-            <a:off x="4326550" y="2701975"/>
-            <a:ext cx="332400" cy="115800"/>
-          </a:xfrm>
-          <a:prstGeom prst="straightConnector1">
-            <a:avLst/>
-          </a:prstGeom>
-          <a:noFill/>
-          <a:ln cap="flat" cmpd="sng" w="28575">
-            <a:solidFill>
-              <a:srgbClr val="FF0000"/>
-            </a:solidFill>
-            <a:prstDash val="solid"/>
-            <a:round/>
-            <a:headEnd len="med" w="med" type="none"/>
-            <a:tailEnd len="med" w="med" type="none"/>
-          </a:ln>
-        </p:spPr>
-      </p:cxnSp>
+          <a:effectLst>
+            <a:outerShdw blurRad="57150" rotWithShape="0" algn="bl" dir="3000000" dist="85725">
+              <a:srgbClr val="000000">
+                <a:alpha val="50000"/>
+              </a:srgbClr>
+            </a:outerShdw>
+          </a:effectLst>
+        </p:spPr>
+      </p:pic>
     </p:spTree>
   </p:cSld>
   <p:clrMapOvr>
@@ -11583,7 +11145,7 @@
   <p:cSld>
     <p:spTree>
       <p:nvGrpSpPr>
-        <p:cNvPr id="343" name="Shape 343"/>
+        <p:cNvPr id="328" name="Shape 328"/>
         <p:cNvGrpSpPr/>
         <p:nvPr/>
       </p:nvGrpSpPr>
@@ -11595,9 +11157,79 @@
           <a:chExt cx="0" cy="0"/>
         </a:xfrm>
       </p:grpSpPr>
+      <p:pic>
+        <p:nvPicPr>
+          <p:cNvPr id="329" name="Google Shape;329;p28"/>
+          <p:cNvPicPr preferRelativeResize="0"/>
+          <p:nvPr/>
+        </p:nvPicPr>
+        <p:blipFill>
+          <a:blip r:embed="rId3">
+            <a:alphaModFix/>
+          </a:blip>
+          <a:stretch>
+            <a:fillRect/>
+          </a:stretch>
+        </p:blipFill>
+        <p:spPr>
+          <a:xfrm>
+            <a:off x="4172875" y="580712"/>
+            <a:ext cx="4894925" cy="3677275"/>
+          </a:xfrm>
+          <a:prstGeom prst="rect">
+            <a:avLst/>
+          </a:prstGeom>
+          <a:noFill/>
+          <a:ln>
+            <a:noFill/>
+          </a:ln>
+          <a:effectLst>
+            <a:outerShdw blurRad="57150" rotWithShape="0" algn="bl" dir="3000000" dist="66675">
+              <a:srgbClr val="000000">
+                <a:alpha val="50000"/>
+              </a:srgbClr>
+            </a:outerShdw>
+          </a:effectLst>
+        </p:spPr>
+      </p:pic>
+      <p:pic>
+        <p:nvPicPr>
+          <p:cNvPr id="330" name="Google Shape;330;p28"/>
+          <p:cNvPicPr preferRelativeResize="0"/>
+          <p:nvPr/>
+        </p:nvPicPr>
+        <p:blipFill>
+          <a:blip r:embed="rId4">
+            <a:alphaModFix/>
+          </a:blip>
+          <a:stretch>
+            <a:fillRect/>
+          </a:stretch>
+        </p:blipFill>
+        <p:spPr>
+          <a:xfrm>
+            <a:off x="92175" y="580693"/>
+            <a:ext cx="3971360" cy="3399851"/>
+          </a:xfrm>
+          <a:prstGeom prst="rect">
+            <a:avLst/>
+          </a:prstGeom>
+          <a:noFill/>
+          <a:ln>
+            <a:noFill/>
+          </a:ln>
+          <a:effectLst>
+            <a:outerShdw blurRad="57150" rotWithShape="0" algn="bl" dir="3000000" dist="66675">
+              <a:srgbClr val="000000">
+                <a:alpha val="50000"/>
+              </a:srgbClr>
+            </a:outerShdw>
+          </a:effectLst>
+        </p:spPr>
+      </p:pic>
       <p:sp>
         <p:nvSpPr>
-          <p:cNvPr id="344" name="Google Shape;344;p28"/>
+          <p:cNvPr id="331" name="Google Shape;331;p28"/>
           <p:cNvSpPr txBox="1"/>
           <p:nvPr>
             <p:ph idx="12" type="sldNum"/>
@@ -11637,12 +11269,12 @@
       </p:sp>
       <p:pic>
         <p:nvPicPr>
-          <p:cNvPr id="345" name="Google Shape;345;p28"/>
+          <p:cNvPr id="332" name="Google Shape;332;p28"/>
           <p:cNvPicPr preferRelativeResize="0"/>
           <p:nvPr/>
         </p:nvPicPr>
         <p:blipFill>
-          <a:blip r:embed="rId3">
+          <a:blip r:embed="rId5">
             <a:alphaModFix/>
           </a:blip>
           <a:stretch>
@@ -11665,7 +11297,7 @@
       </p:pic>
       <p:sp>
         <p:nvSpPr>
-          <p:cNvPr id="346" name="Google Shape;346;p28"/>
+          <p:cNvPr id="333" name="Google Shape;333;p28"/>
           <p:cNvSpPr txBox="1"/>
           <p:nvPr/>
         </p:nvSpPr>
@@ -11707,7 +11339,7 @@
       </p:sp>
       <p:sp>
         <p:nvSpPr>
-          <p:cNvPr id="347" name="Google Shape;347;p28"/>
+          <p:cNvPr id="334" name="Google Shape;334;p28"/>
           <p:cNvSpPr txBox="1"/>
           <p:nvPr/>
         </p:nvSpPr>
@@ -11749,7 +11381,7 @@
       </p:sp>
       <p:grpSp>
         <p:nvGrpSpPr>
-          <p:cNvPr id="348" name="Google Shape;348;p28"/>
+          <p:cNvPr id="335" name="Google Shape;335;p28"/>
           <p:cNvGrpSpPr/>
           <p:nvPr/>
         </p:nvGrpSpPr>
@@ -11763,7 +11395,7 @@
         </p:grpSpPr>
         <p:sp>
           <p:nvSpPr>
-            <p:cNvPr id="349" name="Google Shape;349;p28"/>
+            <p:cNvPr id="336" name="Google Shape;336;p28"/>
             <p:cNvSpPr txBox="1"/>
             <p:nvPr/>
           </p:nvSpPr>
@@ -11813,12 +11445,12 @@
         </p:sp>
         <p:pic>
           <p:nvPicPr>
-            <p:cNvPr id="350" name="Google Shape;350;p28"/>
+            <p:cNvPr id="337" name="Google Shape;337;p28"/>
             <p:cNvPicPr preferRelativeResize="0"/>
             <p:nvPr/>
           </p:nvPicPr>
           <p:blipFill>
-            <a:blip r:embed="rId4">
+            <a:blip r:embed="rId6">
               <a:alphaModFix/>
             </a:blip>
             <a:stretch>
@@ -11842,7 +11474,7 @@
       </p:grpSp>
       <p:cxnSp>
         <p:nvCxnSpPr>
-          <p:cNvPr id="351" name="Google Shape;351;p28"/>
+          <p:cNvPr id="338" name="Google Shape;338;p28"/>
           <p:cNvCxnSpPr/>
           <p:nvPr/>
         </p:nvCxnSpPr>
@@ -11868,7 +11500,7 @@
       </p:cxnSp>
       <p:sp>
         <p:nvSpPr>
-          <p:cNvPr id="352" name="Google Shape;352;p28"/>
+          <p:cNvPr id="339" name="Google Shape;339;p28"/>
           <p:cNvSpPr txBox="1"/>
           <p:nvPr>
             <p:ph type="title"/>
@@ -11900,7 +11532,7 @@
             </a:pPr>
             <a:r>
               <a:rPr lang="en"/>
-              <a:t>Federal Bureau of Inaccessibility</a:t>
+              <a:t>A State of Suspended Animation</a:t>
             </a:r>
             <a:endParaRPr/>
           </a:p>
@@ -11908,14 +11540,14 @@
       </p:sp>
       <p:sp>
         <p:nvSpPr>
-          <p:cNvPr id="353" name="Google Shape;353;p28"/>
+          <p:cNvPr id="340" name="Google Shape;340;p28"/>
           <p:cNvSpPr txBox="1"/>
           <p:nvPr/>
         </p:nvSpPr>
         <p:spPr>
           <a:xfrm>
-            <a:off x="1069650" y="4443675"/>
-            <a:ext cx="7004700" cy="323100"/>
+            <a:off x="4163324" y="4208350"/>
+            <a:ext cx="1362300" cy="323100"/>
           </a:xfrm>
           <a:prstGeom prst="rect">
             <a:avLst/>
@@ -11938,11 +11570,6 @@
               <a:spcAft>
                 <a:spcPts val="0"/>
               </a:spcAft>
-              <a:buClr>
-                <a:schemeClr val="dk1"/>
-              </a:buClr>
-              <a:buSzPts val="1100"/>
-              <a:buFont typeface="Arial"/>
               <a:buNone/>
             </a:pPr>
             <a:r>
@@ -11950,79 +11577,93 @@
                 <a:solidFill>
                   <a:schemeClr val="hlink"/>
                 </a:solidFill>
-                <a:hlinkClick r:id="rId5"/>
+                <a:hlinkClick r:id="rId7"/>
               </a:rPr>
-              <a:t>https://crime-data-explorer.fr.cloud.gov/pages/explorer/crime/crime-trend</a:t>
-            </a:r>
-            <a:endParaRPr sz="900"/>
-          </a:p>
-          <a:p>
-            <a:pPr indent="0" lvl="0" marL="0" rtl="0" algn="ctr">
-              <a:spcBef>
-                <a:spcPts val="0"/>
-              </a:spcBef>
-              <a:spcAft>
-                <a:spcPts val="0"/>
-              </a:spcAft>
-              <a:buNone/>
-            </a:pPr>
-            <a:r>
-              <a:rPr lang="en" sz="900" u="sng">
-                <a:solidFill>
-                  <a:schemeClr val="hlink"/>
-                </a:solidFill>
-                <a:hlinkClick r:id="rId6"/>
-              </a:rPr>
-              <a:t>https://web.archive.org/web/20221123093558/https://crime-data-explorer.fr.cloud.gov/pages/explorer/crime/crime-trend</a:t>
+              <a:t>https://cia.gov/library/</a:t>
             </a:r>
             <a:endParaRPr sz="900"/>
           </a:p>
         </p:txBody>
       </p:sp>
-      <p:pic>
-        <p:nvPicPr>
-          <p:cNvPr id="354" name="Google Shape;354;p28"/>
-          <p:cNvPicPr preferRelativeResize="0"/>
-          <p:nvPr/>
-        </p:nvPicPr>
-        <p:blipFill>
-          <a:blip r:embed="rId7">
-            <a:alphaModFix/>
-          </a:blip>
-          <a:stretch>
-            <a:fillRect/>
-          </a:stretch>
-        </p:blipFill>
-        <p:spPr>
-          <a:xfrm>
-            <a:off x="168375" y="501300"/>
-            <a:ext cx="5977524" cy="2943499"/>
+      <p:sp>
+        <p:nvSpPr>
+          <p:cNvPr id="341" name="Google Shape;341;p28"/>
+          <p:cNvSpPr/>
+          <p:nvPr/>
+        </p:nvSpPr>
+        <p:spPr>
+          <a:xfrm>
+            <a:off x="4341000" y="630793"/>
+            <a:ext cx="548700" cy="211500"/>
           </a:xfrm>
           <a:prstGeom prst="rect">
             <a:avLst/>
           </a:prstGeom>
           <a:noFill/>
-          <a:ln cap="flat" cmpd="sng" w="38100">
+          <a:ln cap="flat" cmpd="sng" w="28575">
             <a:solidFill>
-              <a:srgbClr val="FF0000"/>
+              <a:srgbClr val="00FF00"/>
             </a:solidFill>
             <a:prstDash val="solid"/>
             <a:round/>
             <a:headEnd len="sm" w="sm" type="none"/>
             <a:tailEnd len="sm" w="sm" type="none"/>
           </a:ln>
-          <a:effectLst>
-            <a:outerShdw blurRad="57150" rotWithShape="0" algn="bl" dir="3000000" dist="95250">
-              <a:srgbClr val="000000">
-                <a:alpha val="50000"/>
-              </a:srgbClr>
-            </a:outerShdw>
-          </a:effectLst>
-        </p:spPr>
-      </p:pic>
+        </p:spPr>
+        <p:txBody>
+          <a:bodyPr anchorCtr="0" anchor="ctr" bIns="91425" lIns="91425" spcFirstLastPara="1" rIns="91425" wrap="square" tIns="91425">
+            <a:noAutofit/>
+          </a:bodyPr>
+          <a:lstStyle/>
+          <a:p>
+            <a:pPr indent="0" lvl="0" marL="0" rtl="0" algn="l">
+              <a:spcBef>
+                <a:spcPts val="0"/>
+              </a:spcBef>
+              <a:spcAft>
+                <a:spcPts val="0"/>
+              </a:spcAft>
+              <a:buNone/>
+            </a:pPr>
+            <a:r>
+              <a:t/>
+            </a:r>
+            <a:endParaRPr/>
+          </a:p>
+        </p:txBody>
+      </p:sp>
+      <p:cxnSp>
+        <p:nvCxnSpPr>
+          <p:cNvPr id="342" name="Google Shape;342;p28"/>
+          <p:cNvCxnSpPr>
+            <a:stCxn id="341" idx="2"/>
+            <a:endCxn id="343" idx="0"/>
+          </p:cNvCxnSpPr>
+          <p:nvPr/>
+        </p:nvCxnSpPr>
+        <p:spPr>
+          <a:xfrm>
+            <a:off x="4615350" y="842293"/>
+            <a:ext cx="2617500" cy="2414700"/>
+          </a:xfrm>
+          <a:prstGeom prst="straightConnector1">
+            <a:avLst/>
+          </a:prstGeom>
+          <a:noFill/>
+          <a:ln cap="flat" cmpd="sng" w="28575">
+            <a:solidFill>
+              <a:srgbClr val="00FF00"/>
+            </a:solidFill>
+            <a:prstDash val="solid"/>
+            <a:round/>
+            <a:headEnd len="med" w="med" type="none"/>
+            <a:tailEnd len="med" w="med" type="none"/>
+          </a:ln>
+        </p:spPr>
+      </p:cxnSp>
       <p:pic>
         <p:nvPicPr>
-          <p:cNvPr id="355" name="Google Shape;355;p28"/>
+          <p:cNvPr id="343" name="Google Shape;343;p28"/>
           <p:cNvPicPr preferRelativeResize="0"/>
           <p:nvPr/>
         </p:nvPicPr>
@@ -12036,16 +11677,16 @@
         </p:blipFill>
         <p:spPr>
           <a:xfrm>
-            <a:off x="3063575" y="1425250"/>
-            <a:ext cx="5775626" cy="2844081"/>
+            <a:off x="5525613" y="3257000"/>
+            <a:ext cx="3414524" cy="1032450"/>
           </a:xfrm>
           <a:prstGeom prst="rect">
             <a:avLst/>
           </a:prstGeom>
           <a:noFill/>
-          <a:ln cap="flat" cmpd="sng" w="38100">
+          <a:ln cap="flat" cmpd="sng" w="28575">
             <a:solidFill>
-              <a:schemeClr val="dk2"/>
+              <a:srgbClr val="00FF00"/>
             </a:solidFill>
             <a:prstDash val="solid"/>
             <a:round/>
@@ -12053,7 +11694,7 @@
             <a:tailEnd len="sm" w="sm" type="none"/>
           </a:ln>
           <a:effectLst>
-            <a:outerShdw blurRad="57150" rotWithShape="0" algn="bl" dir="3000000" dist="95250">
+            <a:outerShdw blurRad="57150" rotWithShape="0" algn="bl" dir="3000000" dist="361950">
               <a:srgbClr val="000000">
                 <a:alpha val="50000"/>
               </a:srgbClr>
@@ -12061,6 +11702,53 @@
           </a:effectLst>
         </p:spPr>
       </p:pic>
+      <p:sp>
+        <p:nvSpPr>
+          <p:cNvPr id="344" name="Google Shape;344;p28"/>
+          <p:cNvSpPr txBox="1"/>
+          <p:nvPr/>
+        </p:nvSpPr>
+        <p:spPr>
+          <a:xfrm>
+            <a:off x="15975" y="3986475"/>
+            <a:ext cx="4080600" cy="323100"/>
+          </a:xfrm>
+          <a:prstGeom prst="rect">
+            <a:avLst/>
+          </a:prstGeom>
+          <a:noFill/>
+          <a:ln>
+            <a:noFill/>
+          </a:ln>
+        </p:spPr>
+        <p:txBody>
+          <a:bodyPr anchorCtr="0" anchor="ctr" bIns="91425" lIns="91425" spcFirstLastPara="1" rIns="91425" wrap="square" tIns="91425">
+            <a:noAutofit/>
+          </a:bodyPr>
+          <a:lstStyle/>
+          <a:p>
+            <a:pPr indent="0" lvl="0" marL="0" rtl="0" algn="ctr">
+              <a:spcBef>
+                <a:spcPts val="0"/>
+              </a:spcBef>
+              <a:spcAft>
+                <a:spcPts val="0"/>
+              </a:spcAft>
+              <a:buNone/>
+            </a:pPr>
+            <a:r>
+              <a:rPr lang="en" sz="900" u="sng">
+                <a:solidFill>
+                  <a:schemeClr val="hlink"/>
+                </a:solidFill>
+                <a:hlinkClick r:id="rId9"/>
+              </a:rPr>
+              <a:t>https://web.archive.org/web/20190715001358/https://www.cia.gov/library/</a:t>
+            </a:r>
+            <a:endParaRPr sz="900"/>
+          </a:p>
+        </p:txBody>
+      </p:sp>
     </p:spTree>
   </p:cSld>
   <p:clrMapOvr>
@@ -12074,7 +11762,7 @@
   <p:cSld>
     <p:spTree>
       <p:nvGrpSpPr>
-        <p:cNvPr id="359" name="Shape 359"/>
+        <p:cNvPr id="348" name="Shape 348"/>
         <p:cNvGrpSpPr/>
         <p:nvPr/>
       </p:nvGrpSpPr>
@@ -12086,9 +11774,43 @@
           <a:chExt cx="0" cy="0"/>
         </a:xfrm>
       </p:grpSpPr>
+      <p:pic>
+        <p:nvPicPr>
+          <p:cNvPr id="349" name="Google Shape;349;p29"/>
+          <p:cNvPicPr preferRelativeResize="0"/>
+          <p:nvPr/>
+        </p:nvPicPr>
+        <p:blipFill rotWithShape="1">
+          <a:blip r:embed="rId3">
+            <a:alphaModFix/>
+          </a:blip>
+          <a:srcRect b="30304" l="10959" r="20198" t="34575"/>
+          <a:stretch/>
+        </p:blipFill>
+        <p:spPr>
+          <a:xfrm>
+            <a:off x="200550" y="501300"/>
+            <a:ext cx="4476524" cy="1955175"/>
+          </a:xfrm>
+          <a:prstGeom prst="rect">
+            <a:avLst/>
+          </a:prstGeom>
+          <a:noFill/>
+          <a:ln>
+            <a:noFill/>
+          </a:ln>
+          <a:effectLst>
+            <a:outerShdw blurRad="57150" rotWithShape="0" algn="bl" dir="2160000" dist="85725">
+              <a:srgbClr val="000000">
+                <a:alpha val="50000"/>
+              </a:srgbClr>
+            </a:outerShdw>
+          </a:effectLst>
+        </p:spPr>
+      </p:pic>
       <p:sp>
         <p:nvSpPr>
-          <p:cNvPr id="360" name="Google Shape;360;p29"/>
+          <p:cNvPr id="350" name="Google Shape;350;p29"/>
           <p:cNvSpPr txBox="1"/>
           <p:nvPr>
             <p:ph idx="12" type="sldNum"/>
@@ -12128,12 +11850,12 @@
       </p:sp>
       <p:pic>
         <p:nvPicPr>
-          <p:cNvPr id="361" name="Google Shape;361;p29"/>
+          <p:cNvPr id="351" name="Google Shape;351;p29"/>
           <p:cNvPicPr preferRelativeResize="0"/>
           <p:nvPr/>
         </p:nvPicPr>
         <p:blipFill>
-          <a:blip r:embed="rId3">
+          <a:blip r:embed="rId4">
             <a:alphaModFix/>
           </a:blip>
           <a:stretch>
@@ -12156,7 +11878,7 @@
       </p:pic>
       <p:sp>
         <p:nvSpPr>
-          <p:cNvPr id="362" name="Google Shape;362;p29"/>
+          <p:cNvPr id="352" name="Google Shape;352;p29"/>
           <p:cNvSpPr txBox="1"/>
           <p:nvPr/>
         </p:nvSpPr>
@@ -12198,7 +11920,7 @@
       </p:sp>
       <p:sp>
         <p:nvSpPr>
-          <p:cNvPr id="363" name="Google Shape;363;p29"/>
+          <p:cNvPr id="353" name="Google Shape;353;p29"/>
           <p:cNvSpPr txBox="1"/>
           <p:nvPr/>
         </p:nvSpPr>
@@ -12240,7 +11962,7 @@
       </p:sp>
       <p:grpSp>
         <p:nvGrpSpPr>
-          <p:cNvPr id="364" name="Google Shape;364;p29"/>
+          <p:cNvPr id="354" name="Google Shape;354;p29"/>
           <p:cNvGrpSpPr/>
           <p:nvPr/>
         </p:nvGrpSpPr>
@@ -12254,7 +11976,7 @@
         </p:grpSpPr>
         <p:sp>
           <p:nvSpPr>
-            <p:cNvPr id="365" name="Google Shape;365;p29"/>
+            <p:cNvPr id="355" name="Google Shape;355;p29"/>
             <p:cNvSpPr txBox="1"/>
             <p:nvPr/>
           </p:nvSpPr>
@@ -12304,12 +12026,12 @@
         </p:sp>
         <p:pic>
           <p:nvPicPr>
-            <p:cNvPr id="366" name="Google Shape;366;p29"/>
+            <p:cNvPr id="356" name="Google Shape;356;p29"/>
             <p:cNvPicPr preferRelativeResize="0"/>
             <p:nvPr/>
           </p:nvPicPr>
           <p:blipFill>
-            <a:blip r:embed="rId4">
+            <a:blip r:embed="rId5">
               <a:alphaModFix/>
             </a:blip>
             <a:stretch>
@@ -12333,7 +12055,7 @@
       </p:grpSp>
       <p:cxnSp>
         <p:nvCxnSpPr>
-          <p:cNvPr id="367" name="Google Shape;367;p29"/>
+          <p:cNvPr id="357" name="Google Shape;357;p29"/>
           <p:cNvCxnSpPr/>
           <p:nvPr/>
         </p:nvCxnSpPr>
@@ -12359,7 +12081,7 @@
       </p:cxnSp>
       <p:sp>
         <p:nvSpPr>
-          <p:cNvPr id="368" name="Google Shape;368;p29"/>
+          <p:cNvPr id="358" name="Google Shape;358;p29"/>
           <p:cNvSpPr txBox="1"/>
           <p:nvPr>
             <p:ph type="title"/>
@@ -12391,7 +12113,11 @@
             </a:pPr>
             <a:r>
               <a:rPr lang="en"/>
-              <a:t>Finding Workable Balances</a:t>
+              <a:t>Persistent</a:t>
+            </a:r>
+            <a:r>
+              <a:rPr lang="en"/>
+              <a:t> Consequences</a:t>
             </a:r>
             <a:endParaRPr/>
           </a:p>
@@ -12399,14 +12125,14 @@
       </p:sp>
       <p:sp>
         <p:nvSpPr>
-          <p:cNvPr id="369" name="Google Shape;369;p29"/>
+          <p:cNvPr id="359" name="Google Shape;359;p29"/>
           <p:cNvSpPr txBox="1"/>
           <p:nvPr/>
         </p:nvSpPr>
         <p:spPr>
           <a:xfrm>
-            <a:off x="1809600" y="4391050"/>
-            <a:ext cx="5524800" cy="461700"/>
+            <a:off x="4285275" y="4551619"/>
+            <a:ext cx="4858800" cy="244800"/>
           </a:xfrm>
           <a:prstGeom prst="rect">
             <a:avLst/>
@@ -12417,33 +12143,12 @@
           </a:ln>
         </p:spPr>
         <p:txBody>
-          <a:bodyPr anchorCtr="0" anchor="t" bIns="91425" lIns="91425" spcFirstLastPara="1" rIns="91425" wrap="square" tIns="91425">
-            <a:spAutoFit/>
+          <a:bodyPr anchorCtr="0" anchor="ctr" bIns="91425" lIns="91425" spcFirstLastPara="1" rIns="91425" wrap="square" tIns="91425">
+            <a:noAutofit/>
           </a:bodyPr>
           <a:lstStyle/>
           <a:p>
             <a:pPr indent="0" lvl="0" marL="0" rtl="0" algn="ctr">
-              <a:spcBef>
-                <a:spcPts val="0"/>
-              </a:spcBef>
-              <a:spcAft>
-                <a:spcPts val="0"/>
-              </a:spcAft>
-              <a:buNone/>
-            </a:pPr>
-            <a:r>
-              <a:rPr lang="en" sz="900" u="sng">
-                <a:solidFill>
-                  <a:schemeClr val="hlink"/>
-                </a:solidFill>
-                <a:hlinkClick r:id="rId5"/>
-              </a:rPr>
-              <a:t>https://web.archive.org/web/20220610035834/https://data.gov/metrics.html</a:t>
-            </a:r>
-            <a:endParaRPr sz="900"/>
-          </a:p>
-          <a:p>
-            <a:pPr indent="0" lvl="0" marL="0" rtl="0" algn="l">
               <a:spcBef>
                 <a:spcPts val="0"/>
               </a:spcBef>
@@ -12459,43 +12164,46 @@
                 </a:solidFill>
                 <a:hlinkClick r:id="rId6"/>
               </a:rPr>
-              <a:t>https://web.archive.org/web/20220804223950/https://dashboard.data.gov/offices/detail/49018/2021-12-31</a:t>
+              <a:t>https://web.archive.org/web/20190706174759/https://www.cia.gov/redirects/ciaredirect.html</a:t>
             </a:r>
-            <a:endParaRPr sz="900">
-              <a:solidFill>
-                <a:schemeClr val="dk1"/>
-              </a:solidFill>
-            </a:endParaRPr>
+            <a:endParaRPr sz="900"/>
           </a:p>
         </p:txBody>
       </p:sp>
       <p:pic>
         <p:nvPicPr>
-          <p:cNvPr id="370" name="Google Shape;370;p29"/>
+          <p:cNvPr id="360" name="Google Shape;360;p29"/>
           <p:cNvPicPr preferRelativeResize="0"/>
           <p:nvPr/>
         </p:nvPicPr>
-        <p:blipFill rotWithShape="1">
+        <p:blipFill>
           <a:blip r:embed="rId7">
             <a:alphaModFix/>
           </a:blip>
-          <a:srcRect b="0" l="18617" r="18187" t="0"/>
-          <a:stretch/>
+          <a:stretch>
+            <a:fillRect/>
+          </a:stretch>
         </p:blipFill>
         <p:spPr>
           <a:xfrm>
-            <a:off x="140900" y="655425"/>
-            <a:ext cx="3943125" cy="3085324"/>
+            <a:off x="4936927" y="501301"/>
+            <a:ext cx="4044248" cy="4020725"/>
           </a:xfrm>
           <a:prstGeom prst="rect">
             <a:avLst/>
           </a:prstGeom>
           <a:noFill/>
-          <a:ln>
-            <a:noFill/>
+          <a:ln cap="flat" cmpd="sng" w="9525">
+            <a:solidFill>
+              <a:schemeClr val="dk2"/>
+            </a:solidFill>
+            <a:prstDash val="solid"/>
+            <a:round/>
+            <a:headEnd len="sm" w="sm" type="none"/>
+            <a:tailEnd len="sm" w="sm" type="none"/>
           </a:ln>
           <a:effectLst>
-            <a:outerShdw blurRad="57150" rotWithShape="0" algn="bl" dir="3000000" dist="57150">
+            <a:outerShdw blurRad="57150" rotWithShape="0" algn="bl" dir="2160000" dist="85725">
               <a:srgbClr val="000000">
                 <a:alpha val="50000"/>
               </a:srgbClr>
@@ -12505,7 +12213,7 @@
       </p:pic>
       <p:pic>
         <p:nvPicPr>
-          <p:cNvPr id="371" name="Google Shape;371;p29"/>
+          <p:cNvPr id="361" name="Google Shape;361;p29"/>
           <p:cNvPicPr preferRelativeResize="0"/>
           <p:nvPr/>
         </p:nvPicPr>
@@ -12519,16 +12227,16 @@
         </p:blipFill>
         <p:spPr>
           <a:xfrm>
-            <a:off x="3499425" y="501300"/>
-            <a:ext cx="5405550" cy="3813549"/>
+            <a:off x="3513375" y="639759"/>
+            <a:ext cx="2122800" cy="1551275"/>
           </a:xfrm>
           <a:prstGeom prst="rect">
             <a:avLst/>
           </a:prstGeom>
           <a:noFill/>
-          <a:ln cap="flat" cmpd="sng" w="28575">
+          <a:ln cap="flat" cmpd="sng" w="19050">
             <a:solidFill>
-              <a:srgbClr val="93C47D"/>
+              <a:srgbClr val="FF0000"/>
             </a:solidFill>
             <a:prstDash val="solid"/>
             <a:round/>
@@ -12536,7 +12244,7 @@
             <a:tailEnd len="sm" w="sm" type="none"/>
           </a:ln>
           <a:effectLst>
-            <a:outerShdw blurRad="57150" rotWithShape="0" algn="bl" dir="4200000" dist="114300">
+            <a:outerShdw blurRad="57150" rotWithShape="0" algn="bl" dir="2760000" dist="114300">
               <a:srgbClr val="000000">
                 <a:alpha val="50000"/>
               </a:srgbClr>
@@ -12546,22 +12254,28 @@
       </p:pic>
       <p:sp>
         <p:nvSpPr>
-          <p:cNvPr id="372" name="Google Shape;372;p29"/>
+          <p:cNvPr id="362" name="Google Shape;362;p29"/>
           <p:cNvSpPr/>
           <p:nvPr/>
         </p:nvSpPr>
         <p:spPr>
           <a:xfrm>
-            <a:off x="2213650" y="3273125"/>
-            <a:ext cx="325800" cy="325500"/>
-          </a:xfrm>
-          <a:prstGeom prst="rect">
-            <a:avLst/>
-          </a:prstGeom>
-          <a:noFill/>
-          <a:ln cap="flat" cmpd="sng" w="28575">
+            <a:off x="5411475" y="1366926"/>
+            <a:ext cx="651000" cy="769500"/>
+          </a:xfrm>
+          <a:prstGeom prst="curvedRightArrow">
+            <a:avLst>
+              <a:gd fmla="val 25000" name="adj1"/>
+              <a:gd fmla="val 50000" name="adj2"/>
+              <a:gd fmla="val 25000" name="adj3"/>
+            </a:avLst>
+          </a:prstGeom>
+          <a:solidFill>
+            <a:srgbClr val="E06666"/>
+          </a:solidFill>
+          <a:ln cap="flat" cmpd="sng" w="9525">
             <a:solidFill>
-              <a:srgbClr val="93C47D"/>
+              <a:schemeClr val="dk2"/>
             </a:solidFill>
             <a:prstDash val="solid"/>
             <a:round/>
@@ -12593,25 +12307,233 @@
       </p:sp>
       <p:cxnSp>
         <p:nvCxnSpPr>
-          <p:cNvPr id="373" name="Google Shape;373;p29"/>
+          <p:cNvPr id="363" name="Google Shape;363;p29"/>
           <p:cNvCxnSpPr>
-            <a:stCxn id="372" idx="3"/>
-            <a:endCxn id="371" idx="1"/>
+            <a:stCxn id="364" idx="3"/>
+            <a:endCxn id="361" idx="1"/>
           </p:cNvCxnSpPr>
           <p:nvPr/>
         </p:nvCxnSpPr>
         <p:spPr>
-          <a:xfrm flipH="1" rot="10800000">
-            <a:off x="2539450" y="2408075"/>
-            <a:ext cx="960000" cy="1027800"/>
+          <a:xfrm>
+            <a:off x="2460000" y="1366926"/>
+            <a:ext cx="1053300" cy="48600"/>
           </a:xfrm>
           <a:prstGeom prst="straightConnector1">
+            <a:avLst/>
+          </a:prstGeom>
+          <a:noFill/>
+          <a:ln cap="flat" cmpd="sng" w="38100">
+            <a:solidFill>
+              <a:srgbClr val="FF0000"/>
+            </a:solidFill>
+            <a:prstDash val="solid"/>
+            <a:round/>
+            <a:headEnd len="med" w="med" type="none"/>
+            <a:tailEnd len="med" w="med" type="triangle"/>
+          </a:ln>
+        </p:spPr>
+      </p:cxnSp>
+      <p:sp>
+        <p:nvSpPr>
+          <p:cNvPr id="364" name="Google Shape;364;p29"/>
+          <p:cNvSpPr/>
+          <p:nvPr/>
+        </p:nvSpPr>
+        <p:spPr>
+          <a:xfrm>
+            <a:off x="874200" y="1225926"/>
+            <a:ext cx="1585800" cy="282000"/>
+          </a:xfrm>
+          <a:prstGeom prst="roundRect">
+            <a:avLst>
+              <a:gd fmla="val 16667" name="adj"/>
+            </a:avLst>
+          </a:prstGeom>
+          <a:noFill/>
+          <a:ln cap="flat" cmpd="sng" w="38100">
+            <a:solidFill>
+              <a:srgbClr val="FF0000"/>
+            </a:solidFill>
+            <a:prstDash val="solid"/>
+            <a:round/>
+            <a:headEnd len="sm" w="sm" type="none"/>
+            <a:tailEnd len="sm" w="sm" type="none"/>
+          </a:ln>
+        </p:spPr>
+        <p:txBody>
+          <a:bodyPr anchorCtr="0" anchor="ctr" bIns="91425" lIns="91425" spcFirstLastPara="1" rIns="91425" wrap="square" tIns="91425">
+            <a:noAutofit/>
+          </a:bodyPr>
+          <a:lstStyle/>
+          <a:p>
+            <a:pPr indent="0" lvl="0" marL="0" rtl="0" algn="l">
+              <a:spcBef>
+                <a:spcPts val="0"/>
+              </a:spcBef>
+              <a:spcAft>
+                <a:spcPts val="0"/>
+              </a:spcAft>
+              <a:buNone/>
+            </a:pPr>
+            <a:r>
+              <a:t/>
+            </a:r>
+            <a:endParaRPr/>
+          </a:p>
+        </p:txBody>
+      </p:sp>
+      <p:pic>
+        <p:nvPicPr>
+          <p:cNvPr id="365" name="Google Shape;365;p29"/>
+          <p:cNvPicPr preferRelativeResize="0"/>
+          <p:nvPr/>
+        </p:nvPicPr>
+        <p:blipFill>
+          <a:blip r:embed="rId9">
+            <a:alphaModFix/>
+          </a:blip>
+          <a:stretch>
+            <a:fillRect/>
+          </a:stretch>
+        </p:blipFill>
+        <p:spPr>
+          <a:xfrm>
+            <a:off x="2460001" y="2281154"/>
+            <a:ext cx="3154175" cy="2221322"/>
+          </a:xfrm>
+          <a:prstGeom prst="rect">
             <a:avLst/>
           </a:prstGeom>
           <a:noFill/>
           <a:ln cap="flat" cmpd="sng" w="28575">
             <a:solidFill>
-              <a:srgbClr val="93C47D"/>
+              <a:srgbClr val="FF0000"/>
+            </a:solidFill>
+            <a:prstDash val="solid"/>
+            <a:round/>
+            <a:headEnd len="sm" w="sm" type="none"/>
+            <a:tailEnd len="sm" w="sm" type="none"/>
+          </a:ln>
+          <a:effectLst>
+            <a:outerShdw blurRad="57150" rotWithShape="0" algn="bl" dir="3000000" dist="76200">
+              <a:srgbClr val="000000">
+                <a:alpha val="50000"/>
+              </a:srgbClr>
+            </a:outerShdw>
+          </a:effectLst>
+        </p:spPr>
+      </p:pic>
+      <p:sp>
+        <p:nvSpPr>
+          <p:cNvPr id="366" name="Google Shape;366;p29"/>
+          <p:cNvSpPr/>
+          <p:nvPr/>
+        </p:nvSpPr>
+        <p:spPr>
+          <a:xfrm flipH="1">
+            <a:off x="5101700" y="2835413"/>
+            <a:ext cx="856200" cy="631200"/>
+          </a:xfrm>
+          <a:prstGeom prst="stripedRightArrow">
+            <a:avLst>
+              <a:gd fmla="val 50000" name="adj1"/>
+              <a:gd fmla="val 50000" name="adj2"/>
+            </a:avLst>
+          </a:prstGeom>
+          <a:solidFill>
+            <a:srgbClr val="E06666"/>
+          </a:solidFill>
+          <a:ln cap="flat" cmpd="sng" w="9525">
+            <a:solidFill>
+              <a:schemeClr val="dk2"/>
+            </a:solidFill>
+            <a:prstDash val="solid"/>
+            <a:round/>
+            <a:headEnd len="sm" w="sm" type="none"/>
+            <a:tailEnd len="sm" w="sm" type="none"/>
+          </a:ln>
+        </p:spPr>
+        <p:txBody>
+          <a:bodyPr anchorCtr="0" anchor="ctr" bIns="91425" lIns="91425" spcFirstLastPara="1" rIns="91425" wrap="square" tIns="91425">
+            <a:noAutofit/>
+          </a:bodyPr>
+          <a:lstStyle/>
+          <a:p>
+            <a:pPr indent="0" lvl="0" marL="0" rtl="0" algn="l">
+              <a:spcBef>
+                <a:spcPts val="0"/>
+              </a:spcBef>
+              <a:spcAft>
+                <a:spcPts val="0"/>
+              </a:spcAft>
+              <a:buNone/>
+            </a:pPr>
+            <a:r>
+              <a:t/>
+            </a:r>
+            <a:endParaRPr/>
+          </a:p>
+        </p:txBody>
+      </p:sp>
+      <p:pic>
+        <p:nvPicPr>
+          <p:cNvPr id="367" name="Google Shape;367;p29"/>
+          <p:cNvPicPr preferRelativeResize="0"/>
+          <p:nvPr/>
+        </p:nvPicPr>
+        <p:blipFill rotWithShape="1">
+          <a:blip r:embed="rId9">
+            <a:alphaModFix/>
+          </a:blip>
+          <a:srcRect b="94541" l="28001" r="28080" t="0"/>
+          <a:stretch/>
+        </p:blipFill>
+        <p:spPr>
+          <a:xfrm>
+            <a:off x="200550" y="3748938"/>
+            <a:ext cx="4044249" cy="354000"/>
+          </a:xfrm>
+          <a:prstGeom prst="rect">
+            <a:avLst/>
+          </a:prstGeom>
+          <a:noFill/>
+          <a:ln cap="flat" cmpd="sng" w="28575">
+            <a:solidFill>
+              <a:srgbClr val="FF0000"/>
+            </a:solidFill>
+            <a:prstDash val="solid"/>
+            <a:round/>
+            <a:headEnd len="sm" w="sm" type="none"/>
+            <a:tailEnd len="sm" w="sm" type="none"/>
+          </a:ln>
+          <a:effectLst>
+            <a:outerShdw blurRad="57150" rotWithShape="0" algn="bl" dir="3000000" dist="76200">
+              <a:srgbClr val="000000">
+                <a:alpha val="50000"/>
+              </a:srgbClr>
+            </a:outerShdw>
+          </a:effectLst>
+        </p:spPr>
+      </p:pic>
+      <p:cxnSp>
+        <p:nvCxnSpPr>
+          <p:cNvPr id="368" name="Google Shape;368;p29"/>
+          <p:cNvCxnSpPr/>
+          <p:nvPr/>
+        </p:nvCxnSpPr>
+        <p:spPr>
+          <a:xfrm flipH="1" rot="10800000">
+            <a:off x="2222675" y="2423838"/>
+            <a:ext cx="1254600" cy="1325100"/>
+          </a:xfrm>
+          <a:prstGeom prst="straightConnector1">
+            <a:avLst/>
+          </a:prstGeom>
+          <a:noFill/>
+          <a:ln cap="flat" cmpd="sng" w="19050">
+            <a:solidFill>
+              <a:srgbClr val="FF0000"/>
             </a:solidFill>
             <a:prstDash val="solid"/>
             <a:round/>
@@ -12633,7 +12555,7 @@
   <p:cSld>
     <p:spTree>
       <p:nvGrpSpPr>
-        <p:cNvPr id="377" name="Shape 377"/>
+        <p:cNvPr id="372" name="Shape 372"/>
         <p:cNvGrpSpPr/>
         <p:nvPr/>
       </p:nvGrpSpPr>
@@ -12647,7 +12569,7 @@
       </p:grpSpPr>
       <p:sp>
         <p:nvSpPr>
-          <p:cNvPr id="378" name="Google Shape;378;p30"/>
+          <p:cNvPr id="373" name="Google Shape;373;p30"/>
           <p:cNvSpPr txBox="1"/>
           <p:nvPr>
             <p:ph idx="12" type="sldNum"/>
@@ -12687,7 +12609,7 @@
       </p:sp>
       <p:pic>
         <p:nvPicPr>
-          <p:cNvPr id="379" name="Google Shape;379;p30"/>
+          <p:cNvPr id="374" name="Google Shape;374;p30"/>
           <p:cNvPicPr preferRelativeResize="0"/>
           <p:nvPr/>
         </p:nvPicPr>
@@ -12715,7 +12637,7 @@
       </p:pic>
       <p:sp>
         <p:nvSpPr>
-          <p:cNvPr id="380" name="Google Shape;380;p30"/>
+          <p:cNvPr id="375" name="Google Shape;375;p30"/>
           <p:cNvSpPr txBox="1"/>
           <p:nvPr/>
         </p:nvSpPr>
@@ -12757,7 +12679,7 @@
       </p:sp>
       <p:sp>
         <p:nvSpPr>
-          <p:cNvPr id="381" name="Google Shape;381;p30"/>
+          <p:cNvPr id="376" name="Google Shape;376;p30"/>
           <p:cNvSpPr txBox="1"/>
           <p:nvPr/>
         </p:nvSpPr>
@@ -12799,7 +12721,7 @@
       </p:sp>
       <p:grpSp>
         <p:nvGrpSpPr>
-          <p:cNvPr id="382" name="Google Shape;382;p30"/>
+          <p:cNvPr id="377" name="Google Shape;377;p30"/>
           <p:cNvGrpSpPr/>
           <p:nvPr/>
         </p:nvGrpSpPr>
@@ -12813,7 +12735,7 @@
         </p:grpSpPr>
         <p:sp>
           <p:nvSpPr>
-            <p:cNvPr id="383" name="Google Shape;383;p30"/>
+            <p:cNvPr id="378" name="Google Shape;378;p30"/>
             <p:cNvSpPr txBox="1"/>
             <p:nvPr/>
           </p:nvSpPr>
@@ -12863,7 +12785,7 @@
         </p:sp>
         <p:pic>
           <p:nvPicPr>
-            <p:cNvPr id="384" name="Google Shape;384;p30"/>
+            <p:cNvPr id="379" name="Google Shape;379;p30"/>
             <p:cNvPicPr preferRelativeResize="0"/>
             <p:nvPr/>
           </p:nvPicPr>
@@ -12892,7 +12814,7 @@
       </p:grpSp>
       <p:cxnSp>
         <p:nvCxnSpPr>
-          <p:cNvPr id="385" name="Google Shape;385;p30"/>
+          <p:cNvPr id="380" name="Google Shape;380;p30"/>
           <p:cNvCxnSpPr/>
           <p:nvPr/>
         </p:nvCxnSpPr>
@@ -12918,7 +12840,7 @@
       </p:cxnSp>
       <p:sp>
         <p:nvSpPr>
-          <p:cNvPr id="386" name="Google Shape;386;p30"/>
+          <p:cNvPr id="381" name="Google Shape;381;p30"/>
           <p:cNvSpPr txBox="1"/>
           <p:nvPr>
             <p:ph type="title"/>
@@ -12950,7 +12872,7 @@
             </a:pPr>
             <a:r>
               <a:rPr lang="en"/>
-              <a:t>Limitations of Walled Gardens</a:t>
+              <a:t>3rd-Party Adaptations</a:t>
             </a:r>
             <a:endParaRPr/>
           </a:p>
@@ -12958,14 +12880,14 @@
       </p:sp>
       <p:sp>
         <p:nvSpPr>
-          <p:cNvPr id="387" name="Google Shape;387;p30"/>
+          <p:cNvPr id="382" name="Google Shape;382;p30"/>
           <p:cNvSpPr txBox="1"/>
           <p:nvPr/>
         </p:nvSpPr>
         <p:spPr>
           <a:xfrm>
-            <a:off x="1069650" y="4519875"/>
-            <a:ext cx="7004700" cy="323100"/>
+            <a:off x="1087100" y="4138875"/>
+            <a:ext cx="2518800" cy="323100"/>
           </a:xfrm>
           <a:prstGeom prst="rect">
             <a:avLst/>
@@ -12991,13 +12913,8 @@
               <a:buNone/>
             </a:pPr>
             <a:r>
-              <a:rPr lang="en" sz="900" u="sng">
-                <a:solidFill>
-                  <a:schemeClr val="hlink"/>
-                </a:solidFill>
-                <a:hlinkClick r:id="rId5"/>
-              </a:rPr>
-              <a:t>https://microdata.worldbank.org/index.php/catalog/4776</a:t>
+              <a:rPr lang="en" sz="900"/>
+              <a:t>https://factbook.github.io/it</a:t>
             </a:r>
             <a:endParaRPr sz="900"/>
           </a:p>
@@ -13005,12 +12922,12 @@
       </p:sp>
       <p:pic>
         <p:nvPicPr>
-          <p:cNvPr id="388" name="Google Shape;388;p30"/>
+          <p:cNvPr id="383" name="Google Shape;383;p30"/>
           <p:cNvPicPr preferRelativeResize="0"/>
           <p:nvPr/>
         </p:nvPicPr>
         <p:blipFill>
-          <a:blip r:embed="rId6">
+          <a:blip r:embed="rId5">
             <a:alphaModFix/>
           </a:blip>
           <a:stretch>
@@ -13019,18 +12936,24 @@
         </p:blipFill>
         <p:spPr>
           <a:xfrm>
-            <a:off x="92175" y="501300"/>
-            <a:ext cx="6604125" cy="3089575"/>
+            <a:off x="92173" y="501300"/>
+            <a:ext cx="3925100" cy="3851376"/>
           </a:xfrm>
           <a:prstGeom prst="rect">
             <a:avLst/>
           </a:prstGeom>
           <a:noFill/>
-          <a:ln>
-            <a:noFill/>
+          <a:ln cap="flat" cmpd="sng" w="9525">
+            <a:solidFill>
+              <a:schemeClr val="dk2"/>
+            </a:solidFill>
+            <a:prstDash val="solid"/>
+            <a:round/>
+            <a:headEnd len="sm" w="sm" type="none"/>
+            <a:tailEnd len="sm" w="sm" type="none"/>
           </a:ln>
           <a:effectLst>
-            <a:outerShdw blurRad="57150" rotWithShape="0" algn="bl" dir="3000000" dist="57150">
+            <a:outerShdw blurRad="57150" rotWithShape="0" algn="bl" dir="2400000" dist="76200">
               <a:srgbClr val="000000">
                 <a:alpha val="50000"/>
               </a:srgbClr>
@@ -13038,9 +12961,115 @@
           </a:effectLst>
         </p:spPr>
       </p:pic>
+      <p:sp>
+        <p:nvSpPr>
+          <p:cNvPr id="384" name="Google Shape;384;p30"/>
+          <p:cNvSpPr txBox="1"/>
+          <p:nvPr/>
+        </p:nvSpPr>
+        <p:spPr>
+          <a:xfrm>
+            <a:off x="402875" y="4393968"/>
+            <a:ext cx="3072000" cy="244800"/>
+          </a:xfrm>
+          <a:prstGeom prst="rect">
+            <a:avLst/>
+          </a:prstGeom>
+          <a:noFill/>
+          <a:ln>
+            <a:noFill/>
+          </a:ln>
+        </p:spPr>
+        <p:txBody>
+          <a:bodyPr anchorCtr="0" anchor="ctr" bIns="91425" lIns="91425" spcFirstLastPara="1" rIns="91425" wrap="square" tIns="91425">
+            <a:noAutofit/>
+          </a:bodyPr>
+          <a:lstStyle/>
+          <a:p>
+            <a:pPr indent="0" lvl="0" marL="0" rtl="0" algn="ctr">
+              <a:spcBef>
+                <a:spcPts val="0"/>
+              </a:spcBef>
+              <a:spcAft>
+                <a:spcPts val="0"/>
+              </a:spcAft>
+              <a:buNone/>
+            </a:pPr>
+            <a:r>
+              <a:rPr lang="en" sz="900" u="sng">
+                <a:solidFill>
+                  <a:schemeClr val="hlink"/>
+                </a:solidFill>
+                <a:hlinkClick r:id="rId6"/>
+              </a:rPr>
+              <a:t>https://www.cia.gov/the-world-factbook/countries/world/</a:t>
+            </a:r>
+            <a:endParaRPr sz="900"/>
+          </a:p>
+        </p:txBody>
+      </p:sp>
+      <p:cxnSp>
+        <p:nvCxnSpPr>
+          <p:cNvPr id="385" name="Google Shape;385;p30"/>
+          <p:cNvCxnSpPr/>
+          <p:nvPr/>
+        </p:nvCxnSpPr>
+        <p:spPr>
+          <a:xfrm>
+            <a:off x="6976925" y="508725"/>
+            <a:ext cx="2043300" cy="888000"/>
+          </a:xfrm>
+          <a:prstGeom prst="straightConnector1">
+            <a:avLst/>
+          </a:prstGeom>
+          <a:noFill/>
+          <a:ln cap="flat" cmpd="sng" w="9525">
+            <a:solidFill>
+              <a:schemeClr val="dk2"/>
+            </a:solidFill>
+            <a:prstDash val="solid"/>
+            <a:round/>
+            <a:headEnd len="med" w="med" type="none"/>
+            <a:tailEnd len="med" w="med" type="none"/>
+          </a:ln>
+          <a:effectLst>
+            <a:outerShdw blurRad="57150" rotWithShape="0" algn="bl" dir="5400000" dist="114300">
+              <a:srgbClr val="000000">
+                <a:alpha val="50000"/>
+              </a:srgbClr>
+            </a:outerShdw>
+          </a:effectLst>
+        </p:spPr>
+      </p:cxnSp>
+      <p:cxnSp>
+        <p:nvCxnSpPr>
+          <p:cNvPr id="386" name="Google Shape;386;p30"/>
+          <p:cNvCxnSpPr/>
+          <p:nvPr/>
+        </p:nvCxnSpPr>
+        <p:spPr>
+          <a:xfrm>
+            <a:off x="4155775" y="2167075"/>
+            <a:ext cx="792300" cy="2301600"/>
+          </a:xfrm>
+          <a:prstGeom prst="straightConnector1">
+            <a:avLst/>
+          </a:prstGeom>
+          <a:noFill/>
+          <a:ln cap="flat" cmpd="sng" w="9525">
+            <a:solidFill>
+              <a:schemeClr val="dk2"/>
+            </a:solidFill>
+            <a:prstDash val="solid"/>
+            <a:round/>
+            <a:headEnd len="med" w="med" type="none"/>
+            <a:tailEnd len="med" w="med" type="none"/>
+          </a:ln>
+        </p:spPr>
+      </p:cxnSp>
       <p:pic>
         <p:nvPicPr>
-          <p:cNvPr id="389" name="Google Shape;389;p30"/>
+          <p:cNvPr id="387" name="Google Shape;387;p30"/>
           <p:cNvPicPr preferRelativeResize="0"/>
           <p:nvPr/>
         </p:nvPicPr>
@@ -13054,79 +13083,32 @@
         </p:blipFill>
         <p:spPr>
           <a:xfrm>
-            <a:off x="238425" y="2610100"/>
-            <a:ext cx="3149229" cy="1774525"/>
+            <a:off x="4161675" y="501300"/>
+            <a:ext cx="2816099" cy="1668375"/>
           </a:xfrm>
           <a:prstGeom prst="rect">
             <a:avLst/>
           </a:prstGeom>
           <a:noFill/>
-          <a:ln cap="flat" cmpd="sng" w="28575">
+          <a:ln cap="flat" cmpd="sng" w="9525">
             <a:solidFill>
-              <a:srgbClr val="FFD966"/>
+              <a:schemeClr val="dk2"/>
             </a:solidFill>
             <a:prstDash val="solid"/>
             <a:round/>
             <a:headEnd len="sm" w="sm" type="none"/>
             <a:tailEnd len="sm" w="sm" type="none"/>
           </a:ln>
-          <a:effectLst>
-            <a:outerShdw blurRad="57150" rotWithShape="0" algn="bl" dir="3000000" dist="114300">
-              <a:srgbClr val="000000">
-                <a:alpha val="50000"/>
-              </a:srgbClr>
-            </a:outerShdw>
-          </a:effectLst>
         </p:spPr>
       </p:pic>
       <p:pic>
         <p:nvPicPr>
-          <p:cNvPr id="390" name="Google Shape;390;p30"/>
-          <p:cNvPicPr preferRelativeResize="0"/>
-          <p:nvPr/>
-        </p:nvPicPr>
-        <p:blipFill rotWithShape="1">
-          <a:blip r:embed="rId8">
-            <a:alphaModFix/>
-          </a:blip>
-          <a:srcRect b="34469" l="0" r="0" t="0"/>
-          <a:stretch/>
-        </p:blipFill>
-        <p:spPr>
-          <a:xfrm>
-            <a:off x="6170525" y="574362"/>
-            <a:ext cx="2527976" cy="2018588"/>
-          </a:xfrm>
-          <a:prstGeom prst="rect">
-            <a:avLst/>
-          </a:prstGeom>
-          <a:noFill/>
-          <a:ln cap="flat" cmpd="sng" w="28575">
-            <a:solidFill>
-              <a:srgbClr val="FF0000"/>
-            </a:solidFill>
-            <a:prstDash val="solid"/>
-            <a:round/>
-            <a:headEnd len="sm" w="sm" type="none"/>
-            <a:tailEnd len="sm" w="sm" type="none"/>
-          </a:ln>
-          <a:effectLst>
-            <a:outerShdw blurRad="57150" rotWithShape="0" algn="bl" dir="3000000" dist="85725">
-              <a:srgbClr val="000000">
-                <a:alpha val="50000"/>
-              </a:srgbClr>
-            </a:outerShdw>
-          </a:effectLst>
-        </p:spPr>
-      </p:pic>
-      <p:pic>
-        <p:nvPicPr>
-          <p:cNvPr id="391" name="Google Shape;391;p30"/>
+          <p:cNvPr id="388" name="Google Shape;388;p30"/>
           <p:cNvPicPr preferRelativeResize="0"/>
           <p:nvPr/>
         </p:nvPicPr>
         <p:blipFill>
-          <a:blip r:embed="rId9">
+          <a:blip r:embed="rId8">
             <a:alphaModFix/>
           </a:blip>
           <a:stretch>
@@ -13135,16 +13117,16 @@
         </p:blipFill>
         <p:spPr>
           <a:xfrm>
-            <a:off x="4319825" y="2752850"/>
-            <a:ext cx="3870976" cy="1690825"/>
+            <a:off x="4939750" y="1411372"/>
+            <a:ext cx="4079501" cy="3050603"/>
           </a:xfrm>
           <a:prstGeom prst="rect">
             <a:avLst/>
           </a:prstGeom>
           <a:noFill/>
-          <a:ln cap="flat" cmpd="sng" w="28575">
+          <a:ln cap="flat" cmpd="sng" w="9525">
             <a:solidFill>
-              <a:srgbClr val="FF0000"/>
+              <a:schemeClr val="dk2"/>
             </a:solidFill>
             <a:prstDash val="solid"/>
             <a:round/>
@@ -13152,7 +13134,7 @@
             <a:tailEnd len="sm" w="sm" type="none"/>
           </a:ln>
           <a:effectLst>
-            <a:outerShdw blurRad="57150" rotWithShape="0" algn="bl" dir="3000000" dist="85725">
+            <a:outerShdw blurRad="57150" rotWithShape="0" algn="bl" dir="3000000" dist="104775">
               <a:srgbClr val="000000">
                 <a:alpha val="50000"/>
               </a:srgbClr>
@@ -13160,6 +13142,153 @@
           </a:effectLst>
         </p:spPr>
       </p:pic>
+      <p:sp>
+        <p:nvSpPr>
+          <p:cNvPr id="389" name="Google Shape;389;p30"/>
+          <p:cNvSpPr txBox="1"/>
+          <p:nvPr/>
+        </p:nvSpPr>
+        <p:spPr>
+          <a:xfrm>
+            <a:off x="7407513" y="4527037"/>
+            <a:ext cx="1659000" cy="244800"/>
+          </a:xfrm>
+          <a:prstGeom prst="rect">
+            <a:avLst/>
+          </a:prstGeom>
+          <a:noFill/>
+          <a:ln>
+            <a:noFill/>
+          </a:ln>
+        </p:spPr>
+        <p:txBody>
+          <a:bodyPr anchorCtr="0" anchor="ctr" bIns="91425" lIns="91425" spcFirstLastPara="1" rIns="91425" wrap="square" tIns="91425">
+            <a:noAutofit/>
+          </a:bodyPr>
+          <a:lstStyle/>
+          <a:p>
+            <a:pPr indent="0" lvl="0" marL="0" rtl="0" algn="ctr">
+              <a:spcBef>
+                <a:spcPts val="0"/>
+              </a:spcBef>
+              <a:spcAft>
+                <a:spcPts val="0"/>
+              </a:spcAft>
+              <a:buNone/>
+            </a:pPr>
+            <a:r>
+              <a:rPr lang="en" sz="900" u="sng">
+                <a:solidFill>
+                  <a:schemeClr val="hlink"/>
+                </a:solidFill>
+                <a:hlinkClick r:id="rId9"/>
+              </a:rPr>
+              <a:t>https://factbook.github.io/it</a:t>
+            </a:r>
+            <a:endParaRPr sz="900"/>
+          </a:p>
+        </p:txBody>
+      </p:sp>
+      <p:sp>
+        <p:nvSpPr>
+          <p:cNvPr id="390" name="Google Shape;390;p30"/>
+          <p:cNvSpPr/>
+          <p:nvPr/>
+        </p:nvSpPr>
+        <p:spPr>
+          <a:xfrm>
+            <a:off x="3823594" y="1583775"/>
+            <a:ext cx="631500" cy="585900"/>
+          </a:xfrm>
+          <a:prstGeom prst="rightArrow">
+            <a:avLst>
+              <a:gd fmla="val 50000" name="adj1"/>
+              <a:gd fmla="val 50000" name="adj2"/>
+            </a:avLst>
+          </a:prstGeom>
+          <a:solidFill>
+            <a:srgbClr val="FFD966"/>
+          </a:solidFill>
+          <a:ln>
+            <a:noFill/>
+          </a:ln>
+          <a:effectLst>
+            <a:outerShdw blurRad="57150" rotWithShape="0" algn="bl" dir="4200000" dist="76200">
+              <a:srgbClr val="000000">
+                <a:alpha val="50000"/>
+              </a:srgbClr>
+            </a:outerShdw>
+          </a:effectLst>
+        </p:spPr>
+        <p:txBody>
+          <a:bodyPr anchorCtr="0" anchor="ctr" bIns="91425" lIns="91425" spcFirstLastPara="1" rIns="91425" wrap="square" tIns="91425">
+            <a:noAutofit/>
+          </a:bodyPr>
+          <a:lstStyle/>
+          <a:p>
+            <a:pPr indent="0" lvl="0" marL="0" rtl="0" algn="l">
+              <a:spcBef>
+                <a:spcPts val="0"/>
+              </a:spcBef>
+              <a:spcAft>
+                <a:spcPts val="0"/>
+              </a:spcAft>
+              <a:buNone/>
+            </a:pPr>
+            <a:r>
+              <a:t/>
+            </a:r>
+            <a:endParaRPr/>
+          </a:p>
+        </p:txBody>
+      </p:sp>
+      <p:sp>
+        <p:nvSpPr>
+          <p:cNvPr id="391" name="Google Shape;391;p30"/>
+          <p:cNvSpPr txBox="1"/>
+          <p:nvPr/>
+        </p:nvSpPr>
+        <p:spPr>
+          <a:xfrm>
+            <a:off x="5028750" y="4487875"/>
+            <a:ext cx="2043300" cy="323100"/>
+          </a:xfrm>
+          <a:prstGeom prst="rect">
+            <a:avLst/>
+          </a:prstGeom>
+          <a:noFill/>
+          <a:ln>
+            <a:noFill/>
+          </a:ln>
+        </p:spPr>
+        <p:txBody>
+          <a:bodyPr anchorCtr="0" anchor="t" bIns="91425" lIns="91425" spcFirstLastPara="1" rIns="91425" wrap="square" tIns="91425">
+            <a:spAutoFit/>
+          </a:bodyPr>
+          <a:lstStyle/>
+          <a:p>
+            <a:pPr indent="0" lvl="0" marL="0" rtl="0" algn="l">
+              <a:spcBef>
+                <a:spcPts val="0"/>
+              </a:spcBef>
+              <a:spcAft>
+                <a:spcPts val="0"/>
+              </a:spcAft>
+              <a:buNone/>
+            </a:pPr>
+            <a:r>
+              <a:rPr lang="en" sz="900" u="sng">
+                <a:solidFill>
+                  <a:schemeClr val="hlink"/>
+                </a:solidFill>
+                <a:hlinkClick r:id="rId10"/>
+              </a:rPr>
+              <a:t>https://github.com/factbook/factbook</a:t>
+            </a:r>
+            <a:endParaRPr sz="900"/>
+          </a:p>
+        </p:txBody>
+      </p:sp>
     </p:spTree>
   </p:cSld>
   <p:clrMapOvr>
@@ -16982,79 +17111,9 @@
           <a:chExt cx="0" cy="0"/>
         </a:xfrm>
       </p:grpSpPr>
-      <p:pic>
-        <p:nvPicPr>
-          <p:cNvPr id="175" name="Google Shape;175;p20"/>
-          <p:cNvPicPr preferRelativeResize="0"/>
-          <p:nvPr/>
-        </p:nvPicPr>
-        <p:blipFill>
-          <a:blip r:embed="rId3">
-            <a:alphaModFix/>
-          </a:blip>
-          <a:stretch>
-            <a:fillRect/>
-          </a:stretch>
-        </p:blipFill>
-        <p:spPr>
-          <a:xfrm>
-            <a:off x="4172875" y="580712"/>
-            <a:ext cx="4894925" cy="3677275"/>
-          </a:xfrm>
-          <a:prstGeom prst="rect">
-            <a:avLst/>
-          </a:prstGeom>
-          <a:noFill/>
-          <a:ln>
-            <a:noFill/>
-          </a:ln>
-          <a:effectLst>
-            <a:outerShdw blurRad="57150" rotWithShape="0" algn="bl" dir="3000000" dist="66675">
-              <a:srgbClr val="000000">
-                <a:alpha val="50000"/>
-              </a:srgbClr>
-            </a:outerShdw>
-          </a:effectLst>
-        </p:spPr>
-      </p:pic>
-      <p:pic>
-        <p:nvPicPr>
-          <p:cNvPr id="176" name="Google Shape;176;p20"/>
-          <p:cNvPicPr preferRelativeResize="0"/>
-          <p:nvPr/>
-        </p:nvPicPr>
-        <p:blipFill>
-          <a:blip r:embed="rId4">
-            <a:alphaModFix/>
-          </a:blip>
-          <a:stretch>
-            <a:fillRect/>
-          </a:stretch>
-        </p:blipFill>
-        <p:spPr>
-          <a:xfrm>
-            <a:off x="92175" y="580693"/>
-            <a:ext cx="3971360" cy="3399851"/>
-          </a:xfrm>
-          <a:prstGeom prst="rect">
-            <a:avLst/>
-          </a:prstGeom>
-          <a:noFill/>
-          <a:ln>
-            <a:noFill/>
-          </a:ln>
-          <a:effectLst>
-            <a:outerShdw blurRad="57150" rotWithShape="0" algn="bl" dir="3000000" dist="66675">
-              <a:srgbClr val="000000">
-                <a:alpha val="50000"/>
-              </a:srgbClr>
-            </a:outerShdw>
-          </a:effectLst>
-        </p:spPr>
-      </p:pic>
       <p:sp>
         <p:nvSpPr>
-          <p:cNvPr id="177" name="Google Shape;177;p20"/>
+          <p:cNvPr id="175" name="Google Shape;175;p20"/>
           <p:cNvSpPr txBox="1"/>
           <p:nvPr>
             <p:ph idx="12" type="sldNum"/>
@@ -17094,12 +17153,12 @@
       </p:sp>
       <p:pic>
         <p:nvPicPr>
-          <p:cNvPr id="178" name="Google Shape;178;p20"/>
+          <p:cNvPr id="176" name="Google Shape;176;p20"/>
           <p:cNvPicPr preferRelativeResize="0"/>
           <p:nvPr/>
         </p:nvPicPr>
         <p:blipFill>
-          <a:blip r:embed="rId5">
+          <a:blip r:embed="rId3">
             <a:alphaModFix/>
           </a:blip>
           <a:stretch>
@@ -17122,7 +17181,7 @@
       </p:pic>
       <p:sp>
         <p:nvSpPr>
-          <p:cNvPr id="179" name="Google Shape;179;p20"/>
+          <p:cNvPr id="177" name="Google Shape;177;p20"/>
           <p:cNvSpPr txBox="1"/>
           <p:nvPr/>
         </p:nvSpPr>
@@ -17164,7 +17223,7 @@
       </p:sp>
       <p:sp>
         <p:nvSpPr>
-          <p:cNvPr id="180" name="Google Shape;180;p20"/>
+          <p:cNvPr id="178" name="Google Shape;178;p20"/>
           <p:cNvSpPr txBox="1"/>
           <p:nvPr/>
         </p:nvSpPr>
@@ -17206,7 +17265,7 @@
       </p:sp>
       <p:grpSp>
         <p:nvGrpSpPr>
-          <p:cNvPr id="181" name="Google Shape;181;p20"/>
+          <p:cNvPr id="179" name="Google Shape;179;p20"/>
           <p:cNvGrpSpPr/>
           <p:nvPr/>
         </p:nvGrpSpPr>
@@ -17220,7 +17279,7 @@
         </p:grpSpPr>
         <p:sp>
           <p:nvSpPr>
-            <p:cNvPr id="182" name="Google Shape;182;p20"/>
+            <p:cNvPr id="180" name="Google Shape;180;p20"/>
             <p:cNvSpPr txBox="1"/>
             <p:nvPr/>
           </p:nvSpPr>
@@ -17270,12 +17329,12 @@
         </p:sp>
         <p:pic>
           <p:nvPicPr>
-            <p:cNvPr id="183" name="Google Shape;183;p20"/>
+            <p:cNvPr id="181" name="Google Shape;181;p20"/>
             <p:cNvPicPr preferRelativeResize="0"/>
             <p:nvPr/>
           </p:nvPicPr>
           <p:blipFill>
-            <a:blip r:embed="rId6">
+            <a:blip r:embed="rId4">
               <a:alphaModFix/>
             </a:blip>
             <a:stretch>
@@ -17299,7 +17358,7 @@
       </p:grpSp>
       <p:cxnSp>
         <p:nvCxnSpPr>
-          <p:cNvPr id="184" name="Google Shape;184;p20"/>
+          <p:cNvPr id="182" name="Google Shape;182;p20"/>
           <p:cNvCxnSpPr/>
           <p:nvPr/>
         </p:nvCxnSpPr>
@@ -17325,7 +17384,7 @@
       </p:cxnSp>
       <p:sp>
         <p:nvSpPr>
-          <p:cNvPr id="185" name="Google Shape;185;p20"/>
+          <p:cNvPr id="183" name="Google Shape;183;p20"/>
           <p:cNvSpPr txBox="1"/>
           <p:nvPr>
             <p:ph type="title"/>
@@ -17357,7 +17416,7 @@
             </a:pPr>
             <a:r>
               <a:rPr lang="en"/>
-              <a:t>A State of Suspended Animation</a:t>
+              <a:t>Missing Archival Data</a:t>
             </a:r>
             <a:endParaRPr/>
           </a:p>
@@ -17365,14 +17424,14 @@
       </p:sp>
       <p:sp>
         <p:nvSpPr>
-          <p:cNvPr id="186" name="Google Shape;186;p20"/>
+          <p:cNvPr id="184" name="Google Shape;184;p20"/>
           <p:cNvSpPr txBox="1"/>
           <p:nvPr/>
         </p:nvSpPr>
         <p:spPr>
           <a:xfrm>
-            <a:off x="4163324" y="4208350"/>
-            <a:ext cx="1362300" cy="323100"/>
+            <a:off x="1411050" y="4443675"/>
+            <a:ext cx="6321900" cy="323100"/>
           </a:xfrm>
           <a:prstGeom prst="rect">
             <a:avLst/>
@@ -17383,8 +17442,8 @@
           </a:ln>
         </p:spPr>
         <p:txBody>
-          <a:bodyPr anchorCtr="0" anchor="ctr" bIns="91425" lIns="91425" spcFirstLastPara="1" rIns="91425" wrap="square" tIns="91425">
-            <a:noAutofit/>
+          <a:bodyPr anchorCtr="0" anchor="t" bIns="91425" lIns="91425" spcFirstLastPara="1" rIns="91425" wrap="square" tIns="91425">
+            <a:spAutoFit/>
           </a:bodyPr>
           <a:lstStyle/>
           <a:p>
@@ -17402,14 +17461,88 @@
                 <a:solidFill>
                   <a:schemeClr val="hlink"/>
                 </a:solidFill>
-                <a:hlinkClick r:id="rId7"/>
+                <a:hlinkClick r:id="rId5"/>
               </a:rPr>
-              <a:t>https://cia.gov/library/</a:t>
+              <a:t>https://web.archive.org/web/20220812130920/https://www.ncei.noaa.gov/access/search/data-search/global-hourly</a:t>
             </a:r>
             <a:endParaRPr sz="900"/>
           </a:p>
         </p:txBody>
       </p:sp>
+      <p:pic>
+        <p:nvPicPr>
+          <p:cNvPr id="185" name="Google Shape;185;p20"/>
+          <p:cNvPicPr preferRelativeResize="0"/>
+          <p:nvPr/>
+        </p:nvPicPr>
+        <p:blipFill rotWithShape="1">
+          <a:blip r:embed="rId6">
+            <a:alphaModFix/>
+          </a:blip>
+          <a:srcRect b="0" l="18540" r="0" t="0"/>
+          <a:stretch/>
+        </p:blipFill>
+        <p:spPr>
+          <a:xfrm>
+            <a:off x="848674" y="501300"/>
+            <a:ext cx="6494624" cy="3942374"/>
+          </a:xfrm>
+          <a:prstGeom prst="rect">
+            <a:avLst/>
+          </a:prstGeom>
+          <a:noFill/>
+          <a:ln>
+            <a:noFill/>
+          </a:ln>
+          <a:effectLst>
+            <a:outerShdw blurRad="57150" rotWithShape="0" algn="bl" dir="3000000" dist="57150">
+              <a:srgbClr val="000000">
+                <a:alpha val="50000"/>
+              </a:srgbClr>
+            </a:outerShdw>
+          </a:effectLst>
+        </p:spPr>
+      </p:pic>
+      <p:pic>
+        <p:nvPicPr>
+          <p:cNvPr id="186" name="Google Shape;186;p20"/>
+          <p:cNvPicPr preferRelativeResize="0"/>
+          <p:nvPr/>
+        </p:nvPicPr>
+        <p:blipFill rotWithShape="1">
+          <a:blip r:embed="rId6">
+            <a:alphaModFix/>
+          </a:blip>
+          <a:srcRect b="9660" l="66070" r="20173" t="55313"/>
+          <a:stretch/>
+        </p:blipFill>
+        <p:spPr>
+          <a:xfrm>
+            <a:off x="6263299" y="898250"/>
+            <a:ext cx="1797101" cy="2262625"/>
+          </a:xfrm>
+          <a:prstGeom prst="rect">
+            <a:avLst/>
+          </a:prstGeom>
+          <a:noFill/>
+          <a:ln cap="flat" cmpd="sng" w="38100">
+            <a:solidFill>
+              <a:srgbClr val="FF0000"/>
+            </a:solidFill>
+            <a:prstDash val="solid"/>
+            <a:round/>
+            <a:headEnd len="sm" w="sm" type="none"/>
+            <a:tailEnd len="sm" w="sm" type="none"/>
+          </a:ln>
+          <a:effectLst>
+            <a:outerShdw blurRad="57150" rotWithShape="0" algn="bl" dir="3600000" dist="133350">
+              <a:srgbClr val="000000">
+                <a:alpha val="50000"/>
+              </a:srgbClr>
+            </a:outerShdw>
+          </a:effectLst>
+        </p:spPr>
+      </p:pic>
       <p:sp>
         <p:nvSpPr>
           <p:cNvPr id="187" name="Google Shape;187;p20"/>
@@ -17418,16 +17551,16 @@
         </p:nvSpPr>
         <p:spPr>
           <a:xfrm>
-            <a:off x="4341000" y="630793"/>
-            <a:ext cx="548700" cy="211500"/>
+            <a:off x="4644569" y="2702021"/>
+            <a:ext cx="1047900" cy="1321500"/>
           </a:xfrm>
           <a:prstGeom prst="rect">
             <a:avLst/>
           </a:prstGeom>
           <a:noFill/>
-          <a:ln cap="flat" cmpd="sng" w="28575">
+          <a:ln cap="flat" cmpd="sng" w="38100">
             <a:solidFill>
-              <a:srgbClr val="00FF00"/>
+              <a:srgbClr val="FF0000"/>
             </a:solidFill>
             <a:prstDash val="solid"/>
             <a:round/>
@@ -17461,23 +17594,23 @@
         <p:nvCxnSpPr>
           <p:cNvPr id="188" name="Google Shape;188;p20"/>
           <p:cNvCxnSpPr>
-            <a:stCxn id="187" idx="2"/>
-            <a:endCxn id="189" idx="0"/>
+            <a:stCxn id="187" idx="3"/>
+            <a:endCxn id="186" idx="1"/>
           </p:cNvCxnSpPr>
           <p:nvPr/>
         </p:nvCxnSpPr>
         <p:spPr>
-          <a:xfrm>
-            <a:off x="4615350" y="842293"/>
-            <a:ext cx="2617500" cy="2414700"/>
+          <a:xfrm flipH="1" rot="10800000">
+            <a:off x="5692469" y="2029571"/>
+            <a:ext cx="570900" cy="1333200"/>
           </a:xfrm>
           <a:prstGeom prst="straightConnector1">
             <a:avLst/>
           </a:prstGeom>
           <a:noFill/>
-          <a:ln cap="flat" cmpd="sng" w="28575">
+          <a:ln cap="flat" cmpd="sng" w="38100">
             <a:solidFill>
-              <a:srgbClr val="00FF00"/>
+              <a:srgbClr val="FF0000"/>
             </a:solidFill>
             <a:prstDash val="solid"/>
             <a:round/>
@@ -17486,64 +17619,35 @@
           </a:ln>
         </p:spPr>
       </p:cxnSp>
-      <p:pic>
-        <p:nvPicPr>
+      <p:sp>
+        <p:nvSpPr>
           <p:cNvPr id="189" name="Google Shape;189;p20"/>
-          <p:cNvPicPr preferRelativeResize="0"/>
-          <p:nvPr/>
-        </p:nvPicPr>
-        <p:blipFill>
-          <a:blip r:embed="rId8">
-            <a:alphaModFix/>
-          </a:blip>
-          <a:stretch>
-            <a:fillRect/>
-          </a:stretch>
-        </p:blipFill>
-        <p:spPr>
-          <a:xfrm>
-            <a:off x="5525613" y="3257000"/>
-            <a:ext cx="3414524" cy="1032450"/>
-          </a:xfrm>
-          <a:prstGeom prst="rect">
-            <a:avLst/>
-          </a:prstGeom>
-          <a:noFill/>
-          <a:ln cap="flat" cmpd="sng" w="28575">
+          <p:cNvSpPr/>
+          <p:nvPr/>
+        </p:nvSpPr>
+        <p:spPr>
+          <a:xfrm>
+            <a:off x="6434607" y="1042133"/>
+            <a:ext cx="804300" cy="257700"/>
+          </a:xfrm>
+          <a:prstGeom prst="roundRect">
+            <a:avLst>
+              <a:gd fmla="val 16667" name="adj"/>
+            </a:avLst>
+          </a:prstGeom>
+          <a:solidFill>
+            <a:srgbClr val="FF0000">
+              <a:alpha val="35710"/>
+            </a:srgbClr>
+          </a:solidFill>
+          <a:ln cap="flat" cmpd="sng" w="9525">
             <a:solidFill>
-              <a:srgbClr val="00FF00"/>
+              <a:schemeClr val="dk2"/>
             </a:solidFill>
             <a:prstDash val="solid"/>
             <a:round/>
             <a:headEnd len="sm" w="sm" type="none"/>
             <a:tailEnd len="sm" w="sm" type="none"/>
-          </a:ln>
-          <a:effectLst>
-            <a:outerShdw blurRad="57150" rotWithShape="0" algn="bl" dir="3000000" dist="361950">
-              <a:srgbClr val="000000">
-                <a:alpha val="50000"/>
-              </a:srgbClr>
-            </a:outerShdw>
-          </a:effectLst>
-        </p:spPr>
-      </p:pic>
-      <p:sp>
-        <p:nvSpPr>
-          <p:cNvPr id="190" name="Google Shape;190;p20"/>
-          <p:cNvSpPr txBox="1"/>
-          <p:nvPr/>
-        </p:nvSpPr>
-        <p:spPr>
-          <a:xfrm>
-            <a:off x="15975" y="3986475"/>
-            <a:ext cx="4080600" cy="323100"/>
-          </a:xfrm>
-          <a:prstGeom prst="rect">
-            <a:avLst/>
-          </a:prstGeom>
-          <a:noFill/>
-          <a:ln>
-            <a:noFill/>
           </a:ln>
         </p:spPr>
         <p:txBody>
@@ -17552,7 +17656,7 @@
           </a:bodyPr>
           <a:lstStyle/>
           <a:p>
-            <a:pPr indent="0" lvl="0" marL="0" rtl="0" algn="ctr">
+            <a:pPr indent="0" lvl="0" marL="0" rtl="0" algn="l">
               <a:spcBef>
                 <a:spcPts val="0"/>
               </a:spcBef>
@@ -17562,18 +17666,134 @@
               <a:buNone/>
             </a:pPr>
             <a:r>
-              <a:rPr lang="en" sz="900" u="sng">
-                <a:solidFill>
-                  <a:schemeClr val="hlink"/>
-                </a:solidFill>
-                <a:hlinkClick r:id="rId9"/>
-              </a:rPr>
-              <a:t>https://web.archive.org/web/20190715001358/https://www.cia.gov/library/</a:t>
+              <a:t/>
             </a:r>
-            <a:endParaRPr sz="900"/>
+            <a:endParaRPr/>
           </a:p>
         </p:txBody>
       </p:sp>
+      <p:sp>
+        <p:nvSpPr>
+          <p:cNvPr id="190" name="Google Shape;190;p20"/>
+          <p:cNvSpPr/>
+          <p:nvPr/>
+        </p:nvSpPr>
+        <p:spPr>
+          <a:xfrm>
+            <a:off x="6434607" y="2705319"/>
+            <a:ext cx="804300" cy="257700"/>
+          </a:xfrm>
+          <a:prstGeom prst="roundRect">
+            <a:avLst>
+              <a:gd fmla="val 16667" name="adj"/>
+            </a:avLst>
+          </a:prstGeom>
+          <a:solidFill>
+            <a:srgbClr val="FF0000">
+              <a:alpha val="35710"/>
+            </a:srgbClr>
+          </a:solidFill>
+          <a:ln cap="flat" cmpd="sng" w="9525">
+            <a:solidFill>
+              <a:schemeClr val="dk2"/>
+            </a:solidFill>
+            <a:prstDash val="solid"/>
+            <a:round/>
+            <a:headEnd len="sm" w="sm" type="none"/>
+            <a:tailEnd len="sm" w="sm" type="none"/>
+          </a:ln>
+        </p:spPr>
+        <p:txBody>
+          <a:bodyPr anchorCtr="0" anchor="ctr" bIns="91425" lIns="91425" spcFirstLastPara="1" rIns="91425" wrap="square" tIns="91425">
+            <a:noAutofit/>
+          </a:bodyPr>
+          <a:lstStyle/>
+          <a:p>
+            <a:pPr indent="0" lvl="0" marL="0" rtl="0" algn="l">
+              <a:spcBef>
+                <a:spcPts val="0"/>
+              </a:spcBef>
+              <a:spcAft>
+                <a:spcPts val="0"/>
+              </a:spcAft>
+              <a:buNone/>
+            </a:pPr>
+            <a:r>
+              <a:t/>
+            </a:r>
+            <a:endParaRPr/>
+          </a:p>
+        </p:txBody>
+      </p:sp>
+      <p:pic>
+        <p:nvPicPr>
+          <p:cNvPr id="191" name="Google Shape;191;p20"/>
+          <p:cNvPicPr preferRelativeResize="0"/>
+          <p:nvPr/>
+        </p:nvPicPr>
+        <p:blipFill rotWithShape="1">
+          <a:blip r:embed="rId7">
+            <a:alphaModFix/>
+          </a:blip>
+          <a:srcRect b="0" l="0" r="0" t="6568"/>
+          <a:stretch/>
+        </p:blipFill>
+        <p:spPr>
+          <a:xfrm>
+            <a:off x="6028375" y="3633049"/>
+            <a:ext cx="2266950" cy="542875"/>
+          </a:xfrm>
+          <a:prstGeom prst="rect">
+            <a:avLst/>
+          </a:prstGeom>
+          <a:noFill/>
+          <a:ln cap="flat" cmpd="sng" w="28575">
+            <a:solidFill>
+              <a:srgbClr val="FF0000"/>
+            </a:solidFill>
+            <a:prstDash val="solid"/>
+            <a:round/>
+            <a:headEnd len="sm" w="sm" type="none"/>
+            <a:tailEnd len="sm" w="sm" type="none"/>
+          </a:ln>
+          <a:effectLst>
+            <a:outerShdw blurRad="57150" rotWithShape="0" algn="bl" dir="5400000" dist="19050">
+              <a:srgbClr val="000000">
+                <a:alpha val="50000"/>
+              </a:srgbClr>
+            </a:outerShdw>
+          </a:effectLst>
+        </p:spPr>
+      </p:pic>
+      <p:cxnSp>
+        <p:nvCxnSpPr>
+          <p:cNvPr id="192" name="Google Shape;192;p20"/>
+          <p:cNvCxnSpPr>
+            <a:stCxn id="186" idx="2"/>
+            <a:endCxn id="191" idx="0"/>
+          </p:cNvCxnSpPr>
+          <p:nvPr/>
+        </p:nvCxnSpPr>
+        <p:spPr>
+          <a:xfrm>
+            <a:off x="7161849" y="3160874"/>
+            <a:ext cx="0" cy="472200"/>
+          </a:xfrm>
+          <a:prstGeom prst="straightConnector1">
+            <a:avLst/>
+          </a:prstGeom>
+          <a:noFill/>
+          <a:ln cap="flat" cmpd="sng" w="38100">
+            <a:solidFill>
+              <a:srgbClr val="FF0000"/>
+            </a:solidFill>
+            <a:prstDash val="solid"/>
+            <a:round/>
+            <a:headEnd len="med" w="med" type="none"/>
+            <a:tailEnd len="med" w="med" type="triangle"/>
+          </a:ln>
+        </p:spPr>
+      </p:cxnSp>
     </p:spTree>
   </p:cSld>
   <p:clrMapOvr>
@@ -17587,7 +17807,7 @@
   <p:cSld>
     <p:spTree>
       <p:nvGrpSpPr>
-        <p:cNvPr id="194" name="Shape 194"/>
+        <p:cNvPr id="196" name="Shape 196"/>
         <p:cNvGrpSpPr/>
         <p:nvPr/>
       </p:nvGrpSpPr>
@@ -17599,43 +17819,9 @@
           <a:chExt cx="0" cy="0"/>
         </a:xfrm>
       </p:grpSpPr>
-      <p:pic>
-        <p:nvPicPr>
-          <p:cNvPr id="195" name="Google Shape;195;p21"/>
-          <p:cNvPicPr preferRelativeResize="0"/>
-          <p:nvPr/>
-        </p:nvPicPr>
-        <p:blipFill rotWithShape="1">
-          <a:blip r:embed="rId3">
-            <a:alphaModFix/>
-          </a:blip>
-          <a:srcRect b="30304" l="10959" r="20198" t="34575"/>
-          <a:stretch/>
-        </p:blipFill>
-        <p:spPr>
-          <a:xfrm>
-            <a:off x="200550" y="501300"/>
-            <a:ext cx="4476524" cy="1955175"/>
-          </a:xfrm>
-          <a:prstGeom prst="rect">
-            <a:avLst/>
-          </a:prstGeom>
-          <a:noFill/>
-          <a:ln>
-            <a:noFill/>
-          </a:ln>
-          <a:effectLst>
-            <a:outerShdw blurRad="57150" rotWithShape="0" algn="bl" dir="2160000" dist="85725">
-              <a:srgbClr val="000000">
-                <a:alpha val="50000"/>
-              </a:srgbClr>
-            </a:outerShdw>
-          </a:effectLst>
-        </p:spPr>
-      </p:pic>
       <p:sp>
         <p:nvSpPr>
-          <p:cNvPr id="196" name="Google Shape;196;p21"/>
+          <p:cNvPr id="197" name="Google Shape;197;p21"/>
           <p:cNvSpPr txBox="1"/>
           <p:nvPr>
             <p:ph idx="12" type="sldNum"/>
@@ -17675,12 +17861,12 @@
       </p:sp>
       <p:pic>
         <p:nvPicPr>
-          <p:cNvPr id="197" name="Google Shape;197;p21"/>
+          <p:cNvPr id="198" name="Google Shape;198;p21"/>
           <p:cNvPicPr preferRelativeResize="0"/>
           <p:nvPr/>
         </p:nvPicPr>
         <p:blipFill>
-          <a:blip r:embed="rId4">
+          <a:blip r:embed="rId3">
             <a:alphaModFix/>
           </a:blip>
           <a:stretch>
@@ -17703,7 +17889,7 @@
       </p:pic>
       <p:sp>
         <p:nvSpPr>
-          <p:cNvPr id="198" name="Google Shape;198;p21"/>
+          <p:cNvPr id="199" name="Google Shape;199;p21"/>
           <p:cNvSpPr txBox="1"/>
           <p:nvPr/>
         </p:nvSpPr>
@@ -17745,7 +17931,7 @@
       </p:sp>
       <p:sp>
         <p:nvSpPr>
-          <p:cNvPr id="199" name="Google Shape;199;p21"/>
+          <p:cNvPr id="200" name="Google Shape;200;p21"/>
           <p:cNvSpPr txBox="1"/>
           <p:nvPr/>
         </p:nvSpPr>
@@ -17787,7 +17973,7 @@
       </p:sp>
       <p:grpSp>
         <p:nvGrpSpPr>
-          <p:cNvPr id="200" name="Google Shape;200;p21"/>
+          <p:cNvPr id="201" name="Google Shape;201;p21"/>
           <p:cNvGrpSpPr/>
           <p:nvPr/>
         </p:nvGrpSpPr>
@@ -17801,7 +17987,7 @@
         </p:grpSpPr>
         <p:sp>
           <p:nvSpPr>
-            <p:cNvPr id="201" name="Google Shape;201;p21"/>
+            <p:cNvPr id="202" name="Google Shape;202;p21"/>
             <p:cNvSpPr txBox="1"/>
             <p:nvPr/>
           </p:nvSpPr>
@@ -17851,12 +18037,12 @@
         </p:sp>
         <p:pic>
           <p:nvPicPr>
-            <p:cNvPr id="202" name="Google Shape;202;p21"/>
+            <p:cNvPr id="203" name="Google Shape;203;p21"/>
             <p:cNvPicPr preferRelativeResize="0"/>
             <p:nvPr/>
           </p:nvPicPr>
           <p:blipFill>
-            <a:blip r:embed="rId5">
+            <a:blip r:embed="rId4">
               <a:alphaModFix/>
             </a:blip>
             <a:stretch>
@@ -17880,7 +18066,7 @@
       </p:grpSp>
       <p:cxnSp>
         <p:nvCxnSpPr>
-          <p:cNvPr id="203" name="Google Shape;203;p21"/>
+          <p:cNvPr id="204" name="Google Shape;204;p21"/>
           <p:cNvCxnSpPr/>
           <p:nvPr/>
         </p:nvCxnSpPr>
@@ -17906,7 +18092,7 @@
       </p:cxnSp>
       <p:sp>
         <p:nvSpPr>
-          <p:cNvPr id="204" name="Google Shape;204;p21"/>
+          <p:cNvPr id="205" name="Google Shape;205;p21"/>
           <p:cNvSpPr txBox="1"/>
           <p:nvPr>
             <p:ph type="title"/>
@@ -17938,11 +18124,7 @@
             </a:pPr>
             <a:r>
               <a:rPr lang="en"/>
-              <a:t>Persistent</a:t>
-            </a:r>
-            <a:r>
-              <a:rPr lang="en"/>
-              <a:t> Consequences</a:t>
+              <a:t>Missing Live Data</a:t>
             </a:r>
             <a:endParaRPr/>
           </a:p>
@@ -17950,14 +18132,14 @@
       </p:sp>
       <p:sp>
         <p:nvSpPr>
-          <p:cNvPr id="205" name="Google Shape;205;p21"/>
+          <p:cNvPr id="206" name="Google Shape;206;p21"/>
           <p:cNvSpPr txBox="1"/>
           <p:nvPr/>
         </p:nvSpPr>
         <p:spPr>
           <a:xfrm>
-            <a:off x="4285275" y="4551619"/>
-            <a:ext cx="4858800" cy="244800"/>
+            <a:off x="2491500" y="4401100"/>
+            <a:ext cx="4161000" cy="461700"/>
           </a:xfrm>
           <a:prstGeom prst="rect">
             <a:avLst/>
@@ -17968,8 +18150,8 @@
           </a:ln>
         </p:spPr>
         <p:txBody>
-          <a:bodyPr anchorCtr="0" anchor="ctr" bIns="91425" lIns="91425" spcFirstLastPara="1" rIns="91425" wrap="square" tIns="91425">
-            <a:noAutofit/>
+          <a:bodyPr anchorCtr="0" anchor="t" bIns="91425" lIns="91425" spcFirstLastPara="1" rIns="91425" wrap="square" tIns="91425">
+            <a:spAutoFit/>
           </a:bodyPr>
           <a:lstStyle/>
           <a:p>
@@ -17987,9 +18169,41 @@
                 <a:solidFill>
                   <a:schemeClr val="hlink"/>
                 </a:solidFill>
-                <a:hlinkClick r:id="rId6"/>
+                <a:hlinkClick r:id="rId5"/>
               </a:rPr>
-              <a:t>https://web.archive.org/web/20190706174759/https://www.cia.gov/redirects/ciaredirect.html</a:t>
+              <a:t>https://apps.who.int/gho/data/node.main.173?lang=en</a:t>
+            </a:r>
+            <a:endParaRPr sz="900"/>
+          </a:p>
+          <a:p>
+            <a:pPr indent="0" lvl="0" marL="0" rtl="0" algn="ctr">
+              <a:spcBef>
+                <a:spcPts val="0"/>
+              </a:spcBef>
+              <a:spcAft>
+                <a:spcPts val="0"/>
+              </a:spcAft>
+              <a:buClr>
+                <a:schemeClr val="dk1"/>
+              </a:buClr>
+              <a:buSzPts val="1100"/>
+              <a:buFont typeface="Arial"/>
+              <a:buNone/>
+            </a:pPr>
+            <a:r>
+              <a:rPr lang="en" sz="900" u="sng">
+                <a:solidFill>
+                  <a:schemeClr val="accent5"/>
+                </a:solidFill>
+                <a:hlinkClick r:id="rId6">
+                  <a:extLst>
+                    <a:ext uri="{A12FA001-AC4F-418D-AE19-62706E023703}">
+                      <ahyp:hlinkClr val="tx"/>
+                    </a:ext>
+                  </a:extLst>
+                </a:hlinkClick>
+              </a:rPr>
+              <a:t>https://www.who.int/globalatlas/loginManagement/autoLogins/flunet_login.asp</a:t>
             </a:r>
             <a:endParaRPr sz="900"/>
           </a:p>
@@ -17997,7 +18211,7 @@
       </p:sp>
       <p:pic>
         <p:nvPicPr>
-          <p:cNvPr id="206" name="Google Shape;206;p21"/>
+          <p:cNvPr id="207" name="Google Shape;207;p21"/>
           <p:cNvPicPr preferRelativeResize="0"/>
           <p:nvPr/>
         </p:nvPicPr>
@@ -18011,8 +18225,8 @@
         </p:blipFill>
         <p:spPr>
           <a:xfrm>
-            <a:off x="4936927" y="501301"/>
-            <a:ext cx="4044248" cy="4020725"/>
+            <a:off x="92175" y="653700"/>
+            <a:ext cx="8965199" cy="3565834"/>
           </a:xfrm>
           <a:prstGeom prst="rect">
             <a:avLst/>
@@ -18028,7 +18242,7 @@
             <a:tailEnd len="sm" w="sm" type="none"/>
           </a:ln>
           <a:effectLst>
-            <a:outerShdw blurRad="57150" rotWithShape="0" algn="bl" dir="2160000" dist="85725">
+            <a:outerShdw blurRad="57150" rotWithShape="0" algn="bl" dir="3000000" dist="66675">
               <a:srgbClr val="000000">
                 <a:alpha val="50000"/>
               </a:srgbClr>
@@ -18038,7 +18252,7 @@
       </p:pic>
       <p:pic>
         <p:nvPicPr>
-          <p:cNvPr id="207" name="Google Shape;207;p21"/>
+          <p:cNvPr id="208" name="Google Shape;208;p21"/>
           <p:cNvPicPr preferRelativeResize="0"/>
           <p:nvPr/>
         </p:nvPicPr>
@@ -18052,14 +18266,14 @@
         </p:blipFill>
         <p:spPr>
           <a:xfrm>
-            <a:off x="3513375" y="639759"/>
-            <a:ext cx="2122800" cy="1551275"/>
+            <a:off x="4225075" y="701250"/>
+            <a:ext cx="4770599" cy="2362750"/>
           </a:xfrm>
           <a:prstGeom prst="rect">
             <a:avLst/>
           </a:prstGeom>
           <a:noFill/>
-          <a:ln cap="flat" cmpd="sng" w="19050">
+          <a:ln cap="flat" cmpd="sng" w="38100">
             <a:solidFill>
               <a:srgbClr val="FF0000"/>
             </a:solidFill>
@@ -18069,7 +18283,7 @@
             <a:tailEnd len="sm" w="sm" type="none"/>
           </a:ln>
           <a:effectLst>
-            <a:outerShdw blurRad="57150" rotWithShape="0" algn="bl" dir="2760000" dist="114300">
+            <a:outerShdw blurRad="57150" rotWithShape="0" algn="bl" dir="3600000" dist="114300">
               <a:srgbClr val="000000">
                 <a:alpha val="50000"/>
               </a:srgbClr>
@@ -18079,28 +18293,22 @@
       </p:pic>
       <p:sp>
         <p:nvSpPr>
-          <p:cNvPr id="208" name="Google Shape;208;p21"/>
+          <p:cNvPr id="209" name="Google Shape;209;p21"/>
           <p:cNvSpPr/>
           <p:nvPr/>
         </p:nvSpPr>
         <p:spPr>
           <a:xfrm>
-            <a:off x="5411475" y="1366926"/>
-            <a:ext cx="651000" cy="769500"/>
-          </a:xfrm>
-          <a:prstGeom prst="curvedRightArrow">
-            <a:avLst>
-              <a:gd fmla="val 25000" name="adj1"/>
-              <a:gd fmla="val 50000" name="adj2"/>
-              <a:gd fmla="val 25000" name="adj3"/>
-            </a:avLst>
-          </a:prstGeom>
-          <a:solidFill>
-            <a:srgbClr val="E06666"/>
-          </a:solidFill>
-          <a:ln cap="flat" cmpd="sng" w="9525">
+            <a:off x="2977181" y="3520250"/>
+            <a:ext cx="1047600" cy="354000"/>
+          </a:xfrm>
+          <a:prstGeom prst="rect">
+            <a:avLst/>
+          </a:prstGeom>
+          <a:noFill/>
+          <a:ln cap="flat" cmpd="sng" w="38100">
             <a:solidFill>
-              <a:schemeClr val="dk2"/>
+              <a:srgbClr val="FF0000"/>
             </a:solidFill>
             <a:prstDash val="solid"/>
             <a:round/>
@@ -18132,231 +18340,23 @@
       </p:sp>
       <p:cxnSp>
         <p:nvCxnSpPr>
-          <p:cNvPr id="209" name="Google Shape;209;p21"/>
+          <p:cNvPr id="210" name="Google Shape;210;p21"/>
           <p:cNvCxnSpPr>
-            <a:stCxn id="210" idx="3"/>
-            <a:endCxn id="207" idx="1"/>
+            <a:stCxn id="209" idx="3"/>
+            <a:endCxn id="208" idx="2"/>
           </p:cNvCxnSpPr>
           <p:nvPr/>
         </p:nvCxnSpPr>
         <p:spPr>
-          <a:xfrm>
-            <a:off x="2460000" y="1366926"/>
-            <a:ext cx="1053300" cy="48600"/>
+          <a:xfrm flipH="1" rot="10800000">
+            <a:off x="4024781" y="3063950"/>
+            <a:ext cx="2585700" cy="633300"/>
           </a:xfrm>
           <a:prstGeom prst="straightConnector1">
             <a:avLst/>
           </a:prstGeom>
           <a:noFill/>
           <a:ln cap="flat" cmpd="sng" w="38100">
-            <a:solidFill>
-              <a:srgbClr val="FF0000"/>
-            </a:solidFill>
-            <a:prstDash val="solid"/>
-            <a:round/>
-            <a:headEnd len="med" w="med" type="none"/>
-            <a:tailEnd len="med" w="med" type="triangle"/>
-          </a:ln>
-        </p:spPr>
-      </p:cxnSp>
-      <p:sp>
-        <p:nvSpPr>
-          <p:cNvPr id="210" name="Google Shape;210;p21"/>
-          <p:cNvSpPr/>
-          <p:nvPr/>
-        </p:nvSpPr>
-        <p:spPr>
-          <a:xfrm>
-            <a:off x="874200" y="1225926"/>
-            <a:ext cx="1585800" cy="282000"/>
-          </a:xfrm>
-          <a:prstGeom prst="roundRect">
-            <a:avLst>
-              <a:gd fmla="val 16667" name="adj"/>
-            </a:avLst>
-          </a:prstGeom>
-          <a:noFill/>
-          <a:ln cap="flat" cmpd="sng" w="38100">
-            <a:solidFill>
-              <a:srgbClr val="FF0000"/>
-            </a:solidFill>
-            <a:prstDash val="solid"/>
-            <a:round/>
-            <a:headEnd len="sm" w="sm" type="none"/>
-            <a:tailEnd len="sm" w="sm" type="none"/>
-          </a:ln>
-        </p:spPr>
-        <p:txBody>
-          <a:bodyPr anchorCtr="0" anchor="ctr" bIns="91425" lIns="91425" spcFirstLastPara="1" rIns="91425" wrap="square" tIns="91425">
-            <a:noAutofit/>
-          </a:bodyPr>
-          <a:lstStyle/>
-          <a:p>
-            <a:pPr indent="0" lvl="0" marL="0" rtl="0" algn="l">
-              <a:spcBef>
-                <a:spcPts val="0"/>
-              </a:spcBef>
-              <a:spcAft>
-                <a:spcPts val="0"/>
-              </a:spcAft>
-              <a:buNone/>
-            </a:pPr>
-            <a:r>
-              <a:t/>
-            </a:r>
-            <a:endParaRPr/>
-          </a:p>
-        </p:txBody>
-      </p:sp>
-      <p:pic>
-        <p:nvPicPr>
-          <p:cNvPr id="211" name="Google Shape;211;p21"/>
-          <p:cNvPicPr preferRelativeResize="0"/>
-          <p:nvPr/>
-        </p:nvPicPr>
-        <p:blipFill>
-          <a:blip r:embed="rId9">
-            <a:alphaModFix/>
-          </a:blip>
-          <a:stretch>
-            <a:fillRect/>
-          </a:stretch>
-        </p:blipFill>
-        <p:spPr>
-          <a:xfrm>
-            <a:off x="2460001" y="2281154"/>
-            <a:ext cx="3154175" cy="2221322"/>
-          </a:xfrm>
-          <a:prstGeom prst="rect">
-            <a:avLst/>
-          </a:prstGeom>
-          <a:noFill/>
-          <a:ln cap="flat" cmpd="sng" w="28575">
-            <a:solidFill>
-              <a:srgbClr val="FF0000"/>
-            </a:solidFill>
-            <a:prstDash val="solid"/>
-            <a:round/>
-            <a:headEnd len="sm" w="sm" type="none"/>
-            <a:tailEnd len="sm" w="sm" type="none"/>
-          </a:ln>
-          <a:effectLst>
-            <a:outerShdw blurRad="57150" rotWithShape="0" algn="bl" dir="3000000" dist="76200">
-              <a:srgbClr val="000000">
-                <a:alpha val="50000"/>
-              </a:srgbClr>
-            </a:outerShdw>
-          </a:effectLst>
-        </p:spPr>
-      </p:pic>
-      <p:sp>
-        <p:nvSpPr>
-          <p:cNvPr id="212" name="Google Shape;212;p21"/>
-          <p:cNvSpPr/>
-          <p:nvPr/>
-        </p:nvSpPr>
-        <p:spPr>
-          <a:xfrm flipH="1">
-            <a:off x="5101700" y="2835413"/>
-            <a:ext cx="856200" cy="631200"/>
-          </a:xfrm>
-          <a:prstGeom prst="stripedRightArrow">
-            <a:avLst>
-              <a:gd fmla="val 50000" name="adj1"/>
-              <a:gd fmla="val 50000" name="adj2"/>
-            </a:avLst>
-          </a:prstGeom>
-          <a:solidFill>
-            <a:srgbClr val="E06666"/>
-          </a:solidFill>
-          <a:ln cap="flat" cmpd="sng" w="9525">
-            <a:solidFill>
-              <a:schemeClr val="dk2"/>
-            </a:solidFill>
-            <a:prstDash val="solid"/>
-            <a:round/>
-            <a:headEnd len="sm" w="sm" type="none"/>
-            <a:tailEnd len="sm" w="sm" type="none"/>
-          </a:ln>
-        </p:spPr>
-        <p:txBody>
-          <a:bodyPr anchorCtr="0" anchor="ctr" bIns="91425" lIns="91425" spcFirstLastPara="1" rIns="91425" wrap="square" tIns="91425">
-            <a:noAutofit/>
-          </a:bodyPr>
-          <a:lstStyle/>
-          <a:p>
-            <a:pPr indent="0" lvl="0" marL="0" rtl="0" algn="l">
-              <a:spcBef>
-                <a:spcPts val="0"/>
-              </a:spcBef>
-              <a:spcAft>
-                <a:spcPts val="0"/>
-              </a:spcAft>
-              <a:buNone/>
-            </a:pPr>
-            <a:r>
-              <a:t/>
-            </a:r>
-            <a:endParaRPr/>
-          </a:p>
-        </p:txBody>
-      </p:sp>
-      <p:pic>
-        <p:nvPicPr>
-          <p:cNvPr id="213" name="Google Shape;213;p21"/>
-          <p:cNvPicPr preferRelativeResize="0"/>
-          <p:nvPr/>
-        </p:nvPicPr>
-        <p:blipFill rotWithShape="1">
-          <a:blip r:embed="rId9">
-            <a:alphaModFix/>
-          </a:blip>
-          <a:srcRect b="94541" l="28001" r="28080" t="0"/>
-          <a:stretch/>
-        </p:blipFill>
-        <p:spPr>
-          <a:xfrm>
-            <a:off x="200550" y="3748938"/>
-            <a:ext cx="4044249" cy="354000"/>
-          </a:xfrm>
-          <a:prstGeom prst="rect">
-            <a:avLst/>
-          </a:prstGeom>
-          <a:noFill/>
-          <a:ln cap="flat" cmpd="sng" w="28575">
-            <a:solidFill>
-              <a:srgbClr val="FF0000"/>
-            </a:solidFill>
-            <a:prstDash val="solid"/>
-            <a:round/>
-            <a:headEnd len="sm" w="sm" type="none"/>
-            <a:tailEnd len="sm" w="sm" type="none"/>
-          </a:ln>
-          <a:effectLst>
-            <a:outerShdw blurRad="57150" rotWithShape="0" algn="bl" dir="3000000" dist="76200">
-              <a:srgbClr val="000000">
-                <a:alpha val="50000"/>
-              </a:srgbClr>
-            </a:outerShdw>
-          </a:effectLst>
-        </p:spPr>
-      </p:pic>
-      <p:cxnSp>
-        <p:nvCxnSpPr>
-          <p:cNvPr id="214" name="Google Shape;214;p21"/>
-          <p:cNvCxnSpPr/>
-          <p:nvPr/>
-        </p:nvCxnSpPr>
-        <p:spPr>
-          <a:xfrm flipH="1" rot="10800000">
-            <a:off x="2222675" y="2423838"/>
-            <a:ext cx="1254600" cy="1325100"/>
-          </a:xfrm>
-          <a:prstGeom prst="straightConnector1">
-            <a:avLst/>
-          </a:prstGeom>
-          <a:noFill/>
-          <a:ln cap="flat" cmpd="sng" w="19050">
             <a:solidFill>
               <a:srgbClr val="FF0000"/>
             </a:solidFill>
@@ -18376,6 +18376,285 @@
 </file>
 
 <file path=ppt/theme/theme1.xml><?xml version="1.0" encoding="utf-8"?>
+<a:theme xmlns:a="http://schemas.openxmlformats.org/drawingml/2006/main" xmlns:r="http://schemas.openxmlformats.org/officeDocument/2006/relationships" name="Simple Light">
+  <a:themeElements>
+    <a:clrScheme name="Simple Light">
+      <a:dk1>
+        <a:srgbClr val="000000"/>
+      </a:dk1>
+      <a:lt1>
+        <a:srgbClr val="FFFFFF"/>
+      </a:lt1>
+      <a:dk2>
+        <a:srgbClr val="595959"/>
+      </a:dk2>
+      <a:lt2>
+        <a:srgbClr val="EEEEEE"/>
+      </a:lt2>
+      <a:accent1>
+        <a:srgbClr val="4285F4"/>
+      </a:accent1>
+      <a:accent2>
+        <a:srgbClr val="212121"/>
+      </a:accent2>
+      <a:accent3>
+        <a:srgbClr val="78909C"/>
+      </a:accent3>
+      <a:accent4>
+        <a:srgbClr val="FFAB40"/>
+      </a:accent4>
+      <a:accent5>
+        <a:srgbClr val="0097A7"/>
+      </a:accent5>
+      <a:accent6>
+        <a:srgbClr val="EEFF41"/>
+      </a:accent6>
+      <a:hlink>
+        <a:srgbClr val="0097A7"/>
+      </a:hlink>
+      <a:folHlink>
+        <a:srgbClr val="0097A7"/>
+      </a:folHlink>
+    </a:clrScheme>
+    <a:fontScheme name="Office">
+      <a:majorFont>
+        <a:latin typeface="Arial"/>
+        <a:ea typeface=""/>
+        <a:cs typeface=""/>
+        <a:font script="Jpan" typeface="ＭＳ Ｐゴシック"/>
+        <a:font script="Hang" typeface="맑은 고딕"/>
+        <a:font script="Hans" typeface="宋体"/>
+        <a:font script="Hant" typeface="新細明體"/>
+        <a:font script="Arab" typeface="Times New Roman"/>
+        <a:font script="Hebr" typeface="Times New Roman"/>
+        <a:font script="Thai" typeface="Angsana New"/>
+        <a:font script="Ethi" typeface="Nyala"/>
+        <a:font script="Beng" typeface="Vrinda"/>
+        <a:font script="Gujr" typeface="Shruti"/>
+        <a:font script="Khmr" typeface="MoolBoran"/>
+        <a:font script="Knda" typeface="Tunga"/>
+        <a:font script="Guru" typeface="Raavi"/>
+        <a:font script="Cans" typeface="Euphemia"/>
+        <a:font script="Cher" typeface="Plantagenet Cherokee"/>
+        <a:font script="Yiii" typeface="Microsoft Yi Baiti"/>
+        <a:font script="Tibt" typeface="Microsoft Himalaya"/>
+        <a:font script="Thaa" typeface="MV Boli"/>
+        <a:font script="Deva" typeface="Mangal"/>
+        <a:font script="Telu" typeface="Gautami"/>
+        <a:font script="Taml" typeface="Latha"/>
+        <a:font script="Syrc" typeface="Estrangelo Edessa"/>
+        <a:font script="Orya" typeface="Kalinga"/>
+        <a:font script="Mlym" typeface="Kartika"/>
+        <a:font script="Laoo" typeface="DokChampa"/>
+        <a:font script="Sinh" typeface="Iskoola Pota"/>
+        <a:font script="Mong" typeface="Mongolian Baiti"/>
+        <a:font script="Viet" typeface="Times New Roman"/>
+        <a:font script="Uigh" typeface="Microsoft Uighur"/>
+        <a:font script="Geor" typeface="Sylfaen"/>
+      </a:majorFont>
+      <a:minorFont>
+        <a:latin typeface="Arial"/>
+        <a:ea typeface=""/>
+        <a:cs typeface=""/>
+        <a:font script="Jpan" typeface="ＭＳ Ｐゴシック"/>
+        <a:font script="Hang" typeface="맑은 고딕"/>
+        <a:font script="Hans" typeface="宋体"/>
+        <a:font script="Hant" typeface="新細明體"/>
+        <a:font script="Arab" typeface="Arial"/>
+        <a:font script="Hebr" typeface="Arial"/>
+        <a:font script="Thai" typeface="Cordia New"/>
+        <a:font script="Ethi" typeface="Nyala"/>
+        <a:font script="Beng" typeface="Vrinda"/>
+        <a:font script="Gujr" typeface="Shruti"/>
+        <a:font script="Khmr" typeface="DaunPenh"/>
+        <a:font script="Knda" typeface="Tunga"/>
+        <a:font script="Guru" typeface="Raavi"/>
+        <a:font script="Cans" typeface="Euphemia"/>
+        <a:font script="Cher" typeface="Plantagenet Cherokee"/>
+        <a:font script="Yiii" typeface="Microsoft Yi Baiti"/>
+        <a:font script="Tibt" typeface="Microsoft Himalaya"/>
+        <a:font script="Thaa" typeface="MV Boli"/>
+        <a:font script="Deva" typeface="Mangal"/>
+        <a:font script="Telu" typeface="Gautami"/>
+        <a:font script="Taml" typeface="Latha"/>
+        <a:font script="Syrc" typeface="Estrangelo Edessa"/>
+        <a:font script="Orya" typeface="Kalinga"/>
+        <a:font script="Mlym" typeface="Kartika"/>
+        <a:font script="Laoo" typeface="DokChampa"/>
+        <a:font script="Sinh" typeface="Iskoola Pota"/>
+        <a:font script="Mong" typeface="Mongolian Baiti"/>
+        <a:font script="Viet" typeface="Arial"/>
+        <a:font script="Uigh" typeface="Microsoft Uighur"/>
+        <a:font script="Geor" typeface="Sylfaen"/>
+      </a:minorFont>
+    </a:fontScheme>
+    <a:fmtScheme name="Office">
+      <a:fillStyleLst>
+        <a:solidFill>
+          <a:schemeClr val="phClr"/>
+        </a:solidFill>
+        <a:gradFill rotWithShape="1">
+          <a:gsLst>
+            <a:gs pos="0">
+              <a:schemeClr val="phClr">
+                <a:tint val="50000"/>
+                <a:satMod val="300000"/>
+              </a:schemeClr>
+            </a:gs>
+            <a:gs pos="35000">
+              <a:schemeClr val="phClr">
+                <a:tint val="37000"/>
+                <a:satMod val="300000"/>
+              </a:schemeClr>
+            </a:gs>
+            <a:gs pos="100000">
+              <a:schemeClr val="phClr">
+                <a:tint val="15000"/>
+                <a:satMod val="350000"/>
+              </a:schemeClr>
+            </a:gs>
+          </a:gsLst>
+          <a:lin ang="16200000" scaled="1"/>
+        </a:gradFill>
+        <a:gradFill rotWithShape="1">
+          <a:gsLst>
+            <a:gs pos="0">
+              <a:schemeClr val="phClr">
+                <a:tint val="100000"/>
+                <a:shade val="100000"/>
+                <a:satMod val="130000"/>
+              </a:schemeClr>
+            </a:gs>
+            <a:gs pos="100000">
+              <a:schemeClr val="phClr">
+                <a:tint val="50000"/>
+                <a:shade val="100000"/>
+                <a:satMod val="350000"/>
+              </a:schemeClr>
+            </a:gs>
+          </a:gsLst>
+          <a:lin ang="16200000" scaled="0"/>
+        </a:gradFill>
+      </a:fillStyleLst>
+      <a:lnStyleLst>
+        <a:ln w="9525" cap="flat" cmpd="sng" algn="ctr">
+          <a:solidFill>
+            <a:schemeClr val="phClr">
+              <a:shade val="95000"/>
+              <a:satMod val="105000"/>
+            </a:schemeClr>
+          </a:solidFill>
+          <a:prstDash val="solid"/>
+        </a:ln>
+        <a:ln w="25400" cap="flat" cmpd="sng" algn="ctr">
+          <a:solidFill>
+            <a:schemeClr val="phClr"/>
+          </a:solidFill>
+          <a:prstDash val="solid"/>
+        </a:ln>
+        <a:ln w="38100" cap="flat" cmpd="sng" algn="ctr">
+          <a:solidFill>
+            <a:schemeClr val="phClr"/>
+          </a:solidFill>
+          <a:prstDash val="solid"/>
+        </a:ln>
+      </a:lnStyleLst>
+      <a:effectStyleLst>
+        <a:effectStyle>
+          <a:effectLst>
+            <a:outerShdw blurRad="40000" dist="20000" dir="5400000" rotWithShape="0">
+              <a:srgbClr val="000000">
+                <a:alpha val="38000"/>
+              </a:srgbClr>
+            </a:outerShdw>
+          </a:effectLst>
+        </a:effectStyle>
+        <a:effectStyle>
+          <a:effectLst>
+            <a:outerShdw blurRad="40000" dist="23000" dir="5400000" rotWithShape="0">
+              <a:srgbClr val="000000">
+                <a:alpha val="35000"/>
+              </a:srgbClr>
+            </a:outerShdw>
+          </a:effectLst>
+        </a:effectStyle>
+        <a:effectStyle>
+          <a:effectLst>
+            <a:outerShdw blurRad="40000" dist="23000" dir="5400000" rotWithShape="0">
+              <a:srgbClr val="000000">
+                <a:alpha val="35000"/>
+              </a:srgbClr>
+            </a:outerShdw>
+          </a:effectLst>
+          <a:scene3d>
+            <a:camera prst="orthographicFront">
+              <a:rot lat="0" lon="0" rev="0"/>
+            </a:camera>
+            <a:lightRig rig="threePt" dir="t">
+              <a:rot lat="0" lon="0" rev="1200000"/>
+            </a:lightRig>
+          </a:scene3d>
+          <a:sp3d>
+            <a:bevelT w="63500" h="25400"/>
+          </a:sp3d>
+        </a:effectStyle>
+      </a:effectStyleLst>
+      <a:bgFillStyleLst>
+        <a:solidFill>
+          <a:schemeClr val="phClr"/>
+        </a:solidFill>
+        <a:gradFill rotWithShape="1">
+          <a:gsLst>
+            <a:gs pos="0">
+              <a:schemeClr val="phClr">
+                <a:tint val="40000"/>
+                <a:satMod val="350000"/>
+              </a:schemeClr>
+            </a:gs>
+            <a:gs pos="40000">
+              <a:schemeClr val="phClr">
+                <a:tint val="45000"/>
+                <a:shade val="99000"/>
+                <a:satMod val="350000"/>
+              </a:schemeClr>
+            </a:gs>
+            <a:gs pos="100000">
+              <a:schemeClr val="phClr">
+                <a:shade val="20000"/>
+                <a:satMod val="255000"/>
+              </a:schemeClr>
+            </a:gs>
+          </a:gsLst>
+          <a:path path="circle">
+            <a:fillToRect l="50000" t="-80000" r="50000" b="180000"/>
+          </a:path>
+        </a:gradFill>
+        <a:gradFill rotWithShape="1">
+          <a:gsLst>
+            <a:gs pos="0">
+              <a:schemeClr val="phClr">
+                <a:tint val="80000"/>
+                <a:satMod val="300000"/>
+              </a:schemeClr>
+            </a:gs>
+            <a:gs pos="100000">
+              <a:schemeClr val="phClr">
+                <a:shade val="30000"/>
+                <a:satMod val="200000"/>
+              </a:schemeClr>
+            </a:gs>
+          </a:gsLst>
+          <a:path path="circle">
+            <a:fillToRect l="50000" t="50000" r="50000" b="50000"/>
+          </a:path>
+        </a:gradFill>
+      </a:bgFillStyleLst>
+    </a:fmtScheme>
+  </a:themeElements>
+</a:theme>
+</file>
+
+<file path=ppt/theme/theme2.xml><?xml version="1.0" encoding="utf-8"?>
 <a:theme xmlns:a="http://schemas.openxmlformats.org/drawingml/2006/main" xmlns:r="http://schemas.openxmlformats.org/officeDocument/2006/relationships">
   <a:themeElements>
     <a:clrScheme name="Default">
@@ -18652,283 +18931,4 @@
     </a:fmtScheme>
   </a:themeElements>
 </a:theme>
-</file>
-
-<file path=ppt/theme/theme2.xml><?xml version="1.0" encoding="utf-8"?>
-<a:theme xmlns:a="http://schemas.openxmlformats.org/drawingml/2006/main" xmlns:r="http://schemas.openxmlformats.org/officeDocument/2006/relationships" name="Simple Light">
-  <a:themeElements>
-    <a:clrScheme name="Simple Light">
-      <a:dk1>
-        <a:srgbClr val="000000"/>
-      </a:dk1>
-      <a:lt1>
-        <a:srgbClr val="FFFFFF"/>
-      </a:lt1>
-      <a:dk2>
-        <a:srgbClr val="595959"/>
-      </a:dk2>
-      <a:lt2>
-        <a:srgbClr val="EEEEEE"/>
-      </a:lt2>
-      <a:accent1>
-        <a:srgbClr val="4285F4"/>
-      </a:accent1>
-      <a:accent2>
-        <a:srgbClr val="212121"/>
-      </a:accent2>
-      <a:accent3>
-        <a:srgbClr val="78909C"/>
-      </a:accent3>
-      <a:accent4>
-        <a:srgbClr val="FFAB40"/>
-      </a:accent4>
-      <a:accent5>
-        <a:srgbClr val="0097A7"/>
-      </a:accent5>
-      <a:accent6>
-        <a:srgbClr val="EEFF41"/>
-      </a:accent6>
-      <a:hlink>
-        <a:srgbClr val="0097A7"/>
-      </a:hlink>
-      <a:folHlink>
-        <a:srgbClr val="0097A7"/>
-      </a:folHlink>
-    </a:clrScheme>
-    <a:fontScheme name="Office">
-      <a:majorFont>
-        <a:latin typeface="Arial"/>
-        <a:ea typeface=""/>
-        <a:cs typeface=""/>
-        <a:font script="Jpan" typeface="ＭＳ Ｐゴシック"/>
-        <a:font script="Hang" typeface="맑은 고딕"/>
-        <a:font script="Hans" typeface="宋体"/>
-        <a:font script="Hant" typeface="新細明體"/>
-        <a:font script="Arab" typeface="Times New Roman"/>
-        <a:font script="Hebr" typeface="Times New Roman"/>
-        <a:font script="Thai" typeface="Angsana New"/>
-        <a:font script="Ethi" typeface="Nyala"/>
-        <a:font script="Beng" typeface="Vrinda"/>
-        <a:font script="Gujr" typeface="Shruti"/>
-        <a:font script="Khmr" typeface="MoolBoran"/>
-        <a:font script="Knda" typeface="Tunga"/>
-        <a:font script="Guru" typeface="Raavi"/>
-        <a:font script="Cans" typeface="Euphemia"/>
-        <a:font script="Cher" typeface="Plantagenet Cherokee"/>
-        <a:font script="Yiii" typeface="Microsoft Yi Baiti"/>
-        <a:font script="Tibt" typeface="Microsoft Himalaya"/>
-        <a:font script="Thaa" typeface="MV Boli"/>
-        <a:font script="Deva" typeface="Mangal"/>
-        <a:font script="Telu" typeface="Gautami"/>
-        <a:font script="Taml" typeface="Latha"/>
-        <a:font script="Syrc" typeface="Estrangelo Edessa"/>
-        <a:font script="Orya" typeface="Kalinga"/>
-        <a:font script="Mlym" typeface="Kartika"/>
-        <a:font script="Laoo" typeface="DokChampa"/>
-        <a:font script="Sinh" typeface="Iskoola Pota"/>
-        <a:font script="Mong" typeface="Mongolian Baiti"/>
-        <a:font script="Viet" typeface="Times New Roman"/>
-        <a:font script="Uigh" typeface="Microsoft Uighur"/>
-        <a:font script="Geor" typeface="Sylfaen"/>
-      </a:majorFont>
-      <a:minorFont>
-        <a:latin typeface="Arial"/>
-        <a:ea typeface=""/>
-        <a:cs typeface=""/>
-        <a:font script="Jpan" typeface="ＭＳ Ｐゴシック"/>
-        <a:font script="Hang" typeface="맑은 고딕"/>
-        <a:font script="Hans" typeface="宋体"/>
-        <a:font script="Hant" typeface="新細明體"/>
-        <a:font script="Arab" typeface="Arial"/>
-        <a:font script="Hebr" typeface="Arial"/>
-        <a:font script="Thai" typeface="Cordia New"/>
-        <a:font script="Ethi" typeface="Nyala"/>
-        <a:font script="Beng" typeface="Vrinda"/>
-        <a:font script="Gujr" typeface="Shruti"/>
-        <a:font script="Khmr" typeface="DaunPenh"/>
-        <a:font script="Knda" typeface="Tunga"/>
-        <a:font script="Guru" typeface="Raavi"/>
-        <a:font script="Cans" typeface="Euphemia"/>
-        <a:font script="Cher" typeface="Plantagenet Cherokee"/>
-        <a:font script="Yiii" typeface="Microsoft Yi Baiti"/>
-        <a:font script="Tibt" typeface="Microsoft Himalaya"/>
-        <a:font script="Thaa" typeface="MV Boli"/>
-        <a:font script="Deva" typeface="Mangal"/>
-        <a:font script="Telu" typeface="Gautami"/>
-        <a:font script="Taml" typeface="Latha"/>
-        <a:font script="Syrc" typeface="Estrangelo Edessa"/>
-        <a:font script="Orya" typeface="Kalinga"/>
-        <a:font script="Mlym" typeface="Kartika"/>
-        <a:font script="Laoo" typeface="DokChampa"/>
-        <a:font script="Sinh" typeface="Iskoola Pota"/>
-        <a:font script="Mong" typeface="Mongolian Baiti"/>
-        <a:font script="Viet" typeface="Arial"/>
-        <a:font script="Uigh" typeface="Microsoft Uighur"/>
-        <a:font script="Geor" typeface="Sylfaen"/>
-      </a:minorFont>
-    </a:fontScheme>
-    <a:fmtScheme name="Office">
-      <a:fillStyleLst>
-        <a:solidFill>
-          <a:schemeClr val="phClr"/>
-        </a:solidFill>
-        <a:gradFill rotWithShape="1">
-          <a:gsLst>
-            <a:gs pos="0">
-              <a:schemeClr val="phClr">
-                <a:tint val="50000"/>
-                <a:satMod val="300000"/>
-              </a:schemeClr>
-            </a:gs>
-            <a:gs pos="35000">
-              <a:schemeClr val="phClr">
-                <a:tint val="37000"/>
-                <a:satMod val="300000"/>
-              </a:schemeClr>
-            </a:gs>
-            <a:gs pos="100000">
-              <a:schemeClr val="phClr">
-                <a:tint val="15000"/>
-                <a:satMod val="350000"/>
-              </a:schemeClr>
-            </a:gs>
-          </a:gsLst>
-          <a:lin ang="16200000" scaled="1"/>
-        </a:gradFill>
-        <a:gradFill rotWithShape="1">
-          <a:gsLst>
-            <a:gs pos="0">
-              <a:schemeClr val="phClr">
-                <a:tint val="100000"/>
-                <a:shade val="100000"/>
-                <a:satMod val="130000"/>
-              </a:schemeClr>
-            </a:gs>
-            <a:gs pos="100000">
-              <a:schemeClr val="phClr">
-                <a:tint val="50000"/>
-                <a:shade val="100000"/>
-                <a:satMod val="350000"/>
-              </a:schemeClr>
-            </a:gs>
-          </a:gsLst>
-          <a:lin ang="16200000" scaled="0"/>
-        </a:gradFill>
-      </a:fillStyleLst>
-      <a:lnStyleLst>
-        <a:ln w="9525" cap="flat" cmpd="sng" algn="ctr">
-          <a:solidFill>
-            <a:schemeClr val="phClr">
-              <a:shade val="95000"/>
-              <a:satMod val="105000"/>
-            </a:schemeClr>
-          </a:solidFill>
-          <a:prstDash val="solid"/>
-        </a:ln>
-        <a:ln w="25400" cap="flat" cmpd="sng" algn="ctr">
-          <a:solidFill>
-            <a:schemeClr val="phClr"/>
-          </a:solidFill>
-          <a:prstDash val="solid"/>
-        </a:ln>
-        <a:ln w="38100" cap="flat" cmpd="sng" algn="ctr">
-          <a:solidFill>
-            <a:schemeClr val="phClr"/>
-          </a:solidFill>
-          <a:prstDash val="solid"/>
-        </a:ln>
-      </a:lnStyleLst>
-      <a:effectStyleLst>
-        <a:effectStyle>
-          <a:effectLst>
-            <a:outerShdw blurRad="40000" dist="20000" dir="5400000" rotWithShape="0">
-              <a:srgbClr val="000000">
-                <a:alpha val="38000"/>
-              </a:srgbClr>
-            </a:outerShdw>
-          </a:effectLst>
-        </a:effectStyle>
-        <a:effectStyle>
-          <a:effectLst>
-            <a:outerShdw blurRad="40000" dist="23000" dir="5400000" rotWithShape="0">
-              <a:srgbClr val="000000">
-                <a:alpha val="35000"/>
-              </a:srgbClr>
-            </a:outerShdw>
-          </a:effectLst>
-        </a:effectStyle>
-        <a:effectStyle>
-          <a:effectLst>
-            <a:outerShdw blurRad="40000" dist="23000" dir="5400000" rotWithShape="0">
-              <a:srgbClr val="000000">
-                <a:alpha val="35000"/>
-              </a:srgbClr>
-            </a:outerShdw>
-          </a:effectLst>
-          <a:scene3d>
-            <a:camera prst="orthographicFront">
-              <a:rot lat="0" lon="0" rev="0"/>
-            </a:camera>
-            <a:lightRig rig="threePt" dir="t">
-              <a:rot lat="0" lon="0" rev="1200000"/>
-            </a:lightRig>
-          </a:scene3d>
-          <a:sp3d>
-            <a:bevelT w="63500" h="25400"/>
-          </a:sp3d>
-        </a:effectStyle>
-      </a:effectStyleLst>
-      <a:bgFillStyleLst>
-        <a:solidFill>
-          <a:schemeClr val="phClr"/>
-        </a:solidFill>
-        <a:gradFill rotWithShape="1">
-          <a:gsLst>
-            <a:gs pos="0">
-              <a:schemeClr val="phClr">
-                <a:tint val="40000"/>
-                <a:satMod val="350000"/>
-              </a:schemeClr>
-            </a:gs>
-            <a:gs pos="40000">
-              <a:schemeClr val="phClr">
-                <a:tint val="45000"/>
-                <a:shade val="99000"/>
-                <a:satMod val="350000"/>
-              </a:schemeClr>
-            </a:gs>
-            <a:gs pos="100000">
-              <a:schemeClr val="phClr">
-                <a:shade val="20000"/>
-                <a:satMod val="255000"/>
-              </a:schemeClr>
-            </a:gs>
-          </a:gsLst>
-          <a:path path="circle">
-            <a:fillToRect l="50000" t="-80000" r="50000" b="180000"/>
-          </a:path>
-        </a:gradFill>
-        <a:gradFill rotWithShape="1">
-          <a:gsLst>
-            <a:gs pos="0">
-              <a:schemeClr val="phClr">
-                <a:tint val="80000"/>
-                <a:satMod val="300000"/>
-              </a:schemeClr>
-            </a:gs>
-            <a:gs pos="100000">
-              <a:schemeClr val="phClr">
-                <a:shade val="30000"/>
-                <a:satMod val="200000"/>
-              </a:schemeClr>
-            </a:gs>
-          </a:gsLst>
-          <a:path path="circle">
-            <a:fillToRect l="50000" t="50000" r="50000" b="50000"/>
-          </a:path>
-        </a:gradFill>
-      </a:bgFillStyleLst>
-    </a:fmtScheme>
-  </a:themeElements>
-</a:theme>
 </file>